--- a/Lecture-8.pptx
+++ b/Lecture-8.pptx
@@ -12,7 +12,11 @@
     <p:sldId id="274" r:id="rId6"/>
     <p:sldId id="275" r:id="rId7"/>
     <p:sldId id="276" r:id="rId8"/>
-    <p:sldId id="272" r:id="rId9"/>
+    <p:sldId id="277" r:id="rId9"/>
+    <p:sldId id="278" r:id="rId10"/>
+    <p:sldId id="279" r:id="rId11"/>
+    <p:sldId id="280" r:id="rId12"/>
+    <p:sldId id="272" r:id="rId13"/>
   </p:sldIdLst>
   <p:sldSz cx="12192000" cy="6858000"/>
   <p:notesSz cx="6858000" cy="9144000"/>
@@ -250,7 +254,7 @@
           <a:p>
             <a:fld id="{029A3C74-D5E8-40CF-884D-E02A3153811B}" type="datetimeFigureOut">
               <a:rPr lang="en-US" smtClean="0"/>
-              <a:t>4/10/2024</a:t>
+              <a:t>4/12/2024</a:t>
             </a:fld>
             <a:endParaRPr lang="en-US"/>
           </a:p>
@@ -420,7 +424,7 @@
           <a:p>
             <a:fld id="{029A3C74-D5E8-40CF-884D-E02A3153811B}" type="datetimeFigureOut">
               <a:rPr lang="en-US" smtClean="0"/>
-              <a:t>4/10/2024</a:t>
+              <a:t>4/12/2024</a:t>
             </a:fld>
             <a:endParaRPr lang="en-US"/>
           </a:p>
@@ -600,7 +604,7 @@
           <a:p>
             <a:fld id="{029A3C74-D5E8-40CF-884D-E02A3153811B}" type="datetimeFigureOut">
               <a:rPr lang="en-US" smtClean="0"/>
-              <a:t>4/10/2024</a:t>
+              <a:t>4/12/2024</a:t>
             </a:fld>
             <a:endParaRPr lang="en-US"/>
           </a:p>
@@ -770,7 +774,7 @@
           <a:p>
             <a:fld id="{029A3C74-D5E8-40CF-884D-E02A3153811B}" type="datetimeFigureOut">
               <a:rPr lang="en-US" smtClean="0"/>
-              <a:t>4/10/2024</a:t>
+              <a:t>4/12/2024</a:t>
             </a:fld>
             <a:endParaRPr lang="en-US"/>
           </a:p>
@@ -1016,7 +1020,7 @@
           <a:p>
             <a:fld id="{029A3C74-D5E8-40CF-884D-E02A3153811B}" type="datetimeFigureOut">
               <a:rPr lang="en-US" smtClean="0"/>
-              <a:t>4/10/2024</a:t>
+              <a:t>4/12/2024</a:t>
             </a:fld>
             <a:endParaRPr lang="en-US"/>
           </a:p>
@@ -1248,7 +1252,7 @@
           <a:p>
             <a:fld id="{029A3C74-D5E8-40CF-884D-E02A3153811B}" type="datetimeFigureOut">
               <a:rPr lang="en-US" smtClean="0"/>
-              <a:t>4/10/2024</a:t>
+              <a:t>4/12/2024</a:t>
             </a:fld>
             <a:endParaRPr lang="en-US"/>
           </a:p>
@@ -1615,7 +1619,7 @@
           <a:p>
             <a:fld id="{029A3C74-D5E8-40CF-884D-E02A3153811B}" type="datetimeFigureOut">
               <a:rPr lang="en-US" smtClean="0"/>
-              <a:t>4/10/2024</a:t>
+              <a:t>4/12/2024</a:t>
             </a:fld>
             <a:endParaRPr lang="en-US"/>
           </a:p>
@@ -1733,7 +1737,7 @@
           <a:p>
             <a:fld id="{029A3C74-D5E8-40CF-884D-E02A3153811B}" type="datetimeFigureOut">
               <a:rPr lang="en-US" smtClean="0"/>
-              <a:t>4/10/2024</a:t>
+              <a:t>4/12/2024</a:t>
             </a:fld>
             <a:endParaRPr lang="en-US"/>
           </a:p>
@@ -1828,7 +1832,7 @@
           <a:p>
             <a:fld id="{029A3C74-D5E8-40CF-884D-E02A3153811B}" type="datetimeFigureOut">
               <a:rPr lang="en-US" smtClean="0"/>
-              <a:t>4/10/2024</a:t>
+              <a:t>4/12/2024</a:t>
             </a:fld>
             <a:endParaRPr lang="en-US"/>
           </a:p>
@@ -2105,7 +2109,7 @@
           <a:p>
             <a:fld id="{029A3C74-D5E8-40CF-884D-E02A3153811B}" type="datetimeFigureOut">
               <a:rPr lang="en-US" smtClean="0"/>
-              <a:t>4/10/2024</a:t>
+              <a:t>4/12/2024</a:t>
             </a:fld>
             <a:endParaRPr lang="en-US"/>
           </a:p>
@@ -2358,7 +2362,7 @@
           <a:p>
             <a:fld id="{029A3C74-D5E8-40CF-884D-E02A3153811B}" type="datetimeFigureOut">
               <a:rPr lang="en-US" smtClean="0"/>
-              <a:t>4/10/2024</a:t>
+              <a:t>4/12/2024</a:t>
             </a:fld>
             <a:endParaRPr lang="en-US"/>
           </a:p>
@@ -2571,7 +2575,7 @@
           <a:p>
             <a:fld id="{029A3C74-D5E8-40CF-884D-E02A3153811B}" type="datetimeFigureOut">
               <a:rPr lang="en-US" smtClean="0"/>
-              <a:t>4/10/2024</a:t>
+              <a:t>4/12/2024</a:t>
             </a:fld>
             <a:endParaRPr lang="en-US"/>
           </a:p>
@@ -3000,11 +3004,7 @@
             </a:br>
             <a:r>
               <a:rPr lang="en-US" dirty="0" smtClean="0"/>
-              <a:t>Lecture - </a:t>
-            </a:r>
-            <a:r>
-              <a:rPr lang="en-US" dirty="0" smtClean="0"/>
-              <a:t>8</a:t>
+              <a:t>Lecture - 8</a:t>
             </a:r>
             <a:endParaRPr lang="en-US" dirty="0"/>
           </a:p>
@@ -3039,6 +3039,5341 @@
   <p:clrMapOvr>
     <a:masterClrMapping/>
   </p:clrMapOvr>
+</p:sld>
+</file>
+
+<file path=ppt/slides/slide10.xml><?xml version="1.0" encoding="utf-8"?>
+<p:sld xmlns:a="http://schemas.openxmlformats.org/drawingml/2006/main" xmlns:r="http://schemas.openxmlformats.org/officeDocument/2006/relationships" xmlns:p="http://schemas.openxmlformats.org/presentationml/2006/main">
+  <p:cSld>
+    <p:spTree>
+      <p:nvGrpSpPr>
+        <p:cNvPr id="1" name=""/>
+        <p:cNvGrpSpPr/>
+        <p:nvPr/>
+      </p:nvGrpSpPr>
+      <p:grpSpPr>
+        <a:xfrm>
+          <a:off x="0" y="0"/>
+          <a:ext cx="0" cy="0"/>
+          <a:chOff x="0" y="0"/>
+          <a:chExt cx="0" cy="0"/>
+        </a:xfrm>
+      </p:grpSpPr>
+      <p:sp>
+        <p:nvSpPr>
+          <p:cNvPr id="2" name="Title 1"/>
+          <p:cNvSpPr>
+            <a:spLocks noGrp="1"/>
+          </p:cNvSpPr>
+          <p:nvPr>
+            <p:ph type="title"/>
+          </p:nvPr>
+        </p:nvSpPr>
+        <p:spPr>
+          <a:xfrm>
+            <a:off x="692426" y="332003"/>
+            <a:ext cx="10515600" cy="317354"/>
+          </a:xfrm>
+        </p:spPr>
+        <p:txBody>
+          <a:bodyPr>
+            <a:normAutofit fontScale="90000"/>
+          </a:bodyPr>
+          <a:lstStyle/>
+          <a:p>
+            <a:r>
+              <a:rPr lang="en-US" dirty="0">
+                <a:solidFill>
+                  <a:srgbClr val="FF0000"/>
+                </a:solidFill>
+              </a:rPr>
+              <a:t>Priority Scheduling (Continue</a:t>
+            </a:r>
+            <a:r>
+              <a:rPr lang="en-US" dirty="0" smtClean="0">
+                <a:solidFill>
+                  <a:srgbClr val="FF0000"/>
+                </a:solidFill>
+              </a:rPr>
+              <a:t>..)</a:t>
+            </a:r>
+            <a:br>
+              <a:rPr lang="en-US" dirty="0" smtClean="0">
+                <a:solidFill>
+                  <a:srgbClr val="FF0000"/>
+                </a:solidFill>
+              </a:rPr>
+            </a:br>
+            <a:r>
+              <a:rPr lang="en-US" dirty="0" smtClean="0">
+                <a:solidFill>
+                  <a:srgbClr val="FF0000"/>
+                </a:solidFill>
+              </a:rPr>
+              <a:t>Preemptive approach</a:t>
+            </a:r>
+            <a:endParaRPr lang="en-US" dirty="0"/>
+          </a:p>
+        </p:txBody>
+      </p:sp>
+      <p:graphicFrame>
+        <p:nvGraphicFramePr>
+          <p:cNvPr id="3" name="Table 2"/>
+          <p:cNvGraphicFramePr>
+            <a:graphicFrameLocks noGrp="1"/>
+          </p:cNvGraphicFramePr>
+          <p:nvPr>
+            <p:extLst>
+              <p:ext uri="{D42A27DB-BD31-4B8C-83A1-F6EECF244321}">
+                <p14:modId xmlns:p14="http://schemas.microsoft.com/office/powerpoint/2010/main" val="1714834522"/>
+              </p:ext>
+            </p:extLst>
+          </p:nvPr>
+        </p:nvGraphicFramePr>
+        <p:xfrm>
+          <a:off x="6874428" y="649357"/>
+          <a:ext cx="4919564" cy="2194560"/>
+        </p:xfrm>
+        <a:graphic>
+          <a:graphicData uri="http://schemas.openxmlformats.org/drawingml/2006/table">
+            <a:tbl>
+              <a:tblPr/>
+              <a:tblGrid>
+                <a:gridCol w="1200604">
+                  <a:extLst>
+                    <a:ext uri="{9D8B030D-6E8A-4147-A177-3AD203B41FA5}">
+                      <a16:colId xmlns:a16="http://schemas.microsoft.com/office/drawing/2014/main" val="3553740397"/>
+                    </a:ext>
+                  </a:extLst>
+                </a:gridCol>
+                <a:gridCol w="1317752">
+                  <a:extLst>
+                    <a:ext uri="{9D8B030D-6E8A-4147-A177-3AD203B41FA5}">
+                      <a16:colId xmlns:a16="http://schemas.microsoft.com/office/drawing/2014/main" val="2474375144"/>
+                    </a:ext>
+                  </a:extLst>
+                </a:gridCol>
+                <a:gridCol w="1200604">
+                  <a:extLst>
+                    <a:ext uri="{9D8B030D-6E8A-4147-A177-3AD203B41FA5}">
+                      <a16:colId xmlns:a16="http://schemas.microsoft.com/office/drawing/2014/main" val="1947899797"/>
+                    </a:ext>
+                  </a:extLst>
+                </a:gridCol>
+                <a:gridCol w="1200604">
+                  <a:extLst>
+                    <a:ext uri="{9D8B030D-6E8A-4147-A177-3AD203B41FA5}">
+                      <a16:colId xmlns:a16="http://schemas.microsoft.com/office/drawing/2014/main" val="1844856724"/>
+                    </a:ext>
+                  </a:extLst>
+                </a:gridCol>
+              </a:tblGrid>
+              <a:tr h="0">
+                <a:tc>
+                  <a:txBody>
+                    <a:bodyPr/>
+                    <a:lstStyle/>
+                    <a:p>
+                      <a:pPr algn="ctr"/>
+                      <a:r>
+                        <a:rPr lang="en-US" dirty="0">
+                          <a:effectLst/>
+                        </a:rPr>
+                        <a:t>Process</a:t>
+                      </a:r>
+                    </a:p>
+                  </a:txBody>
+                  <a:tcPr anchor="ctr">
+                    <a:lnL w="12700" cap="flat" cmpd="sng" algn="ctr">
+                      <a:solidFill>
+                        <a:schemeClr val="tx1"/>
+                      </a:solidFill>
+                      <a:prstDash val="solid"/>
+                      <a:round/>
+                      <a:headEnd type="none" w="med" len="med"/>
+                      <a:tailEnd type="none" w="med" len="med"/>
+                    </a:lnL>
+                    <a:lnR w="12700" cap="flat" cmpd="sng" algn="ctr">
+                      <a:solidFill>
+                        <a:schemeClr val="tx1"/>
+                      </a:solidFill>
+                      <a:prstDash val="solid"/>
+                      <a:round/>
+                      <a:headEnd type="none" w="med" len="med"/>
+                      <a:tailEnd type="none" w="med" len="med"/>
+                    </a:lnR>
+                    <a:lnT w="12700" cap="flat" cmpd="sng" algn="ctr">
+                      <a:solidFill>
+                        <a:schemeClr val="tx1"/>
+                      </a:solidFill>
+                      <a:prstDash val="solid"/>
+                      <a:round/>
+                      <a:headEnd type="none" w="med" len="med"/>
+                      <a:tailEnd type="none" w="med" len="med"/>
+                    </a:lnT>
+                    <a:lnB w="12700" cap="flat" cmpd="sng" algn="ctr">
+                      <a:solidFill>
+                        <a:schemeClr val="tx1"/>
+                      </a:solidFill>
+                      <a:prstDash val="solid"/>
+                      <a:round/>
+                      <a:headEnd type="none" w="med" len="med"/>
+                      <a:tailEnd type="none" w="med" len="med"/>
+                    </a:lnB>
+                    <a:solidFill>
+                      <a:srgbClr val="F9F9F9"/>
+                    </a:solidFill>
+                  </a:tcPr>
+                </a:tc>
+                <a:tc>
+                  <a:txBody>
+                    <a:bodyPr/>
+                    <a:lstStyle/>
+                    <a:p>
+                      <a:pPr algn="ctr"/>
+                      <a:r>
+                        <a:rPr lang="en-US" dirty="0">
+                          <a:effectLst/>
+                        </a:rPr>
+                        <a:t>Arrival time</a:t>
+                      </a:r>
+                    </a:p>
+                  </a:txBody>
+                  <a:tcPr anchor="ctr">
+                    <a:lnL w="12700" cap="flat" cmpd="sng" algn="ctr">
+                      <a:solidFill>
+                        <a:schemeClr val="tx1"/>
+                      </a:solidFill>
+                      <a:prstDash val="solid"/>
+                      <a:round/>
+                      <a:headEnd type="none" w="med" len="med"/>
+                      <a:tailEnd type="none" w="med" len="med"/>
+                    </a:lnL>
+                    <a:lnR w="12700" cap="flat" cmpd="sng" algn="ctr">
+                      <a:solidFill>
+                        <a:schemeClr val="tx1"/>
+                      </a:solidFill>
+                      <a:prstDash val="solid"/>
+                      <a:round/>
+                      <a:headEnd type="none" w="med" len="med"/>
+                      <a:tailEnd type="none" w="med" len="med"/>
+                    </a:lnR>
+                    <a:lnT w="12700" cap="flat" cmpd="sng" algn="ctr">
+                      <a:solidFill>
+                        <a:schemeClr val="tx1"/>
+                      </a:solidFill>
+                      <a:prstDash val="solid"/>
+                      <a:round/>
+                      <a:headEnd type="none" w="med" len="med"/>
+                      <a:tailEnd type="none" w="med" len="med"/>
+                    </a:lnT>
+                    <a:lnB w="12700" cap="flat" cmpd="sng" algn="ctr">
+                      <a:solidFill>
+                        <a:schemeClr val="tx1"/>
+                      </a:solidFill>
+                      <a:prstDash val="solid"/>
+                      <a:round/>
+                      <a:headEnd type="none" w="med" len="med"/>
+                      <a:tailEnd type="none" w="med" len="med"/>
+                    </a:lnB>
+                    <a:solidFill>
+                      <a:srgbClr val="F9F9F9"/>
+                    </a:solidFill>
+                  </a:tcPr>
+                </a:tc>
+                <a:tc>
+                  <a:txBody>
+                    <a:bodyPr/>
+                    <a:lstStyle/>
+                    <a:p>
+                      <a:pPr algn="ctr"/>
+                      <a:r>
+                        <a:rPr lang="en-US" dirty="0">
+                          <a:effectLst/>
+                        </a:rPr>
+                        <a:t>Burst time</a:t>
+                      </a:r>
+                    </a:p>
+                  </a:txBody>
+                  <a:tcPr anchor="ctr">
+                    <a:lnL w="12700" cap="flat" cmpd="sng" algn="ctr">
+                      <a:solidFill>
+                        <a:schemeClr val="tx1"/>
+                      </a:solidFill>
+                      <a:prstDash val="solid"/>
+                      <a:round/>
+                      <a:headEnd type="none" w="med" len="med"/>
+                      <a:tailEnd type="none" w="med" len="med"/>
+                    </a:lnL>
+                    <a:lnR w="12700" cap="flat" cmpd="sng" algn="ctr">
+                      <a:solidFill>
+                        <a:schemeClr val="tx1"/>
+                      </a:solidFill>
+                      <a:prstDash val="solid"/>
+                      <a:round/>
+                      <a:headEnd type="none" w="med" len="med"/>
+                      <a:tailEnd type="none" w="med" len="med"/>
+                    </a:lnR>
+                    <a:lnT w="12700" cap="flat" cmpd="sng" algn="ctr">
+                      <a:solidFill>
+                        <a:schemeClr val="tx1"/>
+                      </a:solidFill>
+                      <a:prstDash val="solid"/>
+                      <a:round/>
+                      <a:headEnd type="none" w="med" len="med"/>
+                      <a:tailEnd type="none" w="med" len="med"/>
+                    </a:lnT>
+                    <a:lnB w="12700" cap="flat" cmpd="sng" algn="ctr">
+                      <a:solidFill>
+                        <a:schemeClr val="tx1"/>
+                      </a:solidFill>
+                      <a:prstDash val="solid"/>
+                      <a:round/>
+                      <a:headEnd type="none" w="med" len="med"/>
+                      <a:tailEnd type="none" w="med" len="med"/>
+                    </a:lnB>
+                    <a:solidFill>
+                      <a:srgbClr val="F9F9F9"/>
+                    </a:solidFill>
+                  </a:tcPr>
+                </a:tc>
+                <a:tc>
+                  <a:txBody>
+                    <a:bodyPr/>
+                    <a:lstStyle/>
+                    <a:p>
+                      <a:pPr algn="ctr"/>
+                      <a:r>
+                        <a:rPr lang="en-US" dirty="0">
+                          <a:effectLst/>
+                        </a:rPr>
+                        <a:t>Priority</a:t>
+                      </a:r>
+                    </a:p>
+                  </a:txBody>
+                  <a:tcPr anchor="ctr">
+                    <a:lnL w="12700" cap="flat" cmpd="sng" algn="ctr">
+                      <a:solidFill>
+                        <a:schemeClr val="tx1"/>
+                      </a:solidFill>
+                      <a:prstDash val="solid"/>
+                      <a:round/>
+                      <a:headEnd type="none" w="med" len="med"/>
+                      <a:tailEnd type="none" w="med" len="med"/>
+                    </a:lnL>
+                    <a:lnR w="12700" cap="flat" cmpd="sng" algn="ctr">
+                      <a:solidFill>
+                        <a:schemeClr val="tx1"/>
+                      </a:solidFill>
+                      <a:prstDash val="solid"/>
+                      <a:round/>
+                      <a:headEnd type="none" w="med" len="med"/>
+                      <a:tailEnd type="none" w="med" len="med"/>
+                    </a:lnR>
+                    <a:lnT w="12700" cap="flat" cmpd="sng" algn="ctr">
+                      <a:solidFill>
+                        <a:schemeClr val="tx1"/>
+                      </a:solidFill>
+                      <a:prstDash val="solid"/>
+                      <a:round/>
+                      <a:headEnd type="none" w="med" len="med"/>
+                      <a:tailEnd type="none" w="med" len="med"/>
+                    </a:lnT>
+                    <a:lnB w="12700" cap="flat" cmpd="sng" algn="ctr">
+                      <a:solidFill>
+                        <a:schemeClr val="tx1"/>
+                      </a:solidFill>
+                      <a:prstDash val="solid"/>
+                      <a:round/>
+                      <a:headEnd type="none" w="med" len="med"/>
+                      <a:tailEnd type="none" w="med" len="med"/>
+                    </a:lnB>
+                    <a:solidFill>
+                      <a:srgbClr val="F9F9F9"/>
+                    </a:solidFill>
+                  </a:tcPr>
+                </a:tc>
+                <a:extLst>
+                  <a:ext uri="{0D108BD9-81ED-4DB2-BD59-A6C34878D82A}">
+                    <a16:rowId xmlns:a16="http://schemas.microsoft.com/office/drawing/2014/main" val="2631403030"/>
+                  </a:ext>
+                </a:extLst>
+              </a:tr>
+              <a:tr h="0">
+                <a:tc>
+                  <a:txBody>
+                    <a:bodyPr/>
+                    <a:lstStyle/>
+                    <a:p>
+                      <a:pPr algn="ctr"/>
+                      <a:r>
+                        <a:rPr lang="en-US" dirty="0">
+                          <a:effectLst/>
+                        </a:rPr>
+                        <a:t>P1</a:t>
+                      </a:r>
+                    </a:p>
+                  </a:txBody>
+                  <a:tcPr anchor="ctr">
+                    <a:lnL w="12700" cap="flat" cmpd="sng" algn="ctr">
+                      <a:solidFill>
+                        <a:schemeClr val="tx1"/>
+                      </a:solidFill>
+                      <a:prstDash val="solid"/>
+                      <a:round/>
+                      <a:headEnd type="none" w="med" len="med"/>
+                      <a:tailEnd type="none" w="med" len="med"/>
+                    </a:lnL>
+                    <a:lnR w="12700" cap="flat" cmpd="sng" algn="ctr">
+                      <a:solidFill>
+                        <a:schemeClr val="tx1"/>
+                      </a:solidFill>
+                      <a:prstDash val="solid"/>
+                      <a:round/>
+                      <a:headEnd type="none" w="med" len="med"/>
+                      <a:tailEnd type="none" w="med" len="med"/>
+                    </a:lnR>
+                    <a:lnT w="12700" cap="flat" cmpd="sng" algn="ctr">
+                      <a:solidFill>
+                        <a:schemeClr val="tx1"/>
+                      </a:solidFill>
+                      <a:prstDash val="solid"/>
+                      <a:round/>
+                      <a:headEnd type="none" w="med" len="med"/>
+                      <a:tailEnd type="none" w="med" len="med"/>
+                    </a:lnT>
+                    <a:lnB w="12700" cap="flat" cmpd="sng" algn="ctr">
+                      <a:solidFill>
+                        <a:schemeClr val="tx1"/>
+                      </a:solidFill>
+                      <a:prstDash val="solid"/>
+                      <a:round/>
+                      <a:headEnd type="none" w="med" len="med"/>
+                      <a:tailEnd type="none" w="med" len="med"/>
+                    </a:lnB>
+                    <a:solidFill>
+                      <a:srgbClr val="F9F9F9"/>
+                    </a:solidFill>
+                  </a:tcPr>
+                </a:tc>
+                <a:tc>
+                  <a:txBody>
+                    <a:bodyPr/>
+                    <a:lstStyle/>
+                    <a:p>
+                      <a:pPr algn="ctr"/>
+                      <a:r>
+                        <a:rPr lang="en-US" dirty="0">
+                          <a:solidFill>
+                            <a:srgbClr val="FF0000"/>
+                          </a:solidFill>
+                          <a:effectLst/>
+                        </a:rPr>
+                        <a:t>0</a:t>
+                      </a:r>
+                    </a:p>
+                  </a:txBody>
+                  <a:tcPr anchor="ctr">
+                    <a:lnL w="12700" cap="flat" cmpd="sng" algn="ctr">
+                      <a:solidFill>
+                        <a:schemeClr val="tx1"/>
+                      </a:solidFill>
+                      <a:prstDash val="solid"/>
+                      <a:round/>
+                      <a:headEnd type="none" w="med" len="med"/>
+                      <a:tailEnd type="none" w="med" len="med"/>
+                    </a:lnL>
+                    <a:lnR w="12700" cap="flat" cmpd="sng" algn="ctr">
+                      <a:solidFill>
+                        <a:schemeClr val="tx1"/>
+                      </a:solidFill>
+                      <a:prstDash val="solid"/>
+                      <a:round/>
+                      <a:headEnd type="none" w="med" len="med"/>
+                      <a:tailEnd type="none" w="med" len="med"/>
+                    </a:lnR>
+                    <a:lnT w="12700" cap="flat" cmpd="sng" algn="ctr">
+                      <a:solidFill>
+                        <a:schemeClr val="tx1"/>
+                      </a:solidFill>
+                      <a:prstDash val="solid"/>
+                      <a:round/>
+                      <a:headEnd type="none" w="med" len="med"/>
+                      <a:tailEnd type="none" w="med" len="med"/>
+                    </a:lnT>
+                    <a:lnB w="12700" cap="flat" cmpd="sng" algn="ctr">
+                      <a:solidFill>
+                        <a:schemeClr val="tx1"/>
+                      </a:solidFill>
+                      <a:prstDash val="solid"/>
+                      <a:round/>
+                      <a:headEnd type="none" w="med" len="med"/>
+                      <a:tailEnd type="none" w="med" len="med"/>
+                    </a:lnB>
+                    <a:solidFill>
+                      <a:srgbClr val="F9F9F9"/>
+                    </a:solidFill>
+                  </a:tcPr>
+                </a:tc>
+                <a:tc>
+                  <a:txBody>
+                    <a:bodyPr/>
+                    <a:lstStyle/>
+                    <a:p>
+                      <a:pPr algn="ctr"/>
+                      <a:r>
+                        <a:rPr lang="en-US" dirty="0">
+                          <a:effectLst/>
+                        </a:rPr>
+                        <a:t>4</a:t>
+                      </a:r>
+                    </a:p>
+                  </a:txBody>
+                  <a:tcPr anchor="ctr">
+                    <a:lnL w="12700" cap="flat" cmpd="sng" algn="ctr">
+                      <a:solidFill>
+                        <a:schemeClr val="tx1"/>
+                      </a:solidFill>
+                      <a:prstDash val="solid"/>
+                      <a:round/>
+                      <a:headEnd type="none" w="med" len="med"/>
+                      <a:tailEnd type="none" w="med" len="med"/>
+                    </a:lnL>
+                    <a:lnR w="12700" cap="flat" cmpd="sng" algn="ctr">
+                      <a:solidFill>
+                        <a:schemeClr val="tx1"/>
+                      </a:solidFill>
+                      <a:prstDash val="solid"/>
+                      <a:round/>
+                      <a:headEnd type="none" w="med" len="med"/>
+                      <a:tailEnd type="none" w="med" len="med"/>
+                    </a:lnR>
+                    <a:lnT w="12700" cap="flat" cmpd="sng" algn="ctr">
+                      <a:solidFill>
+                        <a:schemeClr val="tx1"/>
+                      </a:solidFill>
+                      <a:prstDash val="solid"/>
+                      <a:round/>
+                      <a:headEnd type="none" w="med" len="med"/>
+                      <a:tailEnd type="none" w="med" len="med"/>
+                    </a:lnT>
+                    <a:lnB w="12700" cap="flat" cmpd="sng" algn="ctr">
+                      <a:solidFill>
+                        <a:schemeClr val="tx1"/>
+                      </a:solidFill>
+                      <a:prstDash val="solid"/>
+                      <a:round/>
+                      <a:headEnd type="none" w="med" len="med"/>
+                      <a:tailEnd type="none" w="med" len="med"/>
+                    </a:lnB>
+                    <a:solidFill>
+                      <a:srgbClr val="F9F9F9"/>
+                    </a:solidFill>
+                  </a:tcPr>
+                </a:tc>
+                <a:tc>
+                  <a:txBody>
+                    <a:bodyPr/>
+                    <a:lstStyle/>
+                    <a:p>
+                      <a:pPr algn="ctr"/>
+                      <a:r>
+                        <a:rPr lang="en-US" dirty="0">
+                          <a:effectLst/>
+                        </a:rPr>
+                        <a:t>1</a:t>
+                      </a:r>
+                    </a:p>
+                  </a:txBody>
+                  <a:tcPr anchor="ctr">
+                    <a:lnL w="12700" cap="flat" cmpd="sng" algn="ctr">
+                      <a:solidFill>
+                        <a:schemeClr val="tx1"/>
+                      </a:solidFill>
+                      <a:prstDash val="solid"/>
+                      <a:round/>
+                      <a:headEnd type="none" w="med" len="med"/>
+                      <a:tailEnd type="none" w="med" len="med"/>
+                    </a:lnL>
+                    <a:lnR w="12700" cap="flat" cmpd="sng" algn="ctr">
+                      <a:solidFill>
+                        <a:schemeClr val="tx1"/>
+                      </a:solidFill>
+                      <a:prstDash val="solid"/>
+                      <a:round/>
+                      <a:headEnd type="none" w="med" len="med"/>
+                      <a:tailEnd type="none" w="med" len="med"/>
+                    </a:lnR>
+                    <a:lnT w="12700" cap="flat" cmpd="sng" algn="ctr">
+                      <a:solidFill>
+                        <a:schemeClr val="tx1"/>
+                      </a:solidFill>
+                      <a:prstDash val="solid"/>
+                      <a:round/>
+                      <a:headEnd type="none" w="med" len="med"/>
+                      <a:tailEnd type="none" w="med" len="med"/>
+                    </a:lnT>
+                    <a:lnB w="12700" cap="flat" cmpd="sng" algn="ctr">
+                      <a:solidFill>
+                        <a:schemeClr val="tx1"/>
+                      </a:solidFill>
+                      <a:prstDash val="solid"/>
+                      <a:round/>
+                      <a:headEnd type="none" w="med" len="med"/>
+                      <a:tailEnd type="none" w="med" len="med"/>
+                    </a:lnB>
+                    <a:solidFill>
+                      <a:srgbClr val="F9F9F9"/>
+                    </a:solidFill>
+                  </a:tcPr>
+                </a:tc>
+                <a:extLst>
+                  <a:ext uri="{0D108BD9-81ED-4DB2-BD59-A6C34878D82A}">
+                    <a16:rowId xmlns:a16="http://schemas.microsoft.com/office/drawing/2014/main" val="1104042977"/>
+                  </a:ext>
+                </a:extLst>
+              </a:tr>
+              <a:tr h="0">
+                <a:tc>
+                  <a:txBody>
+                    <a:bodyPr/>
+                    <a:lstStyle/>
+                    <a:p>
+                      <a:pPr algn="ctr"/>
+                      <a:r>
+                        <a:rPr lang="en-US" dirty="0">
+                          <a:effectLst/>
+                        </a:rPr>
+                        <a:t>P2</a:t>
+                      </a:r>
+                    </a:p>
+                  </a:txBody>
+                  <a:tcPr anchor="ctr">
+                    <a:lnL w="12700" cap="flat" cmpd="sng" algn="ctr">
+                      <a:solidFill>
+                        <a:schemeClr val="tx1"/>
+                      </a:solidFill>
+                      <a:prstDash val="solid"/>
+                      <a:round/>
+                      <a:headEnd type="none" w="med" len="med"/>
+                      <a:tailEnd type="none" w="med" len="med"/>
+                    </a:lnL>
+                    <a:lnR w="12700" cap="flat" cmpd="sng" algn="ctr">
+                      <a:solidFill>
+                        <a:schemeClr val="tx1"/>
+                      </a:solidFill>
+                      <a:prstDash val="solid"/>
+                      <a:round/>
+                      <a:headEnd type="none" w="med" len="med"/>
+                      <a:tailEnd type="none" w="med" len="med"/>
+                    </a:lnR>
+                    <a:lnT w="12700" cap="flat" cmpd="sng" algn="ctr">
+                      <a:solidFill>
+                        <a:schemeClr val="tx1"/>
+                      </a:solidFill>
+                      <a:prstDash val="solid"/>
+                      <a:round/>
+                      <a:headEnd type="none" w="med" len="med"/>
+                      <a:tailEnd type="none" w="med" len="med"/>
+                    </a:lnT>
+                    <a:lnB w="12700" cap="flat" cmpd="sng" algn="ctr">
+                      <a:solidFill>
+                        <a:schemeClr val="tx1"/>
+                      </a:solidFill>
+                      <a:prstDash val="solid"/>
+                      <a:round/>
+                      <a:headEnd type="none" w="med" len="med"/>
+                      <a:tailEnd type="none" w="med" len="med"/>
+                    </a:lnB>
+                    <a:solidFill>
+                      <a:srgbClr val="FFFFFF"/>
+                    </a:solidFill>
+                  </a:tcPr>
+                </a:tc>
+                <a:tc>
+                  <a:txBody>
+                    <a:bodyPr/>
+                    <a:lstStyle/>
+                    <a:p>
+                      <a:pPr algn="ctr"/>
+                      <a:r>
+                        <a:rPr lang="en-US" dirty="0">
+                          <a:solidFill>
+                            <a:srgbClr val="FF0000"/>
+                          </a:solidFill>
+                          <a:effectLst/>
+                        </a:rPr>
+                        <a:t>0</a:t>
+                      </a:r>
+                    </a:p>
+                  </a:txBody>
+                  <a:tcPr anchor="ctr">
+                    <a:lnL w="12700" cap="flat" cmpd="sng" algn="ctr">
+                      <a:solidFill>
+                        <a:schemeClr val="tx1"/>
+                      </a:solidFill>
+                      <a:prstDash val="solid"/>
+                      <a:round/>
+                      <a:headEnd type="none" w="med" len="med"/>
+                      <a:tailEnd type="none" w="med" len="med"/>
+                    </a:lnL>
+                    <a:lnR w="12700" cap="flat" cmpd="sng" algn="ctr">
+                      <a:solidFill>
+                        <a:schemeClr val="tx1"/>
+                      </a:solidFill>
+                      <a:prstDash val="solid"/>
+                      <a:round/>
+                      <a:headEnd type="none" w="med" len="med"/>
+                      <a:tailEnd type="none" w="med" len="med"/>
+                    </a:lnR>
+                    <a:lnT w="12700" cap="flat" cmpd="sng" algn="ctr">
+                      <a:solidFill>
+                        <a:schemeClr val="tx1"/>
+                      </a:solidFill>
+                      <a:prstDash val="solid"/>
+                      <a:round/>
+                      <a:headEnd type="none" w="med" len="med"/>
+                      <a:tailEnd type="none" w="med" len="med"/>
+                    </a:lnT>
+                    <a:lnB w="12700" cap="flat" cmpd="sng" algn="ctr">
+                      <a:solidFill>
+                        <a:schemeClr val="tx1"/>
+                      </a:solidFill>
+                      <a:prstDash val="solid"/>
+                      <a:round/>
+                      <a:headEnd type="none" w="med" len="med"/>
+                      <a:tailEnd type="none" w="med" len="med"/>
+                    </a:lnB>
+                    <a:solidFill>
+                      <a:srgbClr val="FFFFFF"/>
+                    </a:solidFill>
+                  </a:tcPr>
+                </a:tc>
+                <a:tc>
+                  <a:txBody>
+                    <a:bodyPr/>
+                    <a:lstStyle/>
+                    <a:p>
+                      <a:pPr algn="ctr"/>
+                      <a:r>
+                        <a:rPr lang="en-US" dirty="0">
+                          <a:effectLst/>
+                        </a:rPr>
+                        <a:t>3</a:t>
+                      </a:r>
+                    </a:p>
+                  </a:txBody>
+                  <a:tcPr anchor="ctr">
+                    <a:lnL w="12700" cap="flat" cmpd="sng" algn="ctr">
+                      <a:solidFill>
+                        <a:schemeClr val="tx1"/>
+                      </a:solidFill>
+                      <a:prstDash val="solid"/>
+                      <a:round/>
+                      <a:headEnd type="none" w="med" len="med"/>
+                      <a:tailEnd type="none" w="med" len="med"/>
+                    </a:lnL>
+                    <a:lnR w="12700" cap="flat" cmpd="sng" algn="ctr">
+                      <a:solidFill>
+                        <a:schemeClr val="tx1"/>
+                      </a:solidFill>
+                      <a:prstDash val="solid"/>
+                      <a:round/>
+                      <a:headEnd type="none" w="med" len="med"/>
+                      <a:tailEnd type="none" w="med" len="med"/>
+                    </a:lnR>
+                    <a:lnT w="12700" cap="flat" cmpd="sng" algn="ctr">
+                      <a:solidFill>
+                        <a:schemeClr val="tx1"/>
+                      </a:solidFill>
+                      <a:prstDash val="solid"/>
+                      <a:round/>
+                      <a:headEnd type="none" w="med" len="med"/>
+                      <a:tailEnd type="none" w="med" len="med"/>
+                    </a:lnT>
+                    <a:lnB w="12700" cap="flat" cmpd="sng" algn="ctr">
+                      <a:solidFill>
+                        <a:schemeClr val="tx1"/>
+                      </a:solidFill>
+                      <a:prstDash val="solid"/>
+                      <a:round/>
+                      <a:headEnd type="none" w="med" len="med"/>
+                      <a:tailEnd type="none" w="med" len="med"/>
+                    </a:lnB>
+                    <a:solidFill>
+                      <a:srgbClr val="FFFFFF"/>
+                    </a:solidFill>
+                  </a:tcPr>
+                </a:tc>
+                <a:tc>
+                  <a:txBody>
+                    <a:bodyPr/>
+                    <a:lstStyle/>
+                    <a:p>
+                      <a:pPr algn="ctr"/>
+                      <a:r>
+                        <a:rPr lang="en-US" dirty="0">
+                          <a:effectLst/>
+                        </a:rPr>
+                        <a:t>2</a:t>
+                      </a:r>
+                    </a:p>
+                  </a:txBody>
+                  <a:tcPr anchor="ctr">
+                    <a:lnL w="12700" cap="flat" cmpd="sng" algn="ctr">
+                      <a:solidFill>
+                        <a:schemeClr val="tx1"/>
+                      </a:solidFill>
+                      <a:prstDash val="solid"/>
+                      <a:round/>
+                      <a:headEnd type="none" w="med" len="med"/>
+                      <a:tailEnd type="none" w="med" len="med"/>
+                    </a:lnL>
+                    <a:lnR w="12700" cap="flat" cmpd="sng" algn="ctr">
+                      <a:solidFill>
+                        <a:schemeClr val="tx1"/>
+                      </a:solidFill>
+                      <a:prstDash val="solid"/>
+                      <a:round/>
+                      <a:headEnd type="none" w="med" len="med"/>
+                      <a:tailEnd type="none" w="med" len="med"/>
+                    </a:lnR>
+                    <a:lnT w="12700" cap="flat" cmpd="sng" algn="ctr">
+                      <a:solidFill>
+                        <a:schemeClr val="tx1"/>
+                      </a:solidFill>
+                      <a:prstDash val="solid"/>
+                      <a:round/>
+                      <a:headEnd type="none" w="med" len="med"/>
+                      <a:tailEnd type="none" w="med" len="med"/>
+                    </a:lnT>
+                    <a:lnB w="12700" cap="flat" cmpd="sng" algn="ctr">
+                      <a:solidFill>
+                        <a:schemeClr val="tx1"/>
+                      </a:solidFill>
+                      <a:prstDash val="solid"/>
+                      <a:round/>
+                      <a:headEnd type="none" w="med" len="med"/>
+                      <a:tailEnd type="none" w="med" len="med"/>
+                    </a:lnB>
+                    <a:solidFill>
+                      <a:srgbClr val="FFFFFF"/>
+                    </a:solidFill>
+                  </a:tcPr>
+                </a:tc>
+                <a:extLst>
+                  <a:ext uri="{0D108BD9-81ED-4DB2-BD59-A6C34878D82A}">
+                    <a16:rowId xmlns:a16="http://schemas.microsoft.com/office/drawing/2014/main" val="4235819181"/>
+                  </a:ext>
+                </a:extLst>
+              </a:tr>
+              <a:tr h="0">
+                <a:tc>
+                  <a:txBody>
+                    <a:bodyPr/>
+                    <a:lstStyle/>
+                    <a:p>
+                      <a:pPr algn="ctr"/>
+                      <a:r>
+                        <a:rPr lang="en-US" dirty="0">
+                          <a:effectLst/>
+                        </a:rPr>
+                        <a:t>P3</a:t>
+                      </a:r>
+                    </a:p>
+                  </a:txBody>
+                  <a:tcPr anchor="ctr">
+                    <a:lnL w="12700" cap="flat" cmpd="sng" algn="ctr">
+                      <a:solidFill>
+                        <a:schemeClr val="tx1"/>
+                      </a:solidFill>
+                      <a:prstDash val="solid"/>
+                      <a:round/>
+                      <a:headEnd type="none" w="med" len="med"/>
+                      <a:tailEnd type="none" w="med" len="med"/>
+                    </a:lnL>
+                    <a:lnR w="12700" cap="flat" cmpd="sng" algn="ctr">
+                      <a:solidFill>
+                        <a:schemeClr val="tx1"/>
+                      </a:solidFill>
+                      <a:prstDash val="solid"/>
+                      <a:round/>
+                      <a:headEnd type="none" w="med" len="med"/>
+                      <a:tailEnd type="none" w="med" len="med"/>
+                    </a:lnR>
+                    <a:lnT w="12700" cap="flat" cmpd="sng" algn="ctr">
+                      <a:solidFill>
+                        <a:schemeClr val="tx1"/>
+                      </a:solidFill>
+                      <a:prstDash val="solid"/>
+                      <a:round/>
+                      <a:headEnd type="none" w="med" len="med"/>
+                      <a:tailEnd type="none" w="med" len="med"/>
+                    </a:lnT>
+                    <a:lnB w="12700" cap="flat" cmpd="sng" algn="ctr">
+                      <a:solidFill>
+                        <a:schemeClr val="tx1"/>
+                      </a:solidFill>
+                      <a:prstDash val="solid"/>
+                      <a:round/>
+                      <a:headEnd type="none" w="med" len="med"/>
+                      <a:tailEnd type="none" w="med" len="med"/>
+                    </a:lnB>
+                    <a:solidFill>
+                      <a:srgbClr val="F9F9F9"/>
+                    </a:solidFill>
+                  </a:tcPr>
+                </a:tc>
+                <a:tc>
+                  <a:txBody>
+                    <a:bodyPr/>
+                    <a:lstStyle/>
+                    <a:p>
+                      <a:pPr algn="ctr"/>
+                      <a:r>
+                        <a:rPr lang="en-US" dirty="0">
+                          <a:effectLst/>
+                        </a:rPr>
+                        <a:t>6</a:t>
+                      </a:r>
+                    </a:p>
+                  </a:txBody>
+                  <a:tcPr anchor="ctr">
+                    <a:lnL w="12700" cap="flat" cmpd="sng" algn="ctr">
+                      <a:solidFill>
+                        <a:schemeClr val="tx1"/>
+                      </a:solidFill>
+                      <a:prstDash val="solid"/>
+                      <a:round/>
+                      <a:headEnd type="none" w="med" len="med"/>
+                      <a:tailEnd type="none" w="med" len="med"/>
+                    </a:lnL>
+                    <a:lnR w="12700" cap="flat" cmpd="sng" algn="ctr">
+                      <a:solidFill>
+                        <a:schemeClr val="tx1"/>
+                      </a:solidFill>
+                      <a:prstDash val="solid"/>
+                      <a:round/>
+                      <a:headEnd type="none" w="med" len="med"/>
+                      <a:tailEnd type="none" w="med" len="med"/>
+                    </a:lnR>
+                    <a:lnT w="12700" cap="flat" cmpd="sng" algn="ctr">
+                      <a:solidFill>
+                        <a:schemeClr val="tx1"/>
+                      </a:solidFill>
+                      <a:prstDash val="solid"/>
+                      <a:round/>
+                      <a:headEnd type="none" w="med" len="med"/>
+                      <a:tailEnd type="none" w="med" len="med"/>
+                    </a:lnT>
+                    <a:lnB w="12700" cap="flat" cmpd="sng" algn="ctr">
+                      <a:solidFill>
+                        <a:schemeClr val="tx1"/>
+                      </a:solidFill>
+                      <a:prstDash val="solid"/>
+                      <a:round/>
+                      <a:headEnd type="none" w="med" len="med"/>
+                      <a:tailEnd type="none" w="med" len="med"/>
+                    </a:lnB>
+                    <a:solidFill>
+                      <a:srgbClr val="F9F9F9"/>
+                    </a:solidFill>
+                  </a:tcPr>
+                </a:tc>
+                <a:tc>
+                  <a:txBody>
+                    <a:bodyPr/>
+                    <a:lstStyle/>
+                    <a:p>
+                      <a:pPr algn="ctr"/>
+                      <a:r>
+                        <a:rPr lang="en-US" dirty="0">
+                          <a:effectLst/>
+                        </a:rPr>
+                        <a:t>7</a:t>
+                      </a:r>
+                    </a:p>
+                  </a:txBody>
+                  <a:tcPr anchor="ctr">
+                    <a:lnL w="12700" cap="flat" cmpd="sng" algn="ctr">
+                      <a:solidFill>
+                        <a:schemeClr val="tx1"/>
+                      </a:solidFill>
+                      <a:prstDash val="solid"/>
+                      <a:round/>
+                      <a:headEnd type="none" w="med" len="med"/>
+                      <a:tailEnd type="none" w="med" len="med"/>
+                    </a:lnL>
+                    <a:lnR w="12700" cap="flat" cmpd="sng" algn="ctr">
+                      <a:solidFill>
+                        <a:schemeClr val="tx1"/>
+                      </a:solidFill>
+                      <a:prstDash val="solid"/>
+                      <a:round/>
+                      <a:headEnd type="none" w="med" len="med"/>
+                      <a:tailEnd type="none" w="med" len="med"/>
+                    </a:lnR>
+                    <a:lnT w="12700" cap="flat" cmpd="sng" algn="ctr">
+                      <a:solidFill>
+                        <a:schemeClr val="tx1"/>
+                      </a:solidFill>
+                      <a:prstDash val="solid"/>
+                      <a:round/>
+                      <a:headEnd type="none" w="med" len="med"/>
+                      <a:tailEnd type="none" w="med" len="med"/>
+                    </a:lnT>
+                    <a:lnB w="12700" cap="flat" cmpd="sng" algn="ctr">
+                      <a:solidFill>
+                        <a:schemeClr val="tx1"/>
+                      </a:solidFill>
+                      <a:prstDash val="solid"/>
+                      <a:round/>
+                      <a:headEnd type="none" w="med" len="med"/>
+                      <a:tailEnd type="none" w="med" len="med"/>
+                    </a:lnB>
+                    <a:solidFill>
+                      <a:srgbClr val="F9F9F9"/>
+                    </a:solidFill>
+                  </a:tcPr>
+                </a:tc>
+                <a:tc>
+                  <a:txBody>
+                    <a:bodyPr/>
+                    <a:lstStyle/>
+                    <a:p>
+                      <a:pPr algn="ctr"/>
+                      <a:r>
+                        <a:rPr lang="en-US" dirty="0">
+                          <a:effectLst/>
+                        </a:rPr>
+                        <a:t>1</a:t>
+                      </a:r>
+                    </a:p>
+                  </a:txBody>
+                  <a:tcPr anchor="ctr">
+                    <a:lnL w="12700" cap="flat" cmpd="sng" algn="ctr">
+                      <a:solidFill>
+                        <a:schemeClr val="tx1"/>
+                      </a:solidFill>
+                      <a:prstDash val="solid"/>
+                      <a:round/>
+                      <a:headEnd type="none" w="med" len="med"/>
+                      <a:tailEnd type="none" w="med" len="med"/>
+                    </a:lnL>
+                    <a:lnR w="12700" cap="flat" cmpd="sng" algn="ctr">
+                      <a:solidFill>
+                        <a:schemeClr val="tx1"/>
+                      </a:solidFill>
+                      <a:prstDash val="solid"/>
+                      <a:round/>
+                      <a:headEnd type="none" w="med" len="med"/>
+                      <a:tailEnd type="none" w="med" len="med"/>
+                    </a:lnR>
+                    <a:lnT w="12700" cap="flat" cmpd="sng" algn="ctr">
+                      <a:solidFill>
+                        <a:schemeClr val="tx1"/>
+                      </a:solidFill>
+                      <a:prstDash val="solid"/>
+                      <a:round/>
+                      <a:headEnd type="none" w="med" len="med"/>
+                      <a:tailEnd type="none" w="med" len="med"/>
+                    </a:lnT>
+                    <a:lnB w="12700" cap="flat" cmpd="sng" algn="ctr">
+                      <a:solidFill>
+                        <a:schemeClr val="tx1"/>
+                      </a:solidFill>
+                      <a:prstDash val="solid"/>
+                      <a:round/>
+                      <a:headEnd type="none" w="med" len="med"/>
+                      <a:tailEnd type="none" w="med" len="med"/>
+                    </a:lnB>
+                    <a:solidFill>
+                      <a:srgbClr val="F9F9F9"/>
+                    </a:solidFill>
+                  </a:tcPr>
+                </a:tc>
+                <a:extLst>
+                  <a:ext uri="{0D108BD9-81ED-4DB2-BD59-A6C34878D82A}">
+                    <a16:rowId xmlns:a16="http://schemas.microsoft.com/office/drawing/2014/main" val="2647805273"/>
+                  </a:ext>
+                </a:extLst>
+              </a:tr>
+              <a:tr h="0">
+                <a:tc>
+                  <a:txBody>
+                    <a:bodyPr/>
+                    <a:lstStyle/>
+                    <a:p>
+                      <a:pPr algn="ctr"/>
+                      <a:r>
+                        <a:rPr lang="en-US" dirty="0">
+                          <a:effectLst/>
+                        </a:rPr>
+                        <a:t>P4</a:t>
+                      </a:r>
+                    </a:p>
+                  </a:txBody>
+                  <a:tcPr anchor="ctr">
+                    <a:lnL w="12700" cap="flat" cmpd="sng" algn="ctr">
+                      <a:solidFill>
+                        <a:schemeClr val="tx1"/>
+                      </a:solidFill>
+                      <a:prstDash val="solid"/>
+                      <a:round/>
+                      <a:headEnd type="none" w="med" len="med"/>
+                      <a:tailEnd type="none" w="med" len="med"/>
+                    </a:lnL>
+                    <a:lnR w="12700" cap="flat" cmpd="sng" algn="ctr">
+                      <a:solidFill>
+                        <a:schemeClr val="tx1"/>
+                      </a:solidFill>
+                      <a:prstDash val="solid"/>
+                      <a:round/>
+                      <a:headEnd type="none" w="med" len="med"/>
+                      <a:tailEnd type="none" w="med" len="med"/>
+                    </a:lnR>
+                    <a:lnT w="12700" cap="flat" cmpd="sng" algn="ctr">
+                      <a:solidFill>
+                        <a:schemeClr val="tx1"/>
+                      </a:solidFill>
+                      <a:prstDash val="solid"/>
+                      <a:round/>
+                      <a:headEnd type="none" w="med" len="med"/>
+                      <a:tailEnd type="none" w="med" len="med"/>
+                    </a:lnT>
+                    <a:lnB w="12700" cap="flat" cmpd="sng" algn="ctr">
+                      <a:solidFill>
+                        <a:schemeClr val="tx1"/>
+                      </a:solidFill>
+                      <a:prstDash val="solid"/>
+                      <a:round/>
+                      <a:headEnd type="none" w="med" len="med"/>
+                      <a:tailEnd type="none" w="med" len="med"/>
+                    </a:lnB>
+                    <a:solidFill>
+                      <a:srgbClr val="FFFFFF"/>
+                    </a:solidFill>
+                  </a:tcPr>
+                </a:tc>
+                <a:tc>
+                  <a:txBody>
+                    <a:bodyPr/>
+                    <a:lstStyle/>
+                    <a:p>
+                      <a:pPr algn="ctr"/>
+                      <a:r>
+                        <a:rPr lang="en-US" dirty="0">
+                          <a:effectLst/>
+                        </a:rPr>
+                        <a:t>11</a:t>
+                      </a:r>
+                    </a:p>
+                  </a:txBody>
+                  <a:tcPr anchor="ctr">
+                    <a:lnL w="12700" cap="flat" cmpd="sng" algn="ctr">
+                      <a:solidFill>
+                        <a:schemeClr val="tx1"/>
+                      </a:solidFill>
+                      <a:prstDash val="solid"/>
+                      <a:round/>
+                      <a:headEnd type="none" w="med" len="med"/>
+                      <a:tailEnd type="none" w="med" len="med"/>
+                    </a:lnL>
+                    <a:lnR w="12700" cap="flat" cmpd="sng" algn="ctr">
+                      <a:solidFill>
+                        <a:schemeClr val="tx1"/>
+                      </a:solidFill>
+                      <a:prstDash val="solid"/>
+                      <a:round/>
+                      <a:headEnd type="none" w="med" len="med"/>
+                      <a:tailEnd type="none" w="med" len="med"/>
+                    </a:lnR>
+                    <a:lnT w="12700" cap="flat" cmpd="sng" algn="ctr">
+                      <a:solidFill>
+                        <a:schemeClr val="tx1"/>
+                      </a:solidFill>
+                      <a:prstDash val="solid"/>
+                      <a:round/>
+                      <a:headEnd type="none" w="med" len="med"/>
+                      <a:tailEnd type="none" w="med" len="med"/>
+                    </a:lnT>
+                    <a:lnB w="12700" cap="flat" cmpd="sng" algn="ctr">
+                      <a:solidFill>
+                        <a:schemeClr val="tx1"/>
+                      </a:solidFill>
+                      <a:prstDash val="solid"/>
+                      <a:round/>
+                      <a:headEnd type="none" w="med" len="med"/>
+                      <a:tailEnd type="none" w="med" len="med"/>
+                    </a:lnB>
+                    <a:solidFill>
+                      <a:srgbClr val="FFFFFF"/>
+                    </a:solidFill>
+                  </a:tcPr>
+                </a:tc>
+                <a:tc>
+                  <a:txBody>
+                    <a:bodyPr/>
+                    <a:lstStyle/>
+                    <a:p>
+                      <a:pPr algn="ctr"/>
+                      <a:r>
+                        <a:rPr lang="en-US" dirty="0">
+                          <a:effectLst/>
+                        </a:rPr>
+                        <a:t>4</a:t>
+                      </a:r>
+                    </a:p>
+                  </a:txBody>
+                  <a:tcPr anchor="ctr">
+                    <a:lnL w="12700" cap="flat" cmpd="sng" algn="ctr">
+                      <a:solidFill>
+                        <a:schemeClr val="tx1"/>
+                      </a:solidFill>
+                      <a:prstDash val="solid"/>
+                      <a:round/>
+                      <a:headEnd type="none" w="med" len="med"/>
+                      <a:tailEnd type="none" w="med" len="med"/>
+                    </a:lnL>
+                    <a:lnR w="12700" cap="flat" cmpd="sng" algn="ctr">
+                      <a:solidFill>
+                        <a:schemeClr val="tx1"/>
+                      </a:solidFill>
+                      <a:prstDash val="solid"/>
+                      <a:round/>
+                      <a:headEnd type="none" w="med" len="med"/>
+                      <a:tailEnd type="none" w="med" len="med"/>
+                    </a:lnR>
+                    <a:lnT w="12700" cap="flat" cmpd="sng" algn="ctr">
+                      <a:solidFill>
+                        <a:schemeClr val="tx1"/>
+                      </a:solidFill>
+                      <a:prstDash val="solid"/>
+                      <a:round/>
+                      <a:headEnd type="none" w="med" len="med"/>
+                      <a:tailEnd type="none" w="med" len="med"/>
+                    </a:lnT>
+                    <a:lnB w="12700" cap="flat" cmpd="sng" algn="ctr">
+                      <a:solidFill>
+                        <a:schemeClr val="tx1"/>
+                      </a:solidFill>
+                      <a:prstDash val="solid"/>
+                      <a:round/>
+                      <a:headEnd type="none" w="med" len="med"/>
+                      <a:tailEnd type="none" w="med" len="med"/>
+                    </a:lnB>
+                    <a:solidFill>
+                      <a:srgbClr val="FFFFFF"/>
+                    </a:solidFill>
+                  </a:tcPr>
+                </a:tc>
+                <a:tc>
+                  <a:txBody>
+                    <a:bodyPr/>
+                    <a:lstStyle/>
+                    <a:p>
+                      <a:pPr algn="ctr"/>
+                      <a:r>
+                        <a:rPr lang="en-US" dirty="0">
+                          <a:effectLst/>
+                        </a:rPr>
+                        <a:t>3</a:t>
+                      </a:r>
+                    </a:p>
+                  </a:txBody>
+                  <a:tcPr anchor="ctr">
+                    <a:lnL w="12700" cap="flat" cmpd="sng" algn="ctr">
+                      <a:solidFill>
+                        <a:schemeClr val="tx1"/>
+                      </a:solidFill>
+                      <a:prstDash val="solid"/>
+                      <a:round/>
+                      <a:headEnd type="none" w="med" len="med"/>
+                      <a:tailEnd type="none" w="med" len="med"/>
+                    </a:lnL>
+                    <a:lnR w="12700" cap="flat" cmpd="sng" algn="ctr">
+                      <a:solidFill>
+                        <a:schemeClr val="tx1"/>
+                      </a:solidFill>
+                      <a:prstDash val="solid"/>
+                      <a:round/>
+                      <a:headEnd type="none" w="med" len="med"/>
+                      <a:tailEnd type="none" w="med" len="med"/>
+                    </a:lnR>
+                    <a:lnT w="12700" cap="flat" cmpd="sng" algn="ctr">
+                      <a:solidFill>
+                        <a:schemeClr val="tx1"/>
+                      </a:solidFill>
+                      <a:prstDash val="solid"/>
+                      <a:round/>
+                      <a:headEnd type="none" w="med" len="med"/>
+                      <a:tailEnd type="none" w="med" len="med"/>
+                    </a:lnT>
+                    <a:lnB w="12700" cap="flat" cmpd="sng" algn="ctr">
+                      <a:solidFill>
+                        <a:schemeClr val="tx1"/>
+                      </a:solidFill>
+                      <a:prstDash val="solid"/>
+                      <a:round/>
+                      <a:headEnd type="none" w="med" len="med"/>
+                      <a:tailEnd type="none" w="med" len="med"/>
+                    </a:lnB>
+                    <a:solidFill>
+                      <a:srgbClr val="FFFFFF"/>
+                    </a:solidFill>
+                  </a:tcPr>
+                </a:tc>
+                <a:extLst>
+                  <a:ext uri="{0D108BD9-81ED-4DB2-BD59-A6C34878D82A}">
+                    <a16:rowId xmlns:a16="http://schemas.microsoft.com/office/drawing/2014/main" val="920818824"/>
+                  </a:ext>
+                </a:extLst>
+              </a:tr>
+              <a:tr h="0">
+                <a:tc>
+                  <a:txBody>
+                    <a:bodyPr/>
+                    <a:lstStyle/>
+                    <a:p>
+                      <a:pPr algn="ctr"/>
+                      <a:r>
+                        <a:rPr lang="en-US" dirty="0">
+                          <a:effectLst/>
+                        </a:rPr>
+                        <a:t>P5</a:t>
+                      </a:r>
+                    </a:p>
+                  </a:txBody>
+                  <a:tcPr anchor="ctr">
+                    <a:lnL w="12700" cap="flat" cmpd="sng" algn="ctr">
+                      <a:solidFill>
+                        <a:schemeClr val="tx1"/>
+                      </a:solidFill>
+                      <a:prstDash val="solid"/>
+                      <a:round/>
+                      <a:headEnd type="none" w="med" len="med"/>
+                      <a:tailEnd type="none" w="med" len="med"/>
+                    </a:lnL>
+                    <a:lnR w="12700" cap="flat" cmpd="sng" algn="ctr">
+                      <a:solidFill>
+                        <a:schemeClr val="tx1"/>
+                      </a:solidFill>
+                      <a:prstDash val="solid"/>
+                      <a:round/>
+                      <a:headEnd type="none" w="med" len="med"/>
+                      <a:tailEnd type="none" w="med" len="med"/>
+                    </a:lnR>
+                    <a:lnT w="12700" cap="flat" cmpd="sng" algn="ctr">
+                      <a:solidFill>
+                        <a:schemeClr val="tx1"/>
+                      </a:solidFill>
+                      <a:prstDash val="solid"/>
+                      <a:round/>
+                      <a:headEnd type="none" w="med" len="med"/>
+                      <a:tailEnd type="none" w="med" len="med"/>
+                    </a:lnT>
+                    <a:lnB w="12700" cap="flat" cmpd="sng" algn="ctr">
+                      <a:solidFill>
+                        <a:schemeClr val="tx1"/>
+                      </a:solidFill>
+                      <a:prstDash val="solid"/>
+                      <a:round/>
+                      <a:headEnd type="none" w="med" len="med"/>
+                      <a:tailEnd type="none" w="med" len="med"/>
+                    </a:lnB>
+                    <a:solidFill>
+                      <a:srgbClr val="F9F9F9"/>
+                    </a:solidFill>
+                  </a:tcPr>
+                </a:tc>
+                <a:tc>
+                  <a:txBody>
+                    <a:bodyPr/>
+                    <a:lstStyle/>
+                    <a:p>
+                      <a:pPr algn="ctr"/>
+                      <a:r>
+                        <a:rPr lang="en-US" dirty="0">
+                          <a:effectLst/>
+                        </a:rPr>
+                        <a:t>12</a:t>
+                      </a:r>
+                    </a:p>
+                  </a:txBody>
+                  <a:tcPr anchor="ctr">
+                    <a:lnL w="12700" cap="flat" cmpd="sng" algn="ctr">
+                      <a:solidFill>
+                        <a:schemeClr val="tx1"/>
+                      </a:solidFill>
+                      <a:prstDash val="solid"/>
+                      <a:round/>
+                      <a:headEnd type="none" w="med" len="med"/>
+                      <a:tailEnd type="none" w="med" len="med"/>
+                    </a:lnL>
+                    <a:lnR w="12700" cap="flat" cmpd="sng" algn="ctr">
+                      <a:solidFill>
+                        <a:schemeClr val="tx1"/>
+                      </a:solidFill>
+                      <a:prstDash val="solid"/>
+                      <a:round/>
+                      <a:headEnd type="none" w="med" len="med"/>
+                      <a:tailEnd type="none" w="med" len="med"/>
+                    </a:lnR>
+                    <a:lnT w="12700" cap="flat" cmpd="sng" algn="ctr">
+                      <a:solidFill>
+                        <a:schemeClr val="tx1"/>
+                      </a:solidFill>
+                      <a:prstDash val="solid"/>
+                      <a:round/>
+                      <a:headEnd type="none" w="med" len="med"/>
+                      <a:tailEnd type="none" w="med" len="med"/>
+                    </a:lnT>
+                    <a:lnB w="12700" cap="flat" cmpd="sng" algn="ctr">
+                      <a:solidFill>
+                        <a:schemeClr val="tx1"/>
+                      </a:solidFill>
+                      <a:prstDash val="solid"/>
+                      <a:round/>
+                      <a:headEnd type="none" w="med" len="med"/>
+                      <a:tailEnd type="none" w="med" len="med"/>
+                    </a:lnB>
+                    <a:solidFill>
+                      <a:srgbClr val="F9F9F9"/>
+                    </a:solidFill>
+                  </a:tcPr>
+                </a:tc>
+                <a:tc>
+                  <a:txBody>
+                    <a:bodyPr/>
+                    <a:lstStyle/>
+                    <a:p>
+                      <a:pPr algn="ctr"/>
+                      <a:r>
+                        <a:rPr lang="en-US">
+                          <a:effectLst/>
+                        </a:rPr>
+                        <a:t>2</a:t>
+                      </a:r>
+                    </a:p>
+                  </a:txBody>
+                  <a:tcPr anchor="ctr">
+                    <a:lnL w="12700" cap="flat" cmpd="sng" algn="ctr">
+                      <a:solidFill>
+                        <a:schemeClr val="tx1"/>
+                      </a:solidFill>
+                      <a:prstDash val="solid"/>
+                      <a:round/>
+                      <a:headEnd type="none" w="med" len="med"/>
+                      <a:tailEnd type="none" w="med" len="med"/>
+                    </a:lnL>
+                    <a:lnR w="12700" cap="flat" cmpd="sng" algn="ctr">
+                      <a:solidFill>
+                        <a:schemeClr val="tx1"/>
+                      </a:solidFill>
+                      <a:prstDash val="solid"/>
+                      <a:round/>
+                      <a:headEnd type="none" w="med" len="med"/>
+                      <a:tailEnd type="none" w="med" len="med"/>
+                    </a:lnR>
+                    <a:lnT w="12700" cap="flat" cmpd="sng" algn="ctr">
+                      <a:solidFill>
+                        <a:schemeClr val="tx1"/>
+                      </a:solidFill>
+                      <a:prstDash val="solid"/>
+                      <a:round/>
+                      <a:headEnd type="none" w="med" len="med"/>
+                      <a:tailEnd type="none" w="med" len="med"/>
+                    </a:lnT>
+                    <a:lnB w="12700" cap="flat" cmpd="sng" algn="ctr">
+                      <a:solidFill>
+                        <a:schemeClr val="tx1"/>
+                      </a:solidFill>
+                      <a:prstDash val="solid"/>
+                      <a:round/>
+                      <a:headEnd type="none" w="med" len="med"/>
+                      <a:tailEnd type="none" w="med" len="med"/>
+                    </a:lnB>
+                    <a:solidFill>
+                      <a:srgbClr val="F9F9F9"/>
+                    </a:solidFill>
+                  </a:tcPr>
+                </a:tc>
+                <a:tc>
+                  <a:txBody>
+                    <a:bodyPr/>
+                    <a:lstStyle/>
+                    <a:p>
+                      <a:pPr algn="ctr"/>
+                      <a:r>
+                        <a:rPr lang="en-US" dirty="0">
+                          <a:effectLst/>
+                        </a:rPr>
+                        <a:t>2</a:t>
+                      </a:r>
+                    </a:p>
+                  </a:txBody>
+                  <a:tcPr anchor="ctr">
+                    <a:lnL w="12700" cap="flat" cmpd="sng" algn="ctr">
+                      <a:solidFill>
+                        <a:schemeClr val="tx1"/>
+                      </a:solidFill>
+                      <a:prstDash val="solid"/>
+                      <a:round/>
+                      <a:headEnd type="none" w="med" len="med"/>
+                      <a:tailEnd type="none" w="med" len="med"/>
+                    </a:lnL>
+                    <a:lnR w="12700" cap="flat" cmpd="sng" algn="ctr">
+                      <a:solidFill>
+                        <a:schemeClr val="tx1"/>
+                      </a:solidFill>
+                      <a:prstDash val="solid"/>
+                      <a:round/>
+                      <a:headEnd type="none" w="med" len="med"/>
+                      <a:tailEnd type="none" w="med" len="med"/>
+                    </a:lnR>
+                    <a:lnT w="12700" cap="flat" cmpd="sng" algn="ctr">
+                      <a:solidFill>
+                        <a:schemeClr val="tx1"/>
+                      </a:solidFill>
+                      <a:prstDash val="solid"/>
+                      <a:round/>
+                      <a:headEnd type="none" w="med" len="med"/>
+                      <a:tailEnd type="none" w="med" len="med"/>
+                    </a:lnT>
+                    <a:lnB w="12700" cap="flat" cmpd="sng" algn="ctr">
+                      <a:solidFill>
+                        <a:schemeClr val="tx1"/>
+                      </a:solidFill>
+                      <a:prstDash val="solid"/>
+                      <a:round/>
+                      <a:headEnd type="none" w="med" len="med"/>
+                      <a:tailEnd type="none" w="med" len="med"/>
+                    </a:lnB>
+                    <a:solidFill>
+                      <a:srgbClr val="F9F9F9"/>
+                    </a:solidFill>
+                  </a:tcPr>
+                </a:tc>
+                <a:extLst>
+                  <a:ext uri="{0D108BD9-81ED-4DB2-BD59-A6C34878D82A}">
+                    <a16:rowId xmlns:a16="http://schemas.microsoft.com/office/drawing/2014/main" val="1366814670"/>
+                  </a:ext>
+                </a:extLst>
+              </a:tr>
+            </a:tbl>
+          </a:graphicData>
+        </a:graphic>
+      </p:graphicFrame>
+      <p:sp>
+        <p:nvSpPr>
+          <p:cNvPr id="7" name="Rectangle 6"/>
+          <p:cNvSpPr/>
+          <p:nvPr/>
+        </p:nvSpPr>
+        <p:spPr>
+          <a:xfrm>
+            <a:off x="838200" y="1017153"/>
+            <a:ext cx="5920409" cy="2031325"/>
+          </a:xfrm>
+          <a:prstGeom prst="rect">
+            <a:avLst/>
+          </a:prstGeom>
+        </p:spPr>
+        <p:txBody>
+          <a:bodyPr wrap="square">
+            <a:spAutoFit/>
+          </a:bodyPr>
+          <a:lstStyle/>
+          <a:p>
+            <a:r>
+              <a:rPr lang="en-US" b="1" dirty="0"/>
+              <a:t>Step 0) </a:t>
+            </a:r>
+            <a:r>
+              <a:rPr lang="en-US" dirty="0"/>
+              <a:t>At time=0, Process P1 and P2 arrive. P1 has higher priority than P2. The execution begins with process P1, which has burst time 4</a:t>
+            </a:r>
+            <a:r>
+              <a:rPr lang="en-US" dirty="0" smtClean="0"/>
+              <a:t>.</a:t>
+            </a:r>
+          </a:p>
+          <a:p>
+            <a:r>
+              <a:rPr lang="en-US" b="1" dirty="0"/>
+              <a:t>Step 1) </a:t>
+            </a:r>
+            <a:r>
+              <a:rPr lang="en-US" dirty="0"/>
+              <a:t>At time=1, no new process arrive. Execution continues with P1.</a:t>
+            </a:r>
+          </a:p>
+          <a:p>
+            <a:r>
+              <a:rPr lang="en-US" b="1" dirty="0"/>
+              <a:t>Step 2) </a:t>
+            </a:r>
+            <a:r>
+              <a:rPr lang="en-US" dirty="0"/>
+              <a:t>At time 2, no new process arrives, so you can continue with P1. P2 is in the waiting queue</a:t>
+            </a:r>
+            <a:r>
+              <a:rPr lang="en-US" dirty="0" smtClean="0"/>
+              <a:t>.</a:t>
+            </a:r>
+          </a:p>
+        </p:txBody>
+      </p:sp>
+      <p:sp>
+        <p:nvSpPr>
+          <p:cNvPr id="10" name="Rectangle 9"/>
+          <p:cNvSpPr/>
+          <p:nvPr/>
+        </p:nvSpPr>
+        <p:spPr>
+          <a:xfrm>
+            <a:off x="794993" y="3032439"/>
+            <a:ext cx="10955792" cy="3693319"/>
+          </a:xfrm>
+          <a:prstGeom prst="rect">
+            <a:avLst/>
+          </a:prstGeom>
+        </p:spPr>
+        <p:txBody>
+          <a:bodyPr wrap="square">
+            <a:spAutoFit/>
+          </a:bodyPr>
+          <a:lstStyle/>
+          <a:p>
+            <a:r>
+              <a:rPr lang="en-US" b="1" dirty="0"/>
+              <a:t>Step 3) </a:t>
+            </a:r>
+            <a:r>
+              <a:rPr lang="en-US" dirty="0"/>
+              <a:t>At time 3, no new process arrives so you can continue with P1. P2 process still in the waiting queue.</a:t>
+            </a:r>
+          </a:p>
+          <a:p>
+            <a:r>
+              <a:rPr lang="en-US" b="1" dirty="0"/>
+              <a:t>Step 4) </a:t>
+            </a:r>
+            <a:r>
+              <a:rPr lang="en-US" dirty="0"/>
+              <a:t>At time 4, P1 has finished its execution. P2 starts execution.</a:t>
+            </a:r>
+          </a:p>
+          <a:p>
+            <a:r>
+              <a:rPr lang="en-US" b="1" dirty="0"/>
+              <a:t>Step 5) </a:t>
+            </a:r>
+            <a:r>
+              <a:rPr lang="en-US" dirty="0"/>
+              <a:t>At time= 5, no new process arrives, so we continue with P2.</a:t>
+            </a:r>
+          </a:p>
+          <a:p>
+            <a:r>
+              <a:rPr lang="en-US" b="1" dirty="0"/>
+              <a:t>Step 6) </a:t>
+            </a:r>
+            <a:r>
+              <a:rPr lang="en-US" dirty="0"/>
+              <a:t>At time=6, P3 arrives. P3 is at higher priority (1) compared to P2 having priority (2). P2 is preempted, and P3 begins its execution</a:t>
+            </a:r>
+            <a:r>
+              <a:rPr lang="en-US" dirty="0" smtClean="0"/>
+              <a:t>.</a:t>
+            </a:r>
+          </a:p>
+          <a:p>
+            <a:r>
+              <a:rPr lang="en-US" b="1" dirty="0"/>
+              <a:t>Step 7) </a:t>
+            </a:r>
+            <a:r>
+              <a:rPr lang="en-US" dirty="0"/>
+              <a:t>At time 7, no-new process arrives, so we continue with P3. P2 is in the waiting queue</a:t>
+            </a:r>
+            <a:r>
+              <a:rPr lang="en-US" dirty="0" smtClean="0"/>
+              <a:t>.</a:t>
+            </a:r>
+          </a:p>
+          <a:p>
+            <a:r>
+              <a:rPr lang="en-US" b="1" dirty="0"/>
+              <a:t>Step 8) </a:t>
+            </a:r>
+            <a:r>
+              <a:rPr lang="en-US" dirty="0"/>
+              <a:t>At time= 8, no new process arrives, so we can continue with P3</a:t>
+            </a:r>
+            <a:r>
+              <a:rPr lang="en-US" dirty="0" smtClean="0"/>
+              <a:t>.</a:t>
+            </a:r>
+          </a:p>
+          <a:p>
+            <a:r>
+              <a:rPr lang="en-US" b="1" dirty="0"/>
+              <a:t>Step 9) </a:t>
+            </a:r>
+            <a:r>
+              <a:rPr lang="en-US" dirty="0"/>
+              <a:t>At time= 9, no new process comes so we can continue with P3</a:t>
+            </a:r>
+            <a:r>
+              <a:rPr lang="en-US" dirty="0" smtClean="0"/>
+              <a:t>.</a:t>
+            </a:r>
+          </a:p>
+          <a:p>
+            <a:r>
+              <a:rPr lang="en-US" b="1" dirty="0"/>
+              <a:t>Step 10) </a:t>
+            </a:r>
+            <a:r>
+              <a:rPr lang="en-US" dirty="0"/>
+              <a:t>At time interval 10, no new process comes, so we continue with </a:t>
+            </a:r>
+            <a:r>
+              <a:rPr lang="en-US" dirty="0" smtClean="0"/>
+              <a:t>P3</a:t>
+            </a:r>
+          </a:p>
+          <a:p>
+            <a:r>
+              <a:rPr lang="en-US" b="1" dirty="0"/>
+              <a:t>Step 11) </a:t>
+            </a:r>
+            <a:r>
+              <a:rPr lang="en-US" dirty="0"/>
+              <a:t>At time=11, P4 arrives with priority 4. P3 has higher priority, so it continues its execution</a:t>
+            </a:r>
+            <a:r>
+              <a:rPr lang="en-US" dirty="0" smtClean="0"/>
+              <a:t>.</a:t>
+            </a:r>
+          </a:p>
+          <a:p>
+            <a:r>
+              <a:rPr lang="en-US" b="1" dirty="0"/>
+              <a:t>Step 12) </a:t>
+            </a:r>
+            <a:r>
+              <a:rPr lang="en-US" dirty="0"/>
+              <a:t>At time=12, P5 arrives. P3 has higher priority, so it continues execution</a:t>
+            </a:r>
+            <a:r>
+              <a:rPr lang="en-US" dirty="0" smtClean="0"/>
+              <a:t>.</a:t>
+            </a:r>
+          </a:p>
+          <a:p>
+            <a:r>
+              <a:rPr lang="en-US" b="1" dirty="0"/>
+              <a:t>Step 13) </a:t>
+            </a:r>
+            <a:r>
+              <a:rPr lang="en-US" dirty="0"/>
+              <a:t>At time=13, P3 completes execution. We have P2,P4,P5 in ready queue. P2 and P5 have equal priority. Arrival time of P2 is before P5. So P2 starts execution.</a:t>
+            </a:r>
+            <a:endParaRPr lang="en-US" dirty="0"/>
+          </a:p>
+        </p:txBody>
+      </p:sp>
+    </p:spTree>
+    <p:extLst>
+      <p:ext uri="{BB962C8B-B14F-4D97-AF65-F5344CB8AC3E}">
+        <p14:creationId xmlns:p14="http://schemas.microsoft.com/office/powerpoint/2010/main" val="3792004293"/>
+      </p:ext>
+    </p:extLst>
+  </p:cSld>
+  <p:clrMapOvr>
+    <a:masterClrMapping/>
+  </p:clrMapOvr>
+  <p:timing>
+    <p:tnLst>
+      <p:par>
+        <p:cTn id="1" dur="indefinite" restart="never" nodeType="tmRoot">
+          <p:childTnLst>
+            <p:seq concurrent="1" nextAc="seek">
+              <p:cTn id="2" dur="indefinite" nodeType="mainSeq">
+                <p:childTnLst>
+                  <p:par>
+                    <p:cTn id="3" fill="hold">
+                      <p:stCondLst>
+                        <p:cond delay="indefinite"/>
+                      </p:stCondLst>
+                      <p:childTnLst>
+                        <p:par>
+                          <p:cTn id="4" fill="hold">
+                            <p:stCondLst>
+                              <p:cond delay="0"/>
+                            </p:stCondLst>
+                            <p:childTnLst>
+                              <p:par>
+                                <p:cTn id="5" presetID="1" presetClass="entr" presetSubtype="0" fill="hold" nodeType="clickEffect">
+                                  <p:stCondLst>
+                                    <p:cond delay="0"/>
+                                  </p:stCondLst>
+                                  <p:childTnLst>
+                                    <p:set>
+                                      <p:cBhvr>
+                                        <p:cTn id="6" dur="1" fill="hold">
+                                          <p:stCondLst>
+                                            <p:cond delay="0"/>
+                                          </p:stCondLst>
+                                        </p:cTn>
+                                        <p:tgtEl>
+                                          <p:spTgt spid="7">
+                                            <p:txEl>
+                                              <p:pRg st="0" end="0"/>
+                                            </p:txEl>
+                                          </p:spTgt>
+                                        </p:tgtEl>
+                                        <p:attrNameLst>
+                                          <p:attrName>style.visibility</p:attrName>
+                                        </p:attrNameLst>
+                                      </p:cBhvr>
+                                      <p:to>
+                                        <p:strVal val="visible"/>
+                                      </p:to>
+                                    </p:set>
+                                  </p:childTnLst>
+                                </p:cTn>
+                              </p:par>
+                            </p:childTnLst>
+                          </p:cTn>
+                        </p:par>
+                      </p:childTnLst>
+                    </p:cTn>
+                  </p:par>
+                  <p:par>
+                    <p:cTn id="7" fill="hold">
+                      <p:stCondLst>
+                        <p:cond delay="indefinite"/>
+                      </p:stCondLst>
+                      <p:childTnLst>
+                        <p:par>
+                          <p:cTn id="8" fill="hold">
+                            <p:stCondLst>
+                              <p:cond delay="0"/>
+                            </p:stCondLst>
+                            <p:childTnLst>
+                              <p:par>
+                                <p:cTn id="9" presetID="1" presetClass="entr" presetSubtype="0" fill="hold" nodeType="clickEffect">
+                                  <p:stCondLst>
+                                    <p:cond delay="0"/>
+                                  </p:stCondLst>
+                                  <p:childTnLst>
+                                    <p:set>
+                                      <p:cBhvr>
+                                        <p:cTn id="10" dur="1" fill="hold">
+                                          <p:stCondLst>
+                                            <p:cond delay="0"/>
+                                          </p:stCondLst>
+                                        </p:cTn>
+                                        <p:tgtEl>
+                                          <p:spTgt spid="7">
+                                            <p:txEl>
+                                              <p:pRg st="1" end="1"/>
+                                            </p:txEl>
+                                          </p:spTgt>
+                                        </p:tgtEl>
+                                        <p:attrNameLst>
+                                          <p:attrName>style.visibility</p:attrName>
+                                        </p:attrNameLst>
+                                      </p:cBhvr>
+                                      <p:to>
+                                        <p:strVal val="visible"/>
+                                      </p:to>
+                                    </p:set>
+                                  </p:childTnLst>
+                                </p:cTn>
+                              </p:par>
+                            </p:childTnLst>
+                          </p:cTn>
+                        </p:par>
+                      </p:childTnLst>
+                    </p:cTn>
+                  </p:par>
+                  <p:par>
+                    <p:cTn id="11" fill="hold">
+                      <p:stCondLst>
+                        <p:cond delay="indefinite"/>
+                      </p:stCondLst>
+                      <p:childTnLst>
+                        <p:par>
+                          <p:cTn id="12" fill="hold">
+                            <p:stCondLst>
+                              <p:cond delay="0"/>
+                            </p:stCondLst>
+                            <p:childTnLst>
+                              <p:par>
+                                <p:cTn id="13" presetID="1" presetClass="entr" presetSubtype="0" fill="hold" nodeType="clickEffect">
+                                  <p:stCondLst>
+                                    <p:cond delay="0"/>
+                                  </p:stCondLst>
+                                  <p:childTnLst>
+                                    <p:set>
+                                      <p:cBhvr>
+                                        <p:cTn id="14" dur="1" fill="hold">
+                                          <p:stCondLst>
+                                            <p:cond delay="0"/>
+                                          </p:stCondLst>
+                                        </p:cTn>
+                                        <p:tgtEl>
+                                          <p:spTgt spid="7">
+                                            <p:txEl>
+                                              <p:pRg st="2" end="2"/>
+                                            </p:txEl>
+                                          </p:spTgt>
+                                        </p:tgtEl>
+                                        <p:attrNameLst>
+                                          <p:attrName>style.visibility</p:attrName>
+                                        </p:attrNameLst>
+                                      </p:cBhvr>
+                                      <p:to>
+                                        <p:strVal val="visible"/>
+                                      </p:to>
+                                    </p:set>
+                                  </p:childTnLst>
+                                </p:cTn>
+                              </p:par>
+                            </p:childTnLst>
+                          </p:cTn>
+                        </p:par>
+                      </p:childTnLst>
+                    </p:cTn>
+                  </p:par>
+                  <p:par>
+                    <p:cTn id="15" fill="hold">
+                      <p:stCondLst>
+                        <p:cond delay="indefinite"/>
+                      </p:stCondLst>
+                      <p:childTnLst>
+                        <p:par>
+                          <p:cTn id="16" fill="hold">
+                            <p:stCondLst>
+                              <p:cond delay="0"/>
+                            </p:stCondLst>
+                            <p:childTnLst>
+                              <p:par>
+                                <p:cTn id="17" presetID="1" presetClass="entr" presetSubtype="0" fill="hold" nodeType="clickEffect">
+                                  <p:stCondLst>
+                                    <p:cond delay="0"/>
+                                  </p:stCondLst>
+                                  <p:childTnLst>
+                                    <p:set>
+                                      <p:cBhvr>
+                                        <p:cTn id="18" dur="1" fill="hold">
+                                          <p:stCondLst>
+                                            <p:cond delay="0"/>
+                                          </p:stCondLst>
+                                        </p:cTn>
+                                        <p:tgtEl>
+                                          <p:spTgt spid="10">
+                                            <p:txEl>
+                                              <p:pRg st="0" end="0"/>
+                                            </p:txEl>
+                                          </p:spTgt>
+                                        </p:tgtEl>
+                                        <p:attrNameLst>
+                                          <p:attrName>style.visibility</p:attrName>
+                                        </p:attrNameLst>
+                                      </p:cBhvr>
+                                      <p:to>
+                                        <p:strVal val="visible"/>
+                                      </p:to>
+                                    </p:set>
+                                  </p:childTnLst>
+                                </p:cTn>
+                              </p:par>
+                            </p:childTnLst>
+                          </p:cTn>
+                        </p:par>
+                      </p:childTnLst>
+                    </p:cTn>
+                  </p:par>
+                  <p:par>
+                    <p:cTn id="19" fill="hold">
+                      <p:stCondLst>
+                        <p:cond delay="indefinite"/>
+                      </p:stCondLst>
+                      <p:childTnLst>
+                        <p:par>
+                          <p:cTn id="20" fill="hold">
+                            <p:stCondLst>
+                              <p:cond delay="0"/>
+                            </p:stCondLst>
+                            <p:childTnLst>
+                              <p:par>
+                                <p:cTn id="21" presetID="1" presetClass="entr" presetSubtype="0" fill="hold" nodeType="clickEffect">
+                                  <p:stCondLst>
+                                    <p:cond delay="0"/>
+                                  </p:stCondLst>
+                                  <p:childTnLst>
+                                    <p:set>
+                                      <p:cBhvr>
+                                        <p:cTn id="22" dur="1" fill="hold">
+                                          <p:stCondLst>
+                                            <p:cond delay="0"/>
+                                          </p:stCondLst>
+                                        </p:cTn>
+                                        <p:tgtEl>
+                                          <p:spTgt spid="10">
+                                            <p:txEl>
+                                              <p:pRg st="1" end="1"/>
+                                            </p:txEl>
+                                          </p:spTgt>
+                                        </p:tgtEl>
+                                        <p:attrNameLst>
+                                          <p:attrName>style.visibility</p:attrName>
+                                        </p:attrNameLst>
+                                      </p:cBhvr>
+                                      <p:to>
+                                        <p:strVal val="visible"/>
+                                      </p:to>
+                                    </p:set>
+                                  </p:childTnLst>
+                                </p:cTn>
+                              </p:par>
+                            </p:childTnLst>
+                          </p:cTn>
+                        </p:par>
+                      </p:childTnLst>
+                    </p:cTn>
+                  </p:par>
+                  <p:par>
+                    <p:cTn id="23" fill="hold">
+                      <p:stCondLst>
+                        <p:cond delay="indefinite"/>
+                      </p:stCondLst>
+                      <p:childTnLst>
+                        <p:par>
+                          <p:cTn id="24" fill="hold">
+                            <p:stCondLst>
+                              <p:cond delay="0"/>
+                            </p:stCondLst>
+                            <p:childTnLst>
+                              <p:par>
+                                <p:cTn id="25" presetID="1" presetClass="entr" presetSubtype="0" fill="hold" nodeType="clickEffect">
+                                  <p:stCondLst>
+                                    <p:cond delay="0"/>
+                                  </p:stCondLst>
+                                  <p:childTnLst>
+                                    <p:set>
+                                      <p:cBhvr>
+                                        <p:cTn id="26" dur="1" fill="hold">
+                                          <p:stCondLst>
+                                            <p:cond delay="0"/>
+                                          </p:stCondLst>
+                                        </p:cTn>
+                                        <p:tgtEl>
+                                          <p:spTgt spid="10">
+                                            <p:txEl>
+                                              <p:pRg st="2" end="2"/>
+                                            </p:txEl>
+                                          </p:spTgt>
+                                        </p:tgtEl>
+                                        <p:attrNameLst>
+                                          <p:attrName>style.visibility</p:attrName>
+                                        </p:attrNameLst>
+                                      </p:cBhvr>
+                                      <p:to>
+                                        <p:strVal val="visible"/>
+                                      </p:to>
+                                    </p:set>
+                                  </p:childTnLst>
+                                </p:cTn>
+                              </p:par>
+                            </p:childTnLst>
+                          </p:cTn>
+                        </p:par>
+                      </p:childTnLst>
+                    </p:cTn>
+                  </p:par>
+                  <p:par>
+                    <p:cTn id="27" fill="hold">
+                      <p:stCondLst>
+                        <p:cond delay="indefinite"/>
+                      </p:stCondLst>
+                      <p:childTnLst>
+                        <p:par>
+                          <p:cTn id="28" fill="hold">
+                            <p:stCondLst>
+                              <p:cond delay="0"/>
+                            </p:stCondLst>
+                            <p:childTnLst>
+                              <p:par>
+                                <p:cTn id="29" presetID="1" presetClass="entr" presetSubtype="0" fill="hold" nodeType="clickEffect">
+                                  <p:stCondLst>
+                                    <p:cond delay="0"/>
+                                  </p:stCondLst>
+                                  <p:childTnLst>
+                                    <p:set>
+                                      <p:cBhvr>
+                                        <p:cTn id="30" dur="1" fill="hold">
+                                          <p:stCondLst>
+                                            <p:cond delay="0"/>
+                                          </p:stCondLst>
+                                        </p:cTn>
+                                        <p:tgtEl>
+                                          <p:spTgt spid="10">
+                                            <p:txEl>
+                                              <p:pRg st="3" end="3"/>
+                                            </p:txEl>
+                                          </p:spTgt>
+                                        </p:tgtEl>
+                                        <p:attrNameLst>
+                                          <p:attrName>style.visibility</p:attrName>
+                                        </p:attrNameLst>
+                                      </p:cBhvr>
+                                      <p:to>
+                                        <p:strVal val="visible"/>
+                                      </p:to>
+                                    </p:set>
+                                  </p:childTnLst>
+                                </p:cTn>
+                              </p:par>
+                            </p:childTnLst>
+                          </p:cTn>
+                        </p:par>
+                      </p:childTnLst>
+                    </p:cTn>
+                  </p:par>
+                  <p:par>
+                    <p:cTn id="31" fill="hold">
+                      <p:stCondLst>
+                        <p:cond delay="indefinite"/>
+                      </p:stCondLst>
+                      <p:childTnLst>
+                        <p:par>
+                          <p:cTn id="32" fill="hold">
+                            <p:stCondLst>
+                              <p:cond delay="0"/>
+                            </p:stCondLst>
+                            <p:childTnLst>
+                              <p:par>
+                                <p:cTn id="33" presetID="1" presetClass="entr" presetSubtype="0" fill="hold" nodeType="clickEffect">
+                                  <p:stCondLst>
+                                    <p:cond delay="0"/>
+                                  </p:stCondLst>
+                                  <p:childTnLst>
+                                    <p:set>
+                                      <p:cBhvr>
+                                        <p:cTn id="34" dur="1" fill="hold">
+                                          <p:stCondLst>
+                                            <p:cond delay="0"/>
+                                          </p:stCondLst>
+                                        </p:cTn>
+                                        <p:tgtEl>
+                                          <p:spTgt spid="10">
+                                            <p:txEl>
+                                              <p:pRg st="4" end="4"/>
+                                            </p:txEl>
+                                          </p:spTgt>
+                                        </p:tgtEl>
+                                        <p:attrNameLst>
+                                          <p:attrName>style.visibility</p:attrName>
+                                        </p:attrNameLst>
+                                      </p:cBhvr>
+                                      <p:to>
+                                        <p:strVal val="visible"/>
+                                      </p:to>
+                                    </p:set>
+                                  </p:childTnLst>
+                                </p:cTn>
+                              </p:par>
+                            </p:childTnLst>
+                          </p:cTn>
+                        </p:par>
+                      </p:childTnLst>
+                    </p:cTn>
+                  </p:par>
+                  <p:par>
+                    <p:cTn id="35" fill="hold">
+                      <p:stCondLst>
+                        <p:cond delay="indefinite"/>
+                      </p:stCondLst>
+                      <p:childTnLst>
+                        <p:par>
+                          <p:cTn id="36" fill="hold">
+                            <p:stCondLst>
+                              <p:cond delay="0"/>
+                            </p:stCondLst>
+                            <p:childTnLst>
+                              <p:par>
+                                <p:cTn id="37" presetID="1" presetClass="entr" presetSubtype="0" fill="hold" nodeType="clickEffect">
+                                  <p:stCondLst>
+                                    <p:cond delay="0"/>
+                                  </p:stCondLst>
+                                  <p:childTnLst>
+                                    <p:set>
+                                      <p:cBhvr>
+                                        <p:cTn id="38" dur="1" fill="hold">
+                                          <p:stCondLst>
+                                            <p:cond delay="0"/>
+                                          </p:stCondLst>
+                                        </p:cTn>
+                                        <p:tgtEl>
+                                          <p:spTgt spid="10">
+                                            <p:txEl>
+                                              <p:pRg st="5" end="5"/>
+                                            </p:txEl>
+                                          </p:spTgt>
+                                        </p:tgtEl>
+                                        <p:attrNameLst>
+                                          <p:attrName>style.visibility</p:attrName>
+                                        </p:attrNameLst>
+                                      </p:cBhvr>
+                                      <p:to>
+                                        <p:strVal val="visible"/>
+                                      </p:to>
+                                    </p:set>
+                                  </p:childTnLst>
+                                </p:cTn>
+                              </p:par>
+                            </p:childTnLst>
+                          </p:cTn>
+                        </p:par>
+                      </p:childTnLst>
+                    </p:cTn>
+                  </p:par>
+                  <p:par>
+                    <p:cTn id="39" fill="hold">
+                      <p:stCondLst>
+                        <p:cond delay="indefinite"/>
+                      </p:stCondLst>
+                      <p:childTnLst>
+                        <p:par>
+                          <p:cTn id="40" fill="hold">
+                            <p:stCondLst>
+                              <p:cond delay="0"/>
+                            </p:stCondLst>
+                            <p:childTnLst>
+                              <p:par>
+                                <p:cTn id="41" presetID="1" presetClass="entr" presetSubtype="0" fill="hold" nodeType="clickEffect">
+                                  <p:stCondLst>
+                                    <p:cond delay="0"/>
+                                  </p:stCondLst>
+                                  <p:childTnLst>
+                                    <p:set>
+                                      <p:cBhvr>
+                                        <p:cTn id="42" dur="1" fill="hold">
+                                          <p:stCondLst>
+                                            <p:cond delay="0"/>
+                                          </p:stCondLst>
+                                        </p:cTn>
+                                        <p:tgtEl>
+                                          <p:spTgt spid="10">
+                                            <p:txEl>
+                                              <p:pRg st="6" end="6"/>
+                                            </p:txEl>
+                                          </p:spTgt>
+                                        </p:tgtEl>
+                                        <p:attrNameLst>
+                                          <p:attrName>style.visibility</p:attrName>
+                                        </p:attrNameLst>
+                                      </p:cBhvr>
+                                      <p:to>
+                                        <p:strVal val="visible"/>
+                                      </p:to>
+                                    </p:set>
+                                  </p:childTnLst>
+                                </p:cTn>
+                              </p:par>
+                            </p:childTnLst>
+                          </p:cTn>
+                        </p:par>
+                      </p:childTnLst>
+                    </p:cTn>
+                  </p:par>
+                  <p:par>
+                    <p:cTn id="43" fill="hold">
+                      <p:stCondLst>
+                        <p:cond delay="indefinite"/>
+                      </p:stCondLst>
+                      <p:childTnLst>
+                        <p:par>
+                          <p:cTn id="44" fill="hold">
+                            <p:stCondLst>
+                              <p:cond delay="0"/>
+                            </p:stCondLst>
+                            <p:childTnLst>
+                              <p:par>
+                                <p:cTn id="45" presetID="1" presetClass="entr" presetSubtype="0" fill="hold" nodeType="clickEffect">
+                                  <p:stCondLst>
+                                    <p:cond delay="0"/>
+                                  </p:stCondLst>
+                                  <p:childTnLst>
+                                    <p:set>
+                                      <p:cBhvr>
+                                        <p:cTn id="46" dur="1" fill="hold">
+                                          <p:stCondLst>
+                                            <p:cond delay="0"/>
+                                          </p:stCondLst>
+                                        </p:cTn>
+                                        <p:tgtEl>
+                                          <p:spTgt spid="10">
+                                            <p:txEl>
+                                              <p:pRg st="7" end="7"/>
+                                            </p:txEl>
+                                          </p:spTgt>
+                                        </p:tgtEl>
+                                        <p:attrNameLst>
+                                          <p:attrName>style.visibility</p:attrName>
+                                        </p:attrNameLst>
+                                      </p:cBhvr>
+                                      <p:to>
+                                        <p:strVal val="visible"/>
+                                      </p:to>
+                                    </p:set>
+                                  </p:childTnLst>
+                                </p:cTn>
+                              </p:par>
+                            </p:childTnLst>
+                          </p:cTn>
+                        </p:par>
+                      </p:childTnLst>
+                    </p:cTn>
+                  </p:par>
+                  <p:par>
+                    <p:cTn id="47" fill="hold">
+                      <p:stCondLst>
+                        <p:cond delay="indefinite"/>
+                      </p:stCondLst>
+                      <p:childTnLst>
+                        <p:par>
+                          <p:cTn id="48" fill="hold">
+                            <p:stCondLst>
+                              <p:cond delay="0"/>
+                            </p:stCondLst>
+                            <p:childTnLst>
+                              <p:par>
+                                <p:cTn id="49" presetID="1" presetClass="entr" presetSubtype="0" fill="hold" nodeType="clickEffect">
+                                  <p:stCondLst>
+                                    <p:cond delay="0"/>
+                                  </p:stCondLst>
+                                  <p:childTnLst>
+                                    <p:set>
+                                      <p:cBhvr>
+                                        <p:cTn id="50" dur="1" fill="hold">
+                                          <p:stCondLst>
+                                            <p:cond delay="0"/>
+                                          </p:stCondLst>
+                                        </p:cTn>
+                                        <p:tgtEl>
+                                          <p:spTgt spid="10">
+                                            <p:txEl>
+                                              <p:pRg st="8" end="8"/>
+                                            </p:txEl>
+                                          </p:spTgt>
+                                        </p:tgtEl>
+                                        <p:attrNameLst>
+                                          <p:attrName>style.visibility</p:attrName>
+                                        </p:attrNameLst>
+                                      </p:cBhvr>
+                                      <p:to>
+                                        <p:strVal val="visible"/>
+                                      </p:to>
+                                    </p:set>
+                                  </p:childTnLst>
+                                </p:cTn>
+                              </p:par>
+                            </p:childTnLst>
+                          </p:cTn>
+                        </p:par>
+                      </p:childTnLst>
+                    </p:cTn>
+                  </p:par>
+                  <p:par>
+                    <p:cTn id="51" fill="hold">
+                      <p:stCondLst>
+                        <p:cond delay="indefinite"/>
+                      </p:stCondLst>
+                      <p:childTnLst>
+                        <p:par>
+                          <p:cTn id="52" fill="hold">
+                            <p:stCondLst>
+                              <p:cond delay="0"/>
+                            </p:stCondLst>
+                            <p:childTnLst>
+                              <p:par>
+                                <p:cTn id="53" presetID="1" presetClass="entr" presetSubtype="0" fill="hold" nodeType="clickEffect">
+                                  <p:stCondLst>
+                                    <p:cond delay="0"/>
+                                  </p:stCondLst>
+                                  <p:childTnLst>
+                                    <p:set>
+                                      <p:cBhvr>
+                                        <p:cTn id="54" dur="1" fill="hold">
+                                          <p:stCondLst>
+                                            <p:cond delay="0"/>
+                                          </p:stCondLst>
+                                        </p:cTn>
+                                        <p:tgtEl>
+                                          <p:spTgt spid="10">
+                                            <p:txEl>
+                                              <p:pRg st="9" end="9"/>
+                                            </p:txEl>
+                                          </p:spTgt>
+                                        </p:tgtEl>
+                                        <p:attrNameLst>
+                                          <p:attrName>style.visibility</p:attrName>
+                                        </p:attrNameLst>
+                                      </p:cBhvr>
+                                      <p:to>
+                                        <p:strVal val="visible"/>
+                                      </p:to>
+                                    </p:set>
+                                  </p:childTnLst>
+                                </p:cTn>
+                              </p:par>
+                            </p:childTnLst>
+                          </p:cTn>
+                        </p:par>
+                      </p:childTnLst>
+                    </p:cTn>
+                  </p:par>
+                  <p:par>
+                    <p:cTn id="55" fill="hold">
+                      <p:stCondLst>
+                        <p:cond delay="indefinite"/>
+                      </p:stCondLst>
+                      <p:childTnLst>
+                        <p:par>
+                          <p:cTn id="56" fill="hold">
+                            <p:stCondLst>
+                              <p:cond delay="0"/>
+                            </p:stCondLst>
+                            <p:childTnLst>
+                              <p:par>
+                                <p:cTn id="57" presetID="1" presetClass="entr" presetSubtype="0" fill="hold" nodeType="clickEffect">
+                                  <p:stCondLst>
+                                    <p:cond delay="0"/>
+                                  </p:stCondLst>
+                                  <p:childTnLst>
+                                    <p:set>
+                                      <p:cBhvr>
+                                        <p:cTn id="58" dur="1" fill="hold">
+                                          <p:stCondLst>
+                                            <p:cond delay="0"/>
+                                          </p:stCondLst>
+                                        </p:cTn>
+                                        <p:tgtEl>
+                                          <p:spTgt spid="10">
+                                            <p:txEl>
+                                              <p:pRg st="10" end="10"/>
+                                            </p:txEl>
+                                          </p:spTgt>
+                                        </p:tgtEl>
+                                        <p:attrNameLst>
+                                          <p:attrName>style.visibility</p:attrName>
+                                        </p:attrNameLst>
+                                      </p:cBhvr>
+                                      <p:to>
+                                        <p:strVal val="visible"/>
+                                      </p:to>
+                                    </p:set>
+                                  </p:childTnLst>
+                                </p:cTn>
+                              </p:par>
+                            </p:childTnLst>
+                          </p:cTn>
+                        </p:par>
+                      </p:childTnLst>
+                    </p:cTn>
+                  </p:par>
+                </p:childTnLst>
+              </p:cTn>
+              <p:prevCondLst>
+                <p:cond evt="onPrev" delay="0">
+                  <p:tgtEl>
+                    <p:sldTgt/>
+                  </p:tgtEl>
+                </p:cond>
+              </p:prevCondLst>
+              <p:nextCondLst>
+                <p:cond evt="onNext" delay="0">
+                  <p:tgtEl>
+                    <p:sldTgt/>
+                  </p:tgtEl>
+                </p:cond>
+              </p:nextCondLst>
+            </p:seq>
+          </p:childTnLst>
+        </p:cTn>
+      </p:par>
+    </p:tnLst>
+  </p:timing>
+</p:sld>
+</file>
+
+<file path=ppt/slides/slide11.xml><?xml version="1.0" encoding="utf-8"?>
+<p:sld xmlns:a="http://schemas.openxmlformats.org/drawingml/2006/main" xmlns:r="http://schemas.openxmlformats.org/officeDocument/2006/relationships" xmlns:p="http://schemas.openxmlformats.org/presentationml/2006/main">
+  <p:cSld>
+    <p:spTree>
+      <p:nvGrpSpPr>
+        <p:cNvPr id="1" name=""/>
+        <p:cNvGrpSpPr/>
+        <p:nvPr/>
+      </p:nvGrpSpPr>
+      <p:grpSpPr>
+        <a:xfrm>
+          <a:off x="0" y="0"/>
+          <a:ext cx="0" cy="0"/>
+          <a:chOff x="0" y="0"/>
+          <a:chExt cx="0" cy="0"/>
+        </a:xfrm>
+      </p:grpSpPr>
+      <p:sp>
+        <p:nvSpPr>
+          <p:cNvPr id="2" name="Title 1"/>
+          <p:cNvSpPr>
+            <a:spLocks noGrp="1"/>
+          </p:cNvSpPr>
+          <p:nvPr>
+            <p:ph type="title"/>
+          </p:nvPr>
+        </p:nvSpPr>
+        <p:spPr>
+          <a:xfrm>
+            <a:off x="692426" y="332003"/>
+            <a:ext cx="10515600" cy="317354"/>
+          </a:xfrm>
+        </p:spPr>
+        <p:txBody>
+          <a:bodyPr>
+            <a:normAutofit fontScale="90000"/>
+          </a:bodyPr>
+          <a:lstStyle/>
+          <a:p>
+            <a:r>
+              <a:rPr lang="en-US" dirty="0">
+                <a:solidFill>
+                  <a:srgbClr val="FF0000"/>
+                </a:solidFill>
+              </a:rPr>
+              <a:t>Priority Scheduling (Continue</a:t>
+            </a:r>
+            <a:r>
+              <a:rPr lang="en-US" dirty="0" smtClean="0">
+                <a:solidFill>
+                  <a:srgbClr val="FF0000"/>
+                </a:solidFill>
+              </a:rPr>
+              <a:t>..)</a:t>
+            </a:r>
+            <a:br>
+              <a:rPr lang="en-US" dirty="0" smtClean="0">
+                <a:solidFill>
+                  <a:srgbClr val="FF0000"/>
+                </a:solidFill>
+              </a:rPr>
+            </a:br>
+            <a:r>
+              <a:rPr lang="en-US" dirty="0" smtClean="0">
+                <a:solidFill>
+                  <a:srgbClr val="FF0000"/>
+                </a:solidFill>
+              </a:rPr>
+              <a:t>Preemptive approach</a:t>
+            </a:r>
+            <a:endParaRPr lang="en-US" dirty="0"/>
+          </a:p>
+        </p:txBody>
+      </p:sp>
+      <p:graphicFrame>
+        <p:nvGraphicFramePr>
+          <p:cNvPr id="3" name="Table 2"/>
+          <p:cNvGraphicFramePr>
+            <a:graphicFrameLocks noGrp="1"/>
+          </p:cNvGraphicFramePr>
+          <p:nvPr/>
+        </p:nvGraphicFramePr>
+        <p:xfrm>
+          <a:off x="6874428" y="649357"/>
+          <a:ext cx="4919564" cy="2194560"/>
+        </p:xfrm>
+        <a:graphic>
+          <a:graphicData uri="http://schemas.openxmlformats.org/drawingml/2006/table">
+            <a:tbl>
+              <a:tblPr/>
+              <a:tblGrid>
+                <a:gridCol w="1200604">
+                  <a:extLst>
+                    <a:ext uri="{9D8B030D-6E8A-4147-A177-3AD203B41FA5}">
+                      <a16:colId xmlns:a16="http://schemas.microsoft.com/office/drawing/2014/main" val="3553740397"/>
+                    </a:ext>
+                  </a:extLst>
+                </a:gridCol>
+                <a:gridCol w="1317752">
+                  <a:extLst>
+                    <a:ext uri="{9D8B030D-6E8A-4147-A177-3AD203B41FA5}">
+                      <a16:colId xmlns:a16="http://schemas.microsoft.com/office/drawing/2014/main" val="2474375144"/>
+                    </a:ext>
+                  </a:extLst>
+                </a:gridCol>
+                <a:gridCol w="1200604">
+                  <a:extLst>
+                    <a:ext uri="{9D8B030D-6E8A-4147-A177-3AD203B41FA5}">
+                      <a16:colId xmlns:a16="http://schemas.microsoft.com/office/drawing/2014/main" val="1947899797"/>
+                    </a:ext>
+                  </a:extLst>
+                </a:gridCol>
+                <a:gridCol w="1200604">
+                  <a:extLst>
+                    <a:ext uri="{9D8B030D-6E8A-4147-A177-3AD203B41FA5}">
+                      <a16:colId xmlns:a16="http://schemas.microsoft.com/office/drawing/2014/main" val="1844856724"/>
+                    </a:ext>
+                  </a:extLst>
+                </a:gridCol>
+              </a:tblGrid>
+              <a:tr h="0">
+                <a:tc>
+                  <a:txBody>
+                    <a:bodyPr/>
+                    <a:lstStyle/>
+                    <a:p>
+                      <a:pPr algn="ctr"/>
+                      <a:r>
+                        <a:rPr lang="en-US" dirty="0">
+                          <a:effectLst/>
+                        </a:rPr>
+                        <a:t>Process</a:t>
+                      </a:r>
+                    </a:p>
+                  </a:txBody>
+                  <a:tcPr anchor="ctr">
+                    <a:lnL w="12700" cap="flat" cmpd="sng" algn="ctr">
+                      <a:solidFill>
+                        <a:schemeClr val="tx1"/>
+                      </a:solidFill>
+                      <a:prstDash val="solid"/>
+                      <a:round/>
+                      <a:headEnd type="none" w="med" len="med"/>
+                      <a:tailEnd type="none" w="med" len="med"/>
+                    </a:lnL>
+                    <a:lnR w="12700" cap="flat" cmpd="sng" algn="ctr">
+                      <a:solidFill>
+                        <a:schemeClr val="tx1"/>
+                      </a:solidFill>
+                      <a:prstDash val="solid"/>
+                      <a:round/>
+                      <a:headEnd type="none" w="med" len="med"/>
+                      <a:tailEnd type="none" w="med" len="med"/>
+                    </a:lnR>
+                    <a:lnT w="12700" cap="flat" cmpd="sng" algn="ctr">
+                      <a:solidFill>
+                        <a:schemeClr val="tx1"/>
+                      </a:solidFill>
+                      <a:prstDash val="solid"/>
+                      <a:round/>
+                      <a:headEnd type="none" w="med" len="med"/>
+                      <a:tailEnd type="none" w="med" len="med"/>
+                    </a:lnT>
+                    <a:lnB w="12700" cap="flat" cmpd="sng" algn="ctr">
+                      <a:solidFill>
+                        <a:schemeClr val="tx1"/>
+                      </a:solidFill>
+                      <a:prstDash val="solid"/>
+                      <a:round/>
+                      <a:headEnd type="none" w="med" len="med"/>
+                      <a:tailEnd type="none" w="med" len="med"/>
+                    </a:lnB>
+                    <a:solidFill>
+                      <a:srgbClr val="F9F9F9"/>
+                    </a:solidFill>
+                  </a:tcPr>
+                </a:tc>
+                <a:tc>
+                  <a:txBody>
+                    <a:bodyPr/>
+                    <a:lstStyle/>
+                    <a:p>
+                      <a:pPr algn="ctr"/>
+                      <a:r>
+                        <a:rPr lang="en-US" dirty="0">
+                          <a:effectLst/>
+                        </a:rPr>
+                        <a:t>Arrival time</a:t>
+                      </a:r>
+                    </a:p>
+                  </a:txBody>
+                  <a:tcPr anchor="ctr">
+                    <a:lnL w="12700" cap="flat" cmpd="sng" algn="ctr">
+                      <a:solidFill>
+                        <a:schemeClr val="tx1"/>
+                      </a:solidFill>
+                      <a:prstDash val="solid"/>
+                      <a:round/>
+                      <a:headEnd type="none" w="med" len="med"/>
+                      <a:tailEnd type="none" w="med" len="med"/>
+                    </a:lnL>
+                    <a:lnR w="12700" cap="flat" cmpd="sng" algn="ctr">
+                      <a:solidFill>
+                        <a:schemeClr val="tx1"/>
+                      </a:solidFill>
+                      <a:prstDash val="solid"/>
+                      <a:round/>
+                      <a:headEnd type="none" w="med" len="med"/>
+                      <a:tailEnd type="none" w="med" len="med"/>
+                    </a:lnR>
+                    <a:lnT w="12700" cap="flat" cmpd="sng" algn="ctr">
+                      <a:solidFill>
+                        <a:schemeClr val="tx1"/>
+                      </a:solidFill>
+                      <a:prstDash val="solid"/>
+                      <a:round/>
+                      <a:headEnd type="none" w="med" len="med"/>
+                      <a:tailEnd type="none" w="med" len="med"/>
+                    </a:lnT>
+                    <a:lnB w="12700" cap="flat" cmpd="sng" algn="ctr">
+                      <a:solidFill>
+                        <a:schemeClr val="tx1"/>
+                      </a:solidFill>
+                      <a:prstDash val="solid"/>
+                      <a:round/>
+                      <a:headEnd type="none" w="med" len="med"/>
+                      <a:tailEnd type="none" w="med" len="med"/>
+                    </a:lnB>
+                    <a:solidFill>
+                      <a:srgbClr val="F9F9F9"/>
+                    </a:solidFill>
+                  </a:tcPr>
+                </a:tc>
+                <a:tc>
+                  <a:txBody>
+                    <a:bodyPr/>
+                    <a:lstStyle/>
+                    <a:p>
+                      <a:pPr algn="ctr"/>
+                      <a:r>
+                        <a:rPr lang="en-US" dirty="0">
+                          <a:effectLst/>
+                        </a:rPr>
+                        <a:t>Burst time</a:t>
+                      </a:r>
+                    </a:p>
+                  </a:txBody>
+                  <a:tcPr anchor="ctr">
+                    <a:lnL w="12700" cap="flat" cmpd="sng" algn="ctr">
+                      <a:solidFill>
+                        <a:schemeClr val="tx1"/>
+                      </a:solidFill>
+                      <a:prstDash val="solid"/>
+                      <a:round/>
+                      <a:headEnd type="none" w="med" len="med"/>
+                      <a:tailEnd type="none" w="med" len="med"/>
+                    </a:lnL>
+                    <a:lnR w="12700" cap="flat" cmpd="sng" algn="ctr">
+                      <a:solidFill>
+                        <a:schemeClr val="tx1"/>
+                      </a:solidFill>
+                      <a:prstDash val="solid"/>
+                      <a:round/>
+                      <a:headEnd type="none" w="med" len="med"/>
+                      <a:tailEnd type="none" w="med" len="med"/>
+                    </a:lnR>
+                    <a:lnT w="12700" cap="flat" cmpd="sng" algn="ctr">
+                      <a:solidFill>
+                        <a:schemeClr val="tx1"/>
+                      </a:solidFill>
+                      <a:prstDash val="solid"/>
+                      <a:round/>
+                      <a:headEnd type="none" w="med" len="med"/>
+                      <a:tailEnd type="none" w="med" len="med"/>
+                    </a:lnT>
+                    <a:lnB w="12700" cap="flat" cmpd="sng" algn="ctr">
+                      <a:solidFill>
+                        <a:schemeClr val="tx1"/>
+                      </a:solidFill>
+                      <a:prstDash val="solid"/>
+                      <a:round/>
+                      <a:headEnd type="none" w="med" len="med"/>
+                      <a:tailEnd type="none" w="med" len="med"/>
+                    </a:lnB>
+                    <a:solidFill>
+                      <a:srgbClr val="F9F9F9"/>
+                    </a:solidFill>
+                  </a:tcPr>
+                </a:tc>
+                <a:tc>
+                  <a:txBody>
+                    <a:bodyPr/>
+                    <a:lstStyle/>
+                    <a:p>
+                      <a:pPr algn="ctr"/>
+                      <a:r>
+                        <a:rPr lang="en-US" dirty="0">
+                          <a:effectLst/>
+                        </a:rPr>
+                        <a:t>Priority</a:t>
+                      </a:r>
+                    </a:p>
+                  </a:txBody>
+                  <a:tcPr anchor="ctr">
+                    <a:lnL w="12700" cap="flat" cmpd="sng" algn="ctr">
+                      <a:solidFill>
+                        <a:schemeClr val="tx1"/>
+                      </a:solidFill>
+                      <a:prstDash val="solid"/>
+                      <a:round/>
+                      <a:headEnd type="none" w="med" len="med"/>
+                      <a:tailEnd type="none" w="med" len="med"/>
+                    </a:lnL>
+                    <a:lnR w="12700" cap="flat" cmpd="sng" algn="ctr">
+                      <a:solidFill>
+                        <a:schemeClr val="tx1"/>
+                      </a:solidFill>
+                      <a:prstDash val="solid"/>
+                      <a:round/>
+                      <a:headEnd type="none" w="med" len="med"/>
+                      <a:tailEnd type="none" w="med" len="med"/>
+                    </a:lnR>
+                    <a:lnT w="12700" cap="flat" cmpd="sng" algn="ctr">
+                      <a:solidFill>
+                        <a:schemeClr val="tx1"/>
+                      </a:solidFill>
+                      <a:prstDash val="solid"/>
+                      <a:round/>
+                      <a:headEnd type="none" w="med" len="med"/>
+                      <a:tailEnd type="none" w="med" len="med"/>
+                    </a:lnT>
+                    <a:lnB w="12700" cap="flat" cmpd="sng" algn="ctr">
+                      <a:solidFill>
+                        <a:schemeClr val="tx1"/>
+                      </a:solidFill>
+                      <a:prstDash val="solid"/>
+                      <a:round/>
+                      <a:headEnd type="none" w="med" len="med"/>
+                      <a:tailEnd type="none" w="med" len="med"/>
+                    </a:lnB>
+                    <a:solidFill>
+                      <a:srgbClr val="F9F9F9"/>
+                    </a:solidFill>
+                  </a:tcPr>
+                </a:tc>
+                <a:extLst>
+                  <a:ext uri="{0D108BD9-81ED-4DB2-BD59-A6C34878D82A}">
+                    <a16:rowId xmlns:a16="http://schemas.microsoft.com/office/drawing/2014/main" val="2631403030"/>
+                  </a:ext>
+                </a:extLst>
+              </a:tr>
+              <a:tr h="0">
+                <a:tc>
+                  <a:txBody>
+                    <a:bodyPr/>
+                    <a:lstStyle/>
+                    <a:p>
+                      <a:pPr algn="ctr"/>
+                      <a:r>
+                        <a:rPr lang="en-US" dirty="0">
+                          <a:effectLst/>
+                        </a:rPr>
+                        <a:t>P1</a:t>
+                      </a:r>
+                    </a:p>
+                  </a:txBody>
+                  <a:tcPr anchor="ctr">
+                    <a:lnL w="12700" cap="flat" cmpd="sng" algn="ctr">
+                      <a:solidFill>
+                        <a:schemeClr val="tx1"/>
+                      </a:solidFill>
+                      <a:prstDash val="solid"/>
+                      <a:round/>
+                      <a:headEnd type="none" w="med" len="med"/>
+                      <a:tailEnd type="none" w="med" len="med"/>
+                    </a:lnL>
+                    <a:lnR w="12700" cap="flat" cmpd="sng" algn="ctr">
+                      <a:solidFill>
+                        <a:schemeClr val="tx1"/>
+                      </a:solidFill>
+                      <a:prstDash val="solid"/>
+                      <a:round/>
+                      <a:headEnd type="none" w="med" len="med"/>
+                      <a:tailEnd type="none" w="med" len="med"/>
+                    </a:lnR>
+                    <a:lnT w="12700" cap="flat" cmpd="sng" algn="ctr">
+                      <a:solidFill>
+                        <a:schemeClr val="tx1"/>
+                      </a:solidFill>
+                      <a:prstDash val="solid"/>
+                      <a:round/>
+                      <a:headEnd type="none" w="med" len="med"/>
+                      <a:tailEnd type="none" w="med" len="med"/>
+                    </a:lnT>
+                    <a:lnB w="12700" cap="flat" cmpd="sng" algn="ctr">
+                      <a:solidFill>
+                        <a:schemeClr val="tx1"/>
+                      </a:solidFill>
+                      <a:prstDash val="solid"/>
+                      <a:round/>
+                      <a:headEnd type="none" w="med" len="med"/>
+                      <a:tailEnd type="none" w="med" len="med"/>
+                    </a:lnB>
+                    <a:solidFill>
+                      <a:srgbClr val="F9F9F9"/>
+                    </a:solidFill>
+                  </a:tcPr>
+                </a:tc>
+                <a:tc>
+                  <a:txBody>
+                    <a:bodyPr/>
+                    <a:lstStyle/>
+                    <a:p>
+                      <a:pPr algn="ctr"/>
+                      <a:r>
+                        <a:rPr lang="en-US" dirty="0">
+                          <a:solidFill>
+                            <a:srgbClr val="FF0000"/>
+                          </a:solidFill>
+                          <a:effectLst/>
+                        </a:rPr>
+                        <a:t>0</a:t>
+                      </a:r>
+                    </a:p>
+                  </a:txBody>
+                  <a:tcPr anchor="ctr">
+                    <a:lnL w="12700" cap="flat" cmpd="sng" algn="ctr">
+                      <a:solidFill>
+                        <a:schemeClr val="tx1"/>
+                      </a:solidFill>
+                      <a:prstDash val="solid"/>
+                      <a:round/>
+                      <a:headEnd type="none" w="med" len="med"/>
+                      <a:tailEnd type="none" w="med" len="med"/>
+                    </a:lnL>
+                    <a:lnR w="12700" cap="flat" cmpd="sng" algn="ctr">
+                      <a:solidFill>
+                        <a:schemeClr val="tx1"/>
+                      </a:solidFill>
+                      <a:prstDash val="solid"/>
+                      <a:round/>
+                      <a:headEnd type="none" w="med" len="med"/>
+                      <a:tailEnd type="none" w="med" len="med"/>
+                    </a:lnR>
+                    <a:lnT w="12700" cap="flat" cmpd="sng" algn="ctr">
+                      <a:solidFill>
+                        <a:schemeClr val="tx1"/>
+                      </a:solidFill>
+                      <a:prstDash val="solid"/>
+                      <a:round/>
+                      <a:headEnd type="none" w="med" len="med"/>
+                      <a:tailEnd type="none" w="med" len="med"/>
+                    </a:lnT>
+                    <a:lnB w="12700" cap="flat" cmpd="sng" algn="ctr">
+                      <a:solidFill>
+                        <a:schemeClr val="tx1"/>
+                      </a:solidFill>
+                      <a:prstDash val="solid"/>
+                      <a:round/>
+                      <a:headEnd type="none" w="med" len="med"/>
+                      <a:tailEnd type="none" w="med" len="med"/>
+                    </a:lnB>
+                    <a:solidFill>
+                      <a:srgbClr val="F9F9F9"/>
+                    </a:solidFill>
+                  </a:tcPr>
+                </a:tc>
+                <a:tc>
+                  <a:txBody>
+                    <a:bodyPr/>
+                    <a:lstStyle/>
+                    <a:p>
+                      <a:pPr algn="ctr"/>
+                      <a:r>
+                        <a:rPr lang="en-US" dirty="0">
+                          <a:effectLst/>
+                        </a:rPr>
+                        <a:t>4</a:t>
+                      </a:r>
+                    </a:p>
+                  </a:txBody>
+                  <a:tcPr anchor="ctr">
+                    <a:lnL w="12700" cap="flat" cmpd="sng" algn="ctr">
+                      <a:solidFill>
+                        <a:schemeClr val="tx1"/>
+                      </a:solidFill>
+                      <a:prstDash val="solid"/>
+                      <a:round/>
+                      <a:headEnd type="none" w="med" len="med"/>
+                      <a:tailEnd type="none" w="med" len="med"/>
+                    </a:lnL>
+                    <a:lnR w="12700" cap="flat" cmpd="sng" algn="ctr">
+                      <a:solidFill>
+                        <a:schemeClr val="tx1"/>
+                      </a:solidFill>
+                      <a:prstDash val="solid"/>
+                      <a:round/>
+                      <a:headEnd type="none" w="med" len="med"/>
+                      <a:tailEnd type="none" w="med" len="med"/>
+                    </a:lnR>
+                    <a:lnT w="12700" cap="flat" cmpd="sng" algn="ctr">
+                      <a:solidFill>
+                        <a:schemeClr val="tx1"/>
+                      </a:solidFill>
+                      <a:prstDash val="solid"/>
+                      <a:round/>
+                      <a:headEnd type="none" w="med" len="med"/>
+                      <a:tailEnd type="none" w="med" len="med"/>
+                    </a:lnT>
+                    <a:lnB w="12700" cap="flat" cmpd="sng" algn="ctr">
+                      <a:solidFill>
+                        <a:schemeClr val="tx1"/>
+                      </a:solidFill>
+                      <a:prstDash val="solid"/>
+                      <a:round/>
+                      <a:headEnd type="none" w="med" len="med"/>
+                      <a:tailEnd type="none" w="med" len="med"/>
+                    </a:lnB>
+                    <a:solidFill>
+                      <a:srgbClr val="F9F9F9"/>
+                    </a:solidFill>
+                  </a:tcPr>
+                </a:tc>
+                <a:tc>
+                  <a:txBody>
+                    <a:bodyPr/>
+                    <a:lstStyle/>
+                    <a:p>
+                      <a:pPr algn="ctr"/>
+                      <a:r>
+                        <a:rPr lang="en-US" dirty="0">
+                          <a:effectLst/>
+                        </a:rPr>
+                        <a:t>1</a:t>
+                      </a:r>
+                    </a:p>
+                  </a:txBody>
+                  <a:tcPr anchor="ctr">
+                    <a:lnL w="12700" cap="flat" cmpd="sng" algn="ctr">
+                      <a:solidFill>
+                        <a:schemeClr val="tx1"/>
+                      </a:solidFill>
+                      <a:prstDash val="solid"/>
+                      <a:round/>
+                      <a:headEnd type="none" w="med" len="med"/>
+                      <a:tailEnd type="none" w="med" len="med"/>
+                    </a:lnL>
+                    <a:lnR w="12700" cap="flat" cmpd="sng" algn="ctr">
+                      <a:solidFill>
+                        <a:schemeClr val="tx1"/>
+                      </a:solidFill>
+                      <a:prstDash val="solid"/>
+                      <a:round/>
+                      <a:headEnd type="none" w="med" len="med"/>
+                      <a:tailEnd type="none" w="med" len="med"/>
+                    </a:lnR>
+                    <a:lnT w="12700" cap="flat" cmpd="sng" algn="ctr">
+                      <a:solidFill>
+                        <a:schemeClr val="tx1"/>
+                      </a:solidFill>
+                      <a:prstDash val="solid"/>
+                      <a:round/>
+                      <a:headEnd type="none" w="med" len="med"/>
+                      <a:tailEnd type="none" w="med" len="med"/>
+                    </a:lnT>
+                    <a:lnB w="12700" cap="flat" cmpd="sng" algn="ctr">
+                      <a:solidFill>
+                        <a:schemeClr val="tx1"/>
+                      </a:solidFill>
+                      <a:prstDash val="solid"/>
+                      <a:round/>
+                      <a:headEnd type="none" w="med" len="med"/>
+                      <a:tailEnd type="none" w="med" len="med"/>
+                    </a:lnB>
+                    <a:solidFill>
+                      <a:srgbClr val="F9F9F9"/>
+                    </a:solidFill>
+                  </a:tcPr>
+                </a:tc>
+                <a:extLst>
+                  <a:ext uri="{0D108BD9-81ED-4DB2-BD59-A6C34878D82A}">
+                    <a16:rowId xmlns:a16="http://schemas.microsoft.com/office/drawing/2014/main" val="1104042977"/>
+                  </a:ext>
+                </a:extLst>
+              </a:tr>
+              <a:tr h="0">
+                <a:tc>
+                  <a:txBody>
+                    <a:bodyPr/>
+                    <a:lstStyle/>
+                    <a:p>
+                      <a:pPr algn="ctr"/>
+                      <a:r>
+                        <a:rPr lang="en-US" dirty="0">
+                          <a:effectLst/>
+                        </a:rPr>
+                        <a:t>P2</a:t>
+                      </a:r>
+                    </a:p>
+                  </a:txBody>
+                  <a:tcPr anchor="ctr">
+                    <a:lnL w="12700" cap="flat" cmpd="sng" algn="ctr">
+                      <a:solidFill>
+                        <a:schemeClr val="tx1"/>
+                      </a:solidFill>
+                      <a:prstDash val="solid"/>
+                      <a:round/>
+                      <a:headEnd type="none" w="med" len="med"/>
+                      <a:tailEnd type="none" w="med" len="med"/>
+                    </a:lnL>
+                    <a:lnR w="12700" cap="flat" cmpd="sng" algn="ctr">
+                      <a:solidFill>
+                        <a:schemeClr val="tx1"/>
+                      </a:solidFill>
+                      <a:prstDash val="solid"/>
+                      <a:round/>
+                      <a:headEnd type="none" w="med" len="med"/>
+                      <a:tailEnd type="none" w="med" len="med"/>
+                    </a:lnR>
+                    <a:lnT w="12700" cap="flat" cmpd="sng" algn="ctr">
+                      <a:solidFill>
+                        <a:schemeClr val="tx1"/>
+                      </a:solidFill>
+                      <a:prstDash val="solid"/>
+                      <a:round/>
+                      <a:headEnd type="none" w="med" len="med"/>
+                      <a:tailEnd type="none" w="med" len="med"/>
+                    </a:lnT>
+                    <a:lnB w="12700" cap="flat" cmpd="sng" algn="ctr">
+                      <a:solidFill>
+                        <a:schemeClr val="tx1"/>
+                      </a:solidFill>
+                      <a:prstDash val="solid"/>
+                      <a:round/>
+                      <a:headEnd type="none" w="med" len="med"/>
+                      <a:tailEnd type="none" w="med" len="med"/>
+                    </a:lnB>
+                    <a:solidFill>
+                      <a:srgbClr val="FFFFFF"/>
+                    </a:solidFill>
+                  </a:tcPr>
+                </a:tc>
+                <a:tc>
+                  <a:txBody>
+                    <a:bodyPr/>
+                    <a:lstStyle/>
+                    <a:p>
+                      <a:pPr algn="ctr"/>
+                      <a:r>
+                        <a:rPr lang="en-US" dirty="0">
+                          <a:solidFill>
+                            <a:srgbClr val="FF0000"/>
+                          </a:solidFill>
+                          <a:effectLst/>
+                        </a:rPr>
+                        <a:t>0</a:t>
+                      </a:r>
+                    </a:p>
+                  </a:txBody>
+                  <a:tcPr anchor="ctr">
+                    <a:lnL w="12700" cap="flat" cmpd="sng" algn="ctr">
+                      <a:solidFill>
+                        <a:schemeClr val="tx1"/>
+                      </a:solidFill>
+                      <a:prstDash val="solid"/>
+                      <a:round/>
+                      <a:headEnd type="none" w="med" len="med"/>
+                      <a:tailEnd type="none" w="med" len="med"/>
+                    </a:lnL>
+                    <a:lnR w="12700" cap="flat" cmpd="sng" algn="ctr">
+                      <a:solidFill>
+                        <a:schemeClr val="tx1"/>
+                      </a:solidFill>
+                      <a:prstDash val="solid"/>
+                      <a:round/>
+                      <a:headEnd type="none" w="med" len="med"/>
+                      <a:tailEnd type="none" w="med" len="med"/>
+                    </a:lnR>
+                    <a:lnT w="12700" cap="flat" cmpd="sng" algn="ctr">
+                      <a:solidFill>
+                        <a:schemeClr val="tx1"/>
+                      </a:solidFill>
+                      <a:prstDash val="solid"/>
+                      <a:round/>
+                      <a:headEnd type="none" w="med" len="med"/>
+                      <a:tailEnd type="none" w="med" len="med"/>
+                    </a:lnT>
+                    <a:lnB w="12700" cap="flat" cmpd="sng" algn="ctr">
+                      <a:solidFill>
+                        <a:schemeClr val="tx1"/>
+                      </a:solidFill>
+                      <a:prstDash val="solid"/>
+                      <a:round/>
+                      <a:headEnd type="none" w="med" len="med"/>
+                      <a:tailEnd type="none" w="med" len="med"/>
+                    </a:lnB>
+                    <a:solidFill>
+                      <a:srgbClr val="FFFFFF"/>
+                    </a:solidFill>
+                  </a:tcPr>
+                </a:tc>
+                <a:tc>
+                  <a:txBody>
+                    <a:bodyPr/>
+                    <a:lstStyle/>
+                    <a:p>
+                      <a:pPr algn="ctr"/>
+                      <a:r>
+                        <a:rPr lang="en-US" dirty="0">
+                          <a:effectLst/>
+                        </a:rPr>
+                        <a:t>3</a:t>
+                      </a:r>
+                    </a:p>
+                  </a:txBody>
+                  <a:tcPr anchor="ctr">
+                    <a:lnL w="12700" cap="flat" cmpd="sng" algn="ctr">
+                      <a:solidFill>
+                        <a:schemeClr val="tx1"/>
+                      </a:solidFill>
+                      <a:prstDash val="solid"/>
+                      <a:round/>
+                      <a:headEnd type="none" w="med" len="med"/>
+                      <a:tailEnd type="none" w="med" len="med"/>
+                    </a:lnL>
+                    <a:lnR w="12700" cap="flat" cmpd="sng" algn="ctr">
+                      <a:solidFill>
+                        <a:schemeClr val="tx1"/>
+                      </a:solidFill>
+                      <a:prstDash val="solid"/>
+                      <a:round/>
+                      <a:headEnd type="none" w="med" len="med"/>
+                      <a:tailEnd type="none" w="med" len="med"/>
+                    </a:lnR>
+                    <a:lnT w="12700" cap="flat" cmpd="sng" algn="ctr">
+                      <a:solidFill>
+                        <a:schemeClr val="tx1"/>
+                      </a:solidFill>
+                      <a:prstDash val="solid"/>
+                      <a:round/>
+                      <a:headEnd type="none" w="med" len="med"/>
+                      <a:tailEnd type="none" w="med" len="med"/>
+                    </a:lnT>
+                    <a:lnB w="12700" cap="flat" cmpd="sng" algn="ctr">
+                      <a:solidFill>
+                        <a:schemeClr val="tx1"/>
+                      </a:solidFill>
+                      <a:prstDash val="solid"/>
+                      <a:round/>
+                      <a:headEnd type="none" w="med" len="med"/>
+                      <a:tailEnd type="none" w="med" len="med"/>
+                    </a:lnB>
+                    <a:solidFill>
+                      <a:srgbClr val="FFFFFF"/>
+                    </a:solidFill>
+                  </a:tcPr>
+                </a:tc>
+                <a:tc>
+                  <a:txBody>
+                    <a:bodyPr/>
+                    <a:lstStyle/>
+                    <a:p>
+                      <a:pPr algn="ctr"/>
+                      <a:r>
+                        <a:rPr lang="en-US" dirty="0">
+                          <a:effectLst/>
+                        </a:rPr>
+                        <a:t>2</a:t>
+                      </a:r>
+                    </a:p>
+                  </a:txBody>
+                  <a:tcPr anchor="ctr">
+                    <a:lnL w="12700" cap="flat" cmpd="sng" algn="ctr">
+                      <a:solidFill>
+                        <a:schemeClr val="tx1"/>
+                      </a:solidFill>
+                      <a:prstDash val="solid"/>
+                      <a:round/>
+                      <a:headEnd type="none" w="med" len="med"/>
+                      <a:tailEnd type="none" w="med" len="med"/>
+                    </a:lnL>
+                    <a:lnR w="12700" cap="flat" cmpd="sng" algn="ctr">
+                      <a:solidFill>
+                        <a:schemeClr val="tx1"/>
+                      </a:solidFill>
+                      <a:prstDash val="solid"/>
+                      <a:round/>
+                      <a:headEnd type="none" w="med" len="med"/>
+                      <a:tailEnd type="none" w="med" len="med"/>
+                    </a:lnR>
+                    <a:lnT w="12700" cap="flat" cmpd="sng" algn="ctr">
+                      <a:solidFill>
+                        <a:schemeClr val="tx1"/>
+                      </a:solidFill>
+                      <a:prstDash val="solid"/>
+                      <a:round/>
+                      <a:headEnd type="none" w="med" len="med"/>
+                      <a:tailEnd type="none" w="med" len="med"/>
+                    </a:lnT>
+                    <a:lnB w="12700" cap="flat" cmpd="sng" algn="ctr">
+                      <a:solidFill>
+                        <a:schemeClr val="tx1"/>
+                      </a:solidFill>
+                      <a:prstDash val="solid"/>
+                      <a:round/>
+                      <a:headEnd type="none" w="med" len="med"/>
+                      <a:tailEnd type="none" w="med" len="med"/>
+                    </a:lnB>
+                    <a:solidFill>
+                      <a:srgbClr val="FFFFFF"/>
+                    </a:solidFill>
+                  </a:tcPr>
+                </a:tc>
+                <a:extLst>
+                  <a:ext uri="{0D108BD9-81ED-4DB2-BD59-A6C34878D82A}">
+                    <a16:rowId xmlns:a16="http://schemas.microsoft.com/office/drawing/2014/main" val="4235819181"/>
+                  </a:ext>
+                </a:extLst>
+              </a:tr>
+              <a:tr h="0">
+                <a:tc>
+                  <a:txBody>
+                    <a:bodyPr/>
+                    <a:lstStyle/>
+                    <a:p>
+                      <a:pPr algn="ctr"/>
+                      <a:r>
+                        <a:rPr lang="en-US" dirty="0">
+                          <a:effectLst/>
+                        </a:rPr>
+                        <a:t>P3</a:t>
+                      </a:r>
+                    </a:p>
+                  </a:txBody>
+                  <a:tcPr anchor="ctr">
+                    <a:lnL w="12700" cap="flat" cmpd="sng" algn="ctr">
+                      <a:solidFill>
+                        <a:schemeClr val="tx1"/>
+                      </a:solidFill>
+                      <a:prstDash val="solid"/>
+                      <a:round/>
+                      <a:headEnd type="none" w="med" len="med"/>
+                      <a:tailEnd type="none" w="med" len="med"/>
+                    </a:lnL>
+                    <a:lnR w="12700" cap="flat" cmpd="sng" algn="ctr">
+                      <a:solidFill>
+                        <a:schemeClr val="tx1"/>
+                      </a:solidFill>
+                      <a:prstDash val="solid"/>
+                      <a:round/>
+                      <a:headEnd type="none" w="med" len="med"/>
+                      <a:tailEnd type="none" w="med" len="med"/>
+                    </a:lnR>
+                    <a:lnT w="12700" cap="flat" cmpd="sng" algn="ctr">
+                      <a:solidFill>
+                        <a:schemeClr val="tx1"/>
+                      </a:solidFill>
+                      <a:prstDash val="solid"/>
+                      <a:round/>
+                      <a:headEnd type="none" w="med" len="med"/>
+                      <a:tailEnd type="none" w="med" len="med"/>
+                    </a:lnT>
+                    <a:lnB w="12700" cap="flat" cmpd="sng" algn="ctr">
+                      <a:solidFill>
+                        <a:schemeClr val="tx1"/>
+                      </a:solidFill>
+                      <a:prstDash val="solid"/>
+                      <a:round/>
+                      <a:headEnd type="none" w="med" len="med"/>
+                      <a:tailEnd type="none" w="med" len="med"/>
+                    </a:lnB>
+                    <a:solidFill>
+                      <a:srgbClr val="F9F9F9"/>
+                    </a:solidFill>
+                  </a:tcPr>
+                </a:tc>
+                <a:tc>
+                  <a:txBody>
+                    <a:bodyPr/>
+                    <a:lstStyle/>
+                    <a:p>
+                      <a:pPr algn="ctr"/>
+                      <a:r>
+                        <a:rPr lang="en-US" dirty="0">
+                          <a:effectLst/>
+                        </a:rPr>
+                        <a:t>6</a:t>
+                      </a:r>
+                    </a:p>
+                  </a:txBody>
+                  <a:tcPr anchor="ctr">
+                    <a:lnL w="12700" cap="flat" cmpd="sng" algn="ctr">
+                      <a:solidFill>
+                        <a:schemeClr val="tx1"/>
+                      </a:solidFill>
+                      <a:prstDash val="solid"/>
+                      <a:round/>
+                      <a:headEnd type="none" w="med" len="med"/>
+                      <a:tailEnd type="none" w="med" len="med"/>
+                    </a:lnL>
+                    <a:lnR w="12700" cap="flat" cmpd="sng" algn="ctr">
+                      <a:solidFill>
+                        <a:schemeClr val="tx1"/>
+                      </a:solidFill>
+                      <a:prstDash val="solid"/>
+                      <a:round/>
+                      <a:headEnd type="none" w="med" len="med"/>
+                      <a:tailEnd type="none" w="med" len="med"/>
+                    </a:lnR>
+                    <a:lnT w="12700" cap="flat" cmpd="sng" algn="ctr">
+                      <a:solidFill>
+                        <a:schemeClr val="tx1"/>
+                      </a:solidFill>
+                      <a:prstDash val="solid"/>
+                      <a:round/>
+                      <a:headEnd type="none" w="med" len="med"/>
+                      <a:tailEnd type="none" w="med" len="med"/>
+                    </a:lnT>
+                    <a:lnB w="12700" cap="flat" cmpd="sng" algn="ctr">
+                      <a:solidFill>
+                        <a:schemeClr val="tx1"/>
+                      </a:solidFill>
+                      <a:prstDash val="solid"/>
+                      <a:round/>
+                      <a:headEnd type="none" w="med" len="med"/>
+                      <a:tailEnd type="none" w="med" len="med"/>
+                    </a:lnB>
+                    <a:solidFill>
+                      <a:srgbClr val="F9F9F9"/>
+                    </a:solidFill>
+                  </a:tcPr>
+                </a:tc>
+                <a:tc>
+                  <a:txBody>
+                    <a:bodyPr/>
+                    <a:lstStyle/>
+                    <a:p>
+                      <a:pPr algn="ctr"/>
+                      <a:r>
+                        <a:rPr lang="en-US" dirty="0">
+                          <a:effectLst/>
+                        </a:rPr>
+                        <a:t>7</a:t>
+                      </a:r>
+                    </a:p>
+                  </a:txBody>
+                  <a:tcPr anchor="ctr">
+                    <a:lnL w="12700" cap="flat" cmpd="sng" algn="ctr">
+                      <a:solidFill>
+                        <a:schemeClr val="tx1"/>
+                      </a:solidFill>
+                      <a:prstDash val="solid"/>
+                      <a:round/>
+                      <a:headEnd type="none" w="med" len="med"/>
+                      <a:tailEnd type="none" w="med" len="med"/>
+                    </a:lnL>
+                    <a:lnR w="12700" cap="flat" cmpd="sng" algn="ctr">
+                      <a:solidFill>
+                        <a:schemeClr val="tx1"/>
+                      </a:solidFill>
+                      <a:prstDash val="solid"/>
+                      <a:round/>
+                      <a:headEnd type="none" w="med" len="med"/>
+                      <a:tailEnd type="none" w="med" len="med"/>
+                    </a:lnR>
+                    <a:lnT w="12700" cap="flat" cmpd="sng" algn="ctr">
+                      <a:solidFill>
+                        <a:schemeClr val="tx1"/>
+                      </a:solidFill>
+                      <a:prstDash val="solid"/>
+                      <a:round/>
+                      <a:headEnd type="none" w="med" len="med"/>
+                      <a:tailEnd type="none" w="med" len="med"/>
+                    </a:lnT>
+                    <a:lnB w="12700" cap="flat" cmpd="sng" algn="ctr">
+                      <a:solidFill>
+                        <a:schemeClr val="tx1"/>
+                      </a:solidFill>
+                      <a:prstDash val="solid"/>
+                      <a:round/>
+                      <a:headEnd type="none" w="med" len="med"/>
+                      <a:tailEnd type="none" w="med" len="med"/>
+                    </a:lnB>
+                    <a:solidFill>
+                      <a:srgbClr val="F9F9F9"/>
+                    </a:solidFill>
+                  </a:tcPr>
+                </a:tc>
+                <a:tc>
+                  <a:txBody>
+                    <a:bodyPr/>
+                    <a:lstStyle/>
+                    <a:p>
+                      <a:pPr algn="ctr"/>
+                      <a:r>
+                        <a:rPr lang="en-US" dirty="0">
+                          <a:effectLst/>
+                        </a:rPr>
+                        <a:t>1</a:t>
+                      </a:r>
+                    </a:p>
+                  </a:txBody>
+                  <a:tcPr anchor="ctr">
+                    <a:lnL w="12700" cap="flat" cmpd="sng" algn="ctr">
+                      <a:solidFill>
+                        <a:schemeClr val="tx1"/>
+                      </a:solidFill>
+                      <a:prstDash val="solid"/>
+                      <a:round/>
+                      <a:headEnd type="none" w="med" len="med"/>
+                      <a:tailEnd type="none" w="med" len="med"/>
+                    </a:lnL>
+                    <a:lnR w="12700" cap="flat" cmpd="sng" algn="ctr">
+                      <a:solidFill>
+                        <a:schemeClr val="tx1"/>
+                      </a:solidFill>
+                      <a:prstDash val="solid"/>
+                      <a:round/>
+                      <a:headEnd type="none" w="med" len="med"/>
+                      <a:tailEnd type="none" w="med" len="med"/>
+                    </a:lnR>
+                    <a:lnT w="12700" cap="flat" cmpd="sng" algn="ctr">
+                      <a:solidFill>
+                        <a:schemeClr val="tx1"/>
+                      </a:solidFill>
+                      <a:prstDash val="solid"/>
+                      <a:round/>
+                      <a:headEnd type="none" w="med" len="med"/>
+                      <a:tailEnd type="none" w="med" len="med"/>
+                    </a:lnT>
+                    <a:lnB w="12700" cap="flat" cmpd="sng" algn="ctr">
+                      <a:solidFill>
+                        <a:schemeClr val="tx1"/>
+                      </a:solidFill>
+                      <a:prstDash val="solid"/>
+                      <a:round/>
+                      <a:headEnd type="none" w="med" len="med"/>
+                      <a:tailEnd type="none" w="med" len="med"/>
+                    </a:lnB>
+                    <a:solidFill>
+                      <a:srgbClr val="F9F9F9"/>
+                    </a:solidFill>
+                  </a:tcPr>
+                </a:tc>
+                <a:extLst>
+                  <a:ext uri="{0D108BD9-81ED-4DB2-BD59-A6C34878D82A}">
+                    <a16:rowId xmlns:a16="http://schemas.microsoft.com/office/drawing/2014/main" val="2647805273"/>
+                  </a:ext>
+                </a:extLst>
+              </a:tr>
+              <a:tr h="0">
+                <a:tc>
+                  <a:txBody>
+                    <a:bodyPr/>
+                    <a:lstStyle/>
+                    <a:p>
+                      <a:pPr algn="ctr"/>
+                      <a:r>
+                        <a:rPr lang="en-US" dirty="0">
+                          <a:effectLst/>
+                        </a:rPr>
+                        <a:t>P4</a:t>
+                      </a:r>
+                    </a:p>
+                  </a:txBody>
+                  <a:tcPr anchor="ctr">
+                    <a:lnL w="12700" cap="flat" cmpd="sng" algn="ctr">
+                      <a:solidFill>
+                        <a:schemeClr val="tx1"/>
+                      </a:solidFill>
+                      <a:prstDash val="solid"/>
+                      <a:round/>
+                      <a:headEnd type="none" w="med" len="med"/>
+                      <a:tailEnd type="none" w="med" len="med"/>
+                    </a:lnL>
+                    <a:lnR w="12700" cap="flat" cmpd="sng" algn="ctr">
+                      <a:solidFill>
+                        <a:schemeClr val="tx1"/>
+                      </a:solidFill>
+                      <a:prstDash val="solid"/>
+                      <a:round/>
+                      <a:headEnd type="none" w="med" len="med"/>
+                      <a:tailEnd type="none" w="med" len="med"/>
+                    </a:lnR>
+                    <a:lnT w="12700" cap="flat" cmpd="sng" algn="ctr">
+                      <a:solidFill>
+                        <a:schemeClr val="tx1"/>
+                      </a:solidFill>
+                      <a:prstDash val="solid"/>
+                      <a:round/>
+                      <a:headEnd type="none" w="med" len="med"/>
+                      <a:tailEnd type="none" w="med" len="med"/>
+                    </a:lnT>
+                    <a:lnB w="12700" cap="flat" cmpd="sng" algn="ctr">
+                      <a:solidFill>
+                        <a:schemeClr val="tx1"/>
+                      </a:solidFill>
+                      <a:prstDash val="solid"/>
+                      <a:round/>
+                      <a:headEnd type="none" w="med" len="med"/>
+                      <a:tailEnd type="none" w="med" len="med"/>
+                    </a:lnB>
+                    <a:solidFill>
+                      <a:srgbClr val="FFFFFF"/>
+                    </a:solidFill>
+                  </a:tcPr>
+                </a:tc>
+                <a:tc>
+                  <a:txBody>
+                    <a:bodyPr/>
+                    <a:lstStyle/>
+                    <a:p>
+                      <a:pPr algn="ctr"/>
+                      <a:r>
+                        <a:rPr lang="en-US" dirty="0">
+                          <a:effectLst/>
+                        </a:rPr>
+                        <a:t>11</a:t>
+                      </a:r>
+                    </a:p>
+                  </a:txBody>
+                  <a:tcPr anchor="ctr">
+                    <a:lnL w="12700" cap="flat" cmpd="sng" algn="ctr">
+                      <a:solidFill>
+                        <a:schemeClr val="tx1"/>
+                      </a:solidFill>
+                      <a:prstDash val="solid"/>
+                      <a:round/>
+                      <a:headEnd type="none" w="med" len="med"/>
+                      <a:tailEnd type="none" w="med" len="med"/>
+                    </a:lnL>
+                    <a:lnR w="12700" cap="flat" cmpd="sng" algn="ctr">
+                      <a:solidFill>
+                        <a:schemeClr val="tx1"/>
+                      </a:solidFill>
+                      <a:prstDash val="solid"/>
+                      <a:round/>
+                      <a:headEnd type="none" w="med" len="med"/>
+                      <a:tailEnd type="none" w="med" len="med"/>
+                    </a:lnR>
+                    <a:lnT w="12700" cap="flat" cmpd="sng" algn="ctr">
+                      <a:solidFill>
+                        <a:schemeClr val="tx1"/>
+                      </a:solidFill>
+                      <a:prstDash val="solid"/>
+                      <a:round/>
+                      <a:headEnd type="none" w="med" len="med"/>
+                      <a:tailEnd type="none" w="med" len="med"/>
+                    </a:lnT>
+                    <a:lnB w="12700" cap="flat" cmpd="sng" algn="ctr">
+                      <a:solidFill>
+                        <a:schemeClr val="tx1"/>
+                      </a:solidFill>
+                      <a:prstDash val="solid"/>
+                      <a:round/>
+                      <a:headEnd type="none" w="med" len="med"/>
+                      <a:tailEnd type="none" w="med" len="med"/>
+                    </a:lnB>
+                    <a:solidFill>
+                      <a:srgbClr val="FFFFFF"/>
+                    </a:solidFill>
+                  </a:tcPr>
+                </a:tc>
+                <a:tc>
+                  <a:txBody>
+                    <a:bodyPr/>
+                    <a:lstStyle/>
+                    <a:p>
+                      <a:pPr algn="ctr"/>
+                      <a:r>
+                        <a:rPr lang="en-US" dirty="0">
+                          <a:effectLst/>
+                        </a:rPr>
+                        <a:t>4</a:t>
+                      </a:r>
+                    </a:p>
+                  </a:txBody>
+                  <a:tcPr anchor="ctr">
+                    <a:lnL w="12700" cap="flat" cmpd="sng" algn="ctr">
+                      <a:solidFill>
+                        <a:schemeClr val="tx1"/>
+                      </a:solidFill>
+                      <a:prstDash val="solid"/>
+                      <a:round/>
+                      <a:headEnd type="none" w="med" len="med"/>
+                      <a:tailEnd type="none" w="med" len="med"/>
+                    </a:lnL>
+                    <a:lnR w="12700" cap="flat" cmpd="sng" algn="ctr">
+                      <a:solidFill>
+                        <a:schemeClr val="tx1"/>
+                      </a:solidFill>
+                      <a:prstDash val="solid"/>
+                      <a:round/>
+                      <a:headEnd type="none" w="med" len="med"/>
+                      <a:tailEnd type="none" w="med" len="med"/>
+                    </a:lnR>
+                    <a:lnT w="12700" cap="flat" cmpd="sng" algn="ctr">
+                      <a:solidFill>
+                        <a:schemeClr val="tx1"/>
+                      </a:solidFill>
+                      <a:prstDash val="solid"/>
+                      <a:round/>
+                      <a:headEnd type="none" w="med" len="med"/>
+                      <a:tailEnd type="none" w="med" len="med"/>
+                    </a:lnT>
+                    <a:lnB w="12700" cap="flat" cmpd="sng" algn="ctr">
+                      <a:solidFill>
+                        <a:schemeClr val="tx1"/>
+                      </a:solidFill>
+                      <a:prstDash val="solid"/>
+                      <a:round/>
+                      <a:headEnd type="none" w="med" len="med"/>
+                      <a:tailEnd type="none" w="med" len="med"/>
+                    </a:lnB>
+                    <a:solidFill>
+                      <a:srgbClr val="FFFFFF"/>
+                    </a:solidFill>
+                  </a:tcPr>
+                </a:tc>
+                <a:tc>
+                  <a:txBody>
+                    <a:bodyPr/>
+                    <a:lstStyle/>
+                    <a:p>
+                      <a:pPr algn="ctr"/>
+                      <a:r>
+                        <a:rPr lang="en-US" dirty="0">
+                          <a:effectLst/>
+                        </a:rPr>
+                        <a:t>3</a:t>
+                      </a:r>
+                    </a:p>
+                  </a:txBody>
+                  <a:tcPr anchor="ctr">
+                    <a:lnL w="12700" cap="flat" cmpd="sng" algn="ctr">
+                      <a:solidFill>
+                        <a:schemeClr val="tx1"/>
+                      </a:solidFill>
+                      <a:prstDash val="solid"/>
+                      <a:round/>
+                      <a:headEnd type="none" w="med" len="med"/>
+                      <a:tailEnd type="none" w="med" len="med"/>
+                    </a:lnL>
+                    <a:lnR w="12700" cap="flat" cmpd="sng" algn="ctr">
+                      <a:solidFill>
+                        <a:schemeClr val="tx1"/>
+                      </a:solidFill>
+                      <a:prstDash val="solid"/>
+                      <a:round/>
+                      <a:headEnd type="none" w="med" len="med"/>
+                      <a:tailEnd type="none" w="med" len="med"/>
+                    </a:lnR>
+                    <a:lnT w="12700" cap="flat" cmpd="sng" algn="ctr">
+                      <a:solidFill>
+                        <a:schemeClr val="tx1"/>
+                      </a:solidFill>
+                      <a:prstDash val="solid"/>
+                      <a:round/>
+                      <a:headEnd type="none" w="med" len="med"/>
+                      <a:tailEnd type="none" w="med" len="med"/>
+                    </a:lnT>
+                    <a:lnB w="12700" cap="flat" cmpd="sng" algn="ctr">
+                      <a:solidFill>
+                        <a:schemeClr val="tx1"/>
+                      </a:solidFill>
+                      <a:prstDash val="solid"/>
+                      <a:round/>
+                      <a:headEnd type="none" w="med" len="med"/>
+                      <a:tailEnd type="none" w="med" len="med"/>
+                    </a:lnB>
+                    <a:solidFill>
+                      <a:srgbClr val="FFFFFF"/>
+                    </a:solidFill>
+                  </a:tcPr>
+                </a:tc>
+                <a:extLst>
+                  <a:ext uri="{0D108BD9-81ED-4DB2-BD59-A6C34878D82A}">
+                    <a16:rowId xmlns:a16="http://schemas.microsoft.com/office/drawing/2014/main" val="920818824"/>
+                  </a:ext>
+                </a:extLst>
+              </a:tr>
+              <a:tr h="0">
+                <a:tc>
+                  <a:txBody>
+                    <a:bodyPr/>
+                    <a:lstStyle/>
+                    <a:p>
+                      <a:pPr algn="ctr"/>
+                      <a:r>
+                        <a:rPr lang="en-US" dirty="0">
+                          <a:effectLst/>
+                        </a:rPr>
+                        <a:t>P5</a:t>
+                      </a:r>
+                    </a:p>
+                  </a:txBody>
+                  <a:tcPr anchor="ctr">
+                    <a:lnL w="12700" cap="flat" cmpd="sng" algn="ctr">
+                      <a:solidFill>
+                        <a:schemeClr val="tx1"/>
+                      </a:solidFill>
+                      <a:prstDash val="solid"/>
+                      <a:round/>
+                      <a:headEnd type="none" w="med" len="med"/>
+                      <a:tailEnd type="none" w="med" len="med"/>
+                    </a:lnL>
+                    <a:lnR w="12700" cap="flat" cmpd="sng" algn="ctr">
+                      <a:solidFill>
+                        <a:schemeClr val="tx1"/>
+                      </a:solidFill>
+                      <a:prstDash val="solid"/>
+                      <a:round/>
+                      <a:headEnd type="none" w="med" len="med"/>
+                      <a:tailEnd type="none" w="med" len="med"/>
+                    </a:lnR>
+                    <a:lnT w="12700" cap="flat" cmpd="sng" algn="ctr">
+                      <a:solidFill>
+                        <a:schemeClr val="tx1"/>
+                      </a:solidFill>
+                      <a:prstDash val="solid"/>
+                      <a:round/>
+                      <a:headEnd type="none" w="med" len="med"/>
+                      <a:tailEnd type="none" w="med" len="med"/>
+                    </a:lnT>
+                    <a:lnB w="12700" cap="flat" cmpd="sng" algn="ctr">
+                      <a:solidFill>
+                        <a:schemeClr val="tx1"/>
+                      </a:solidFill>
+                      <a:prstDash val="solid"/>
+                      <a:round/>
+                      <a:headEnd type="none" w="med" len="med"/>
+                      <a:tailEnd type="none" w="med" len="med"/>
+                    </a:lnB>
+                    <a:solidFill>
+                      <a:srgbClr val="F9F9F9"/>
+                    </a:solidFill>
+                  </a:tcPr>
+                </a:tc>
+                <a:tc>
+                  <a:txBody>
+                    <a:bodyPr/>
+                    <a:lstStyle/>
+                    <a:p>
+                      <a:pPr algn="ctr"/>
+                      <a:r>
+                        <a:rPr lang="en-US" dirty="0">
+                          <a:effectLst/>
+                        </a:rPr>
+                        <a:t>12</a:t>
+                      </a:r>
+                    </a:p>
+                  </a:txBody>
+                  <a:tcPr anchor="ctr">
+                    <a:lnL w="12700" cap="flat" cmpd="sng" algn="ctr">
+                      <a:solidFill>
+                        <a:schemeClr val="tx1"/>
+                      </a:solidFill>
+                      <a:prstDash val="solid"/>
+                      <a:round/>
+                      <a:headEnd type="none" w="med" len="med"/>
+                      <a:tailEnd type="none" w="med" len="med"/>
+                    </a:lnL>
+                    <a:lnR w="12700" cap="flat" cmpd="sng" algn="ctr">
+                      <a:solidFill>
+                        <a:schemeClr val="tx1"/>
+                      </a:solidFill>
+                      <a:prstDash val="solid"/>
+                      <a:round/>
+                      <a:headEnd type="none" w="med" len="med"/>
+                      <a:tailEnd type="none" w="med" len="med"/>
+                    </a:lnR>
+                    <a:lnT w="12700" cap="flat" cmpd="sng" algn="ctr">
+                      <a:solidFill>
+                        <a:schemeClr val="tx1"/>
+                      </a:solidFill>
+                      <a:prstDash val="solid"/>
+                      <a:round/>
+                      <a:headEnd type="none" w="med" len="med"/>
+                      <a:tailEnd type="none" w="med" len="med"/>
+                    </a:lnT>
+                    <a:lnB w="12700" cap="flat" cmpd="sng" algn="ctr">
+                      <a:solidFill>
+                        <a:schemeClr val="tx1"/>
+                      </a:solidFill>
+                      <a:prstDash val="solid"/>
+                      <a:round/>
+                      <a:headEnd type="none" w="med" len="med"/>
+                      <a:tailEnd type="none" w="med" len="med"/>
+                    </a:lnB>
+                    <a:solidFill>
+                      <a:srgbClr val="F9F9F9"/>
+                    </a:solidFill>
+                  </a:tcPr>
+                </a:tc>
+                <a:tc>
+                  <a:txBody>
+                    <a:bodyPr/>
+                    <a:lstStyle/>
+                    <a:p>
+                      <a:pPr algn="ctr"/>
+                      <a:r>
+                        <a:rPr lang="en-US">
+                          <a:effectLst/>
+                        </a:rPr>
+                        <a:t>2</a:t>
+                      </a:r>
+                    </a:p>
+                  </a:txBody>
+                  <a:tcPr anchor="ctr">
+                    <a:lnL w="12700" cap="flat" cmpd="sng" algn="ctr">
+                      <a:solidFill>
+                        <a:schemeClr val="tx1"/>
+                      </a:solidFill>
+                      <a:prstDash val="solid"/>
+                      <a:round/>
+                      <a:headEnd type="none" w="med" len="med"/>
+                      <a:tailEnd type="none" w="med" len="med"/>
+                    </a:lnL>
+                    <a:lnR w="12700" cap="flat" cmpd="sng" algn="ctr">
+                      <a:solidFill>
+                        <a:schemeClr val="tx1"/>
+                      </a:solidFill>
+                      <a:prstDash val="solid"/>
+                      <a:round/>
+                      <a:headEnd type="none" w="med" len="med"/>
+                      <a:tailEnd type="none" w="med" len="med"/>
+                    </a:lnR>
+                    <a:lnT w="12700" cap="flat" cmpd="sng" algn="ctr">
+                      <a:solidFill>
+                        <a:schemeClr val="tx1"/>
+                      </a:solidFill>
+                      <a:prstDash val="solid"/>
+                      <a:round/>
+                      <a:headEnd type="none" w="med" len="med"/>
+                      <a:tailEnd type="none" w="med" len="med"/>
+                    </a:lnT>
+                    <a:lnB w="12700" cap="flat" cmpd="sng" algn="ctr">
+                      <a:solidFill>
+                        <a:schemeClr val="tx1"/>
+                      </a:solidFill>
+                      <a:prstDash val="solid"/>
+                      <a:round/>
+                      <a:headEnd type="none" w="med" len="med"/>
+                      <a:tailEnd type="none" w="med" len="med"/>
+                    </a:lnB>
+                    <a:solidFill>
+                      <a:srgbClr val="F9F9F9"/>
+                    </a:solidFill>
+                  </a:tcPr>
+                </a:tc>
+                <a:tc>
+                  <a:txBody>
+                    <a:bodyPr/>
+                    <a:lstStyle/>
+                    <a:p>
+                      <a:pPr algn="ctr"/>
+                      <a:r>
+                        <a:rPr lang="en-US" dirty="0">
+                          <a:effectLst/>
+                        </a:rPr>
+                        <a:t>2</a:t>
+                      </a:r>
+                    </a:p>
+                  </a:txBody>
+                  <a:tcPr anchor="ctr">
+                    <a:lnL w="12700" cap="flat" cmpd="sng" algn="ctr">
+                      <a:solidFill>
+                        <a:schemeClr val="tx1"/>
+                      </a:solidFill>
+                      <a:prstDash val="solid"/>
+                      <a:round/>
+                      <a:headEnd type="none" w="med" len="med"/>
+                      <a:tailEnd type="none" w="med" len="med"/>
+                    </a:lnL>
+                    <a:lnR w="12700" cap="flat" cmpd="sng" algn="ctr">
+                      <a:solidFill>
+                        <a:schemeClr val="tx1"/>
+                      </a:solidFill>
+                      <a:prstDash val="solid"/>
+                      <a:round/>
+                      <a:headEnd type="none" w="med" len="med"/>
+                      <a:tailEnd type="none" w="med" len="med"/>
+                    </a:lnR>
+                    <a:lnT w="12700" cap="flat" cmpd="sng" algn="ctr">
+                      <a:solidFill>
+                        <a:schemeClr val="tx1"/>
+                      </a:solidFill>
+                      <a:prstDash val="solid"/>
+                      <a:round/>
+                      <a:headEnd type="none" w="med" len="med"/>
+                      <a:tailEnd type="none" w="med" len="med"/>
+                    </a:lnT>
+                    <a:lnB w="12700" cap="flat" cmpd="sng" algn="ctr">
+                      <a:solidFill>
+                        <a:schemeClr val="tx1"/>
+                      </a:solidFill>
+                      <a:prstDash val="solid"/>
+                      <a:round/>
+                      <a:headEnd type="none" w="med" len="med"/>
+                      <a:tailEnd type="none" w="med" len="med"/>
+                    </a:lnB>
+                    <a:solidFill>
+                      <a:srgbClr val="F9F9F9"/>
+                    </a:solidFill>
+                  </a:tcPr>
+                </a:tc>
+                <a:extLst>
+                  <a:ext uri="{0D108BD9-81ED-4DB2-BD59-A6C34878D82A}">
+                    <a16:rowId xmlns:a16="http://schemas.microsoft.com/office/drawing/2014/main" val="1366814670"/>
+                  </a:ext>
+                </a:extLst>
+              </a:tr>
+            </a:tbl>
+          </a:graphicData>
+        </a:graphic>
+      </p:graphicFrame>
+      <p:sp>
+        <p:nvSpPr>
+          <p:cNvPr id="10" name="Rectangle 9"/>
+          <p:cNvSpPr/>
+          <p:nvPr/>
+        </p:nvSpPr>
+        <p:spPr>
+          <a:xfrm>
+            <a:off x="692426" y="997257"/>
+            <a:ext cx="6182002" cy="3416320"/>
+          </a:xfrm>
+          <a:prstGeom prst="rect">
+            <a:avLst/>
+          </a:prstGeom>
+        </p:spPr>
+        <p:txBody>
+          <a:bodyPr wrap="square">
+            <a:spAutoFit/>
+          </a:bodyPr>
+          <a:lstStyle/>
+          <a:p>
+            <a:r>
+              <a:rPr lang="en-US" b="1" dirty="0"/>
+              <a:t>Step 14) </a:t>
+            </a:r>
+            <a:r>
+              <a:rPr lang="en-US" dirty="0"/>
+              <a:t>At time =14, the P2 process has finished its execution. P4 and P5 are in the waiting state. P5 has the highest priority and starts execution</a:t>
+            </a:r>
+            <a:r>
+              <a:rPr lang="en-US" dirty="0" smtClean="0"/>
+              <a:t>.</a:t>
+            </a:r>
+          </a:p>
+          <a:p>
+            <a:r>
+              <a:rPr lang="en-US" b="1" dirty="0"/>
+              <a:t>Step 15) </a:t>
+            </a:r>
+            <a:r>
+              <a:rPr lang="en-US" dirty="0"/>
+              <a:t>At time =15, P5 continues execution</a:t>
+            </a:r>
+            <a:r>
+              <a:rPr lang="en-US" dirty="0" smtClean="0"/>
+              <a:t>.</a:t>
+            </a:r>
+          </a:p>
+          <a:p>
+            <a:r>
+              <a:rPr lang="en-US" b="1" dirty="0"/>
+              <a:t>Step 16)</a:t>
+            </a:r>
+            <a:r>
+              <a:rPr lang="en-US" dirty="0"/>
+              <a:t> At time= 16, P5 is finished with its execution. P4 is the only process left. It starts execution</a:t>
+            </a:r>
+            <a:r>
+              <a:rPr lang="en-US" dirty="0" smtClean="0"/>
+              <a:t>.</a:t>
+            </a:r>
+          </a:p>
+          <a:p>
+            <a:r>
+              <a:rPr lang="en-US" b="1" dirty="0"/>
+              <a:t>Step 17)</a:t>
+            </a:r>
+            <a:r>
+              <a:rPr lang="en-US" dirty="0"/>
+              <a:t> At time =20, P5 has completed execution and no process is left</a:t>
+            </a:r>
+            <a:r>
+              <a:rPr lang="en-US" dirty="0" smtClean="0"/>
+              <a:t>.</a:t>
+            </a:r>
+          </a:p>
+          <a:p>
+            <a:r>
+              <a:rPr lang="en-US" b="1" dirty="0"/>
+              <a:t>Step 18)</a:t>
+            </a:r>
+            <a:r>
+              <a:rPr lang="en-US" dirty="0"/>
+              <a:t> Let’s calculate the average waiting time for the above example</a:t>
+            </a:r>
+            <a:r>
+              <a:rPr lang="en-US" dirty="0" smtClean="0"/>
+              <a:t>.</a:t>
+            </a:r>
+          </a:p>
+          <a:p>
+            <a:r>
+              <a:rPr lang="en-US" dirty="0"/>
+              <a:t>Waiting Time = start time – arrival time + wait time for next burst</a:t>
+            </a:r>
+          </a:p>
+        </p:txBody>
+      </p:sp>
+      <p:pic>
+        <p:nvPicPr>
+          <p:cNvPr id="3074" name="Picture 2" descr="https://www.guru99.com/images/1/122419_0509_PrioritySch18.png"/>
+          <p:cNvPicPr>
+            <a:picLocks noChangeAspect="1" noChangeArrowheads="1"/>
+          </p:cNvPicPr>
+          <p:nvPr/>
+        </p:nvPicPr>
+        <p:blipFill>
+          <a:blip r:embed="rId2">
+            <a:extLst>
+              <a:ext uri="{28A0092B-C50C-407E-A947-70E740481C1C}">
+                <a14:useLocalDpi xmlns:a14="http://schemas.microsoft.com/office/drawing/2010/main" val="0"/>
+              </a:ext>
+            </a:extLst>
+          </a:blip>
+          <a:srcRect/>
+          <a:stretch>
+            <a:fillRect/>
+          </a:stretch>
+        </p:blipFill>
+        <p:spPr bwMode="auto">
+          <a:xfrm>
+            <a:off x="4876800" y="4188392"/>
+            <a:ext cx="7315200" cy="2357121"/>
+          </a:xfrm>
+          <a:prstGeom prst="rect">
+            <a:avLst/>
+          </a:prstGeom>
+          <a:noFill/>
+          <a:extLst>
+            <a:ext uri="{909E8E84-426E-40DD-AFC4-6F175D3DCCD1}">
+              <a14:hiddenFill xmlns:a14="http://schemas.microsoft.com/office/drawing/2010/main">
+                <a:solidFill>
+                  <a:srgbClr val="FFFFFF"/>
+                </a:solidFill>
+              </a14:hiddenFill>
+            </a:ext>
+          </a:extLst>
+        </p:spPr>
+      </p:pic>
+      <p:sp>
+        <p:nvSpPr>
+          <p:cNvPr id="4" name="Rectangle 3"/>
+          <p:cNvSpPr>
+            <a:spLocks noChangeArrowheads="1"/>
+          </p:cNvSpPr>
+          <p:nvPr/>
+        </p:nvSpPr>
+        <p:spPr bwMode="auto">
+          <a:xfrm>
+            <a:off x="692426" y="4512872"/>
+            <a:ext cx="4184374" cy="1708160"/>
+          </a:xfrm>
+          <a:prstGeom prst="rect">
+            <a:avLst/>
+          </a:prstGeom>
+          <a:noFill/>
+          <a:ln>
+            <a:noFill/>
+          </a:ln>
+          <a:effectLst/>
+          <a:extLst>
+            <a:ext uri="{909E8E84-426E-40DD-AFC4-6F175D3DCCD1}">
+              <a14:hiddenFill xmlns:a14="http://schemas.microsoft.com/office/drawing/2010/main">
+                <a:solidFill>
+                  <a:schemeClr val="accent1"/>
+                </a:solidFill>
+              </a14:hiddenFill>
+            </a:ext>
+            <a:ext uri="{91240B29-F687-4F45-9708-019B960494DF}">
+              <a14:hiddenLine xmlns:a14="http://schemas.microsoft.com/office/drawing/2010/main" w="9525">
+                <a:solidFill>
+                  <a:schemeClr val="tx1"/>
+                </a:solidFill>
+                <a:miter lim="800000"/>
+                <a:headEnd/>
+                <a:tailEnd/>
+              </a14:hiddenLine>
+            </a:ext>
+            <a:ext uri="{AF507438-7753-43E0-B8FC-AC1667EBCBE1}">
+              <a14:hiddenEffects xmlns:a14="http://schemas.microsoft.com/office/drawing/2010/main">
+                <a:effectLst>
+                  <a:outerShdw dist="35921" dir="2700000" algn="ctr" rotWithShape="0">
+                    <a:schemeClr val="bg2"/>
+                  </a:outerShdw>
+                </a:effectLst>
+              </a14:hiddenEffects>
+            </a:ext>
+          </a:extLst>
+        </p:spPr>
+        <p:txBody>
+          <a:bodyPr vert="horz" wrap="square" lIns="91440" tIns="0" rIns="91440" bIns="45720" numCol="1" anchor="ctr" anchorCtr="0" compatLnSpc="1">
+            <a:prstTxWarp prst="textNoShape">
+              <a:avLst/>
+            </a:prstTxWarp>
+            <a:spAutoFit/>
+          </a:bodyPr>
+          <a:lstStyle/>
+          <a:p>
+            <a:pPr marL="0" marR="0" lvl="0" indent="0" algn="l" defTabSz="914400" rtl="0" eaLnBrk="0" fontAlgn="base" latinLnBrk="0" hangingPunct="0">
+              <a:lnSpc>
+                <a:spcPct val="100000"/>
+              </a:lnSpc>
+              <a:spcBef>
+                <a:spcPct val="0"/>
+              </a:spcBef>
+              <a:spcAft>
+                <a:spcPct val="0"/>
+              </a:spcAft>
+              <a:buClrTx/>
+              <a:buSzTx/>
+              <a:buFontTx/>
+              <a:buNone/>
+              <a:tabLst/>
+            </a:pPr>
+            <a:r>
+              <a:rPr kumimoji="0" lang="en-US" altLang="en-US" b="1" i="0" u="none" strike="noStrike" cap="none" normalizeH="0" baseline="0" dirty="0" smtClean="0">
+                <a:ln>
+                  <a:noFill/>
+                </a:ln>
+                <a:solidFill>
+                  <a:srgbClr val="222222"/>
+                </a:solidFill>
+                <a:effectLst/>
+                <a:latin typeface="Arial" panose="020B0604020202020204" pitchFamily="34" charset="0"/>
+                <a:cs typeface="Arial" panose="020B0604020202020204" pitchFamily="34" charset="0"/>
+              </a:rPr>
+              <a:t>P1 = 0 - 0 = 0 </a:t>
+            </a:r>
+          </a:p>
+          <a:p>
+            <a:pPr marL="0" marR="0" lvl="0" indent="0" algn="l" defTabSz="914400" rtl="0" eaLnBrk="0" fontAlgn="base" latinLnBrk="0" hangingPunct="0">
+              <a:lnSpc>
+                <a:spcPct val="100000"/>
+              </a:lnSpc>
+              <a:spcBef>
+                <a:spcPct val="0"/>
+              </a:spcBef>
+              <a:spcAft>
+                <a:spcPct val="0"/>
+              </a:spcAft>
+              <a:buClrTx/>
+              <a:buSzTx/>
+              <a:buFontTx/>
+              <a:buNone/>
+              <a:tabLst/>
+            </a:pPr>
+            <a:r>
+              <a:rPr kumimoji="0" lang="en-US" altLang="en-US" b="1" i="0" u="none" strike="noStrike" cap="none" normalizeH="0" baseline="0" dirty="0" smtClean="0">
+                <a:ln>
+                  <a:noFill/>
+                </a:ln>
+                <a:solidFill>
+                  <a:srgbClr val="222222"/>
+                </a:solidFill>
+                <a:effectLst/>
+                <a:latin typeface="Arial" panose="020B0604020202020204" pitchFamily="34" charset="0"/>
+                <a:cs typeface="Arial" panose="020B0604020202020204" pitchFamily="34" charset="0"/>
+              </a:rPr>
+              <a:t>P2 =4 - 0 + 7 =11 </a:t>
+            </a:r>
+          </a:p>
+          <a:p>
+            <a:pPr marL="0" marR="0" lvl="0" indent="0" algn="l" defTabSz="914400" rtl="0" eaLnBrk="0" fontAlgn="base" latinLnBrk="0" hangingPunct="0">
+              <a:lnSpc>
+                <a:spcPct val="100000"/>
+              </a:lnSpc>
+              <a:spcBef>
+                <a:spcPct val="0"/>
+              </a:spcBef>
+              <a:spcAft>
+                <a:spcPct val="0"/>
+              </a:spcAft>
+              <a:buClrTx/>
+              <a:buSzTx/>
+              <a:buFontTx/>
+              <a:buNone/>
+              <a:tabLst/>
+            </a:pPr>
+            <a:r>
+              <a:rPr kumimoji="0" lang="en-US" altLang="en-US" b="1" i="0" u="none" strike="noStrike" cap="none" normalizeH="0" baseline="0" dirty="0" smtClean="0">
+                <a:ln>
+                  <a:noFill/>
+                </a:ln>
+                <a:solidFill>
+                  <a:srgbClr val="222222"/>
+                </a:solidFill>
+                <a:effectLst/>
+                <a:latin typeface="Arial" panose="020B0604020202020204" pitchFamily="34" charset="0"/>
+                <a:cs typeface="Arial" panose="020B0604020202020204" pitchFamily="34" charset="0"/>
+              </a:rPr>
+              <a:t>P3= 6-6=0 </a:t>
+            </a:r>
+          </a:p>
+          <a:p>
+            <a:pPr marL="0" marR="0" lvl="0" indent="0" algn="l" defTabSz="914400" rtl="0" eaLnBrk="0" fontAlgn="base" latinLnBrk="0" hangingPunct="0">
+              <a:lnSpc>
+                <a:spcPct val="100000"/>
+              </a:lnSpc>
+              <a:spcBef>
+                <a:spcPct val="0"/>
+              </a:spcBef>
+              <a:spcAft>
+                <a:spcPct val="0"/>
+              </a:spcAft>
+              <a:buClrTx/>
+              <a:buSzTx/>
+              <a:buFontTx/>
+              <a:buNone/>
+              <a:tabLst/>
+            </a:pPr>
+            <a:r>
+              <a:rPr kumimoji="0" lang="en-US" altLang="en-US" b="1" i="0" u="none" strike="noStrike" cap="none" normalizeH="0" baseline="0" dirty="0" smtClean="0">
+                <a:ln>
+                  <a:noFill/>
+                </a:ln>
+                <a:solidFill>
+                  <a:srgbClr val="222222"/>
+                </a:solidFill>
+                <a:effectLst/>
+                <a:latin typeface="Arial" panose="020B0604020202020204" pitchFamily="34" charset="0"/>
+                <a:cs typeface="Arial" panose="020B0604020202020204" pitchFamily="34" charset="0"/>
+              </a:rPr>
+              <a:t>P4= 16-11=5 </a:t>
+            </a:r>
+          </a:p>
+          <a:p>
+            <a:pPr marL="0" marR="0" lvl="0" indent="0" algn="l" defTabSz="914400" rtl="0" eaLnBrk="0" fontAlgn="base" latinLnBrk="0" hangingPunct="0">
+              <a:lnSpc>
+                <a:spcPct val="100000"/>
+              </a:lnSpc>
+              <a:spcBef>
+                <a:spcPct val="0"/>
+              </a:spcBef>
+              <a:spcAft>
+                <a:spcPct val="0"/>
+              </a:spcAft>
+              <a:buClrTx/>
+              <a:buSzTx/>
+              <a:buFontTx/>
+              <a:buNone/>
+              <a:tabLst/>
+            </a:pPr>
+            <a:r>
+              <a:rPr kumimoji="0" lang="en-US" altLang="en-US" b="1" i="0" u="none" strike="noStrike" cap="none" normalizeH="0" baseline="0" dirty="0" smtClean="0">
+                <a:ln>
+                  <a:noFill/>
+                </a:ln>
+                <a:solidFill>
+                  <a:srgbClr val="222222"/>
+                </a:solidFill>
+                <a:effectLst/>
+                <a:latin typeface="Arial" panose="020B0604020202020204" pitchFamily="34" charset="0"/>
+                <a:cs typeface="Arial" panose="020B0604020202020204" pitchFamily="34" charset="0"/>
+              </a:rPr>
+              <a:t>Average Waiting time = (0+11+0+5+2)/5 = 18/5= 3.6</a:t>
+            </a:r>
+            <a:r>
+              <a:rPr kumimoji="0" lang="en-US" altLang="en-US" b="1" i="0" u="none" strike="noStrike" cap="none" normalizeH="0" baseline="0" dirty="0" smtClean="0">
+                <a:ln>
+                  <a:noFill/>
+                </a:ln>
+                <a:solidFill>
+                  <a:schemeClr val="tx1"/>
+                </a:solidFill>
+                <a:effectLst/>
+                <a:latin typeface="Arial" panose="020B0604020202020204" pitchFamily="34" charset="0"/>
+                <a:cs typeface="Arial" panose="020B0604020202020204" pitchFamily="34" charset="0"/>
+              </a:rPr>
+              <a:t> </a:t>
+            </a:r>
+          </a:p>
+        </p:txBody>
+      </p:sp>
+    </p:spTree>
+    <p:extLst>
+      <p:ext uri="{BB962C8B-B14F-4D97-AF65-F5344CB8AC3E}">
+        <p14:creationId xmlns:p14="http://schemas.microsoft.com/office/powerpoint/2010/main" val="2009652786"/>
+      </p:ext>
+    </p:extLst>
+  </p:cSld>
+  <p:clrMapOvr>
+    <a:masterClrMapping/>
+  </p:clrMapOvr>
+  <p:timing>
+    <p:tnLst>
+      <p:par>
+        <p:cTn id="1" dur="indefinite" restart="never" nodeType="tmRoot">
+          <p:childTnLst>
+            <p:seq concurrent="1" nextAc="seek">
+              <p:cTn id="2" dur="indefinite" nodeType="mainSeq">
+                <p:childTnLst>
+                  <p:par>
+                    <p:cTn id="3" fill="hold">
+                      <p:stCondLst>
+                        <p:cond delay="indefinite"/>
+                      </p:stCondLst>
+                      <p:childTnLst>
+                        <p:par>
+                          <p:cTn id="4" fill="hold">
+                            <p:stCondLst>
+                              <p:cond delay="0"/>
+                            </p:stCondLst>
+                            <p:childTnLst>
+                              <p:par>
+                                <p:cTn id="5" presetID="1" presetClass="entr" presetSubtype="0" fill="hold" nodeType="clickEffect">
+                                  <p:stCondLst>
+                                    <p:cond delay="0"/>
+                                  </p:stCondLst>
+                                  <p:childTnLst>
+                                    <p:set>
+                                      <p:cBhvr>
+                                        <p:cTn id="6" dur="1" fill="hold">
+                                          <p:stCondLst>
+                                            <p:cond delay="0"/>
+                                          </p:stCondLst>
+                                        </p:cTn>
+                                        <p:tgtEl>
+                                          <p:spTgt spid="10">
+                                            <p:txEl>
+                                              <p:pRg st="0" end="0"/>
+                                            </p:txEl>
+                                          </p:spTgt>
+                                        </p:tgtEl>
+                                        <p:attrNameLst>
+                                          <p:attrName>style.visibility</p:attrName>
+                                        </p:attrNameLst>
+                                      </p:cBhvr>
+                                      <p:to>
+                                        <p:strVal val="visible"/>
+                                      </p:to>
+                                    </p:set>
+                                  </p:childTnLst>
+                                </p:cTn>
+                              </p:par>
+                            </p:childTnLst>
+                          </p:cTn>
+                        </p:par>
+                      </p:childTnLst>
+                    </p:cTn>
+                  </p:par>
+                  <p:par>
+                    <p:cTn id="7" fill="hold">
+                      <p:stCondLst>
+                        <p:cond delay="indefinite"/>
+                      </p:stCondLst>
+                      <p:childTnLst>
+                        <p:par>
+                          <p:cTn id="8" fill="hold">
+                            <p:stCondLst>
+                              <p:cond delay="0"/>
+                            </p:stCondLst>
+                            <p:childTnLst>
+                              <p:par>
+                                <p:cTn id="9" presetID="1" presetClass="entr" presetSubtype="0" fill="hold" nodeType="clickEffect">
+                                  <p:stCondLst>
+                                    <p:cond delay="0"/>
+                                  </p:stCondLst>
+                                  <p:childTnLst>
+                                    <p:set>
+                                      <p:cBhvr>
+                                        <p:cTn id="10" dur="1" fill="hold">
+                                          <p:stCondLst>
+                                            <p:cond delay="0"/>
+                                          </p:stCondLst>
+                                        </p:cTn>
+                                        <p:tgtEl>
+                                          <p:spTgt spid="10">
+                                            <p:txEl>
+                                              <p:pRg st="1" end="1"/>
+                                            </p:txEl>
+                                          </p:spTgt>
+                                        </p:tgtEl>
+                                        <p:attrNameLst>
+                                          <p:attrName>style.visibility</p:attrName>
+                                        </p:attrNameLst>
+                                      </p:cBhvr>
+                                      <p:to>
+                                        <p:strVal val="visible"/>
+                                      </p:to>
+                                    </p:set>
+                                  </p:childTnLst>
+                                </p:cTn>
+                              </p:par>
+                            </p:childTnLst>
+                          </p:cTn>
+                        </p:par>
+                      </p:childTnLst>
+                    </p:cTn>
+                  </p:par>
+                  <p:par>
+                    <p:cTn id="11" fill="hold">
+                      <p:stCondLst>
+                        <p:cond delay="indefinite"/>
+                      </p:stCondLst>
+                      <p:childTnLst>
+                        <p:par>
+                          <p:cTn id="12" fill="hold">
+                            <p:stCondLst>
+                              <p:cond delay="0"/>
+                            </p:stCondLst>
+                            <p:childTnLst>
+                              <p:par>
+                                <p:cTn id="13" presetID="1" presetClass="entr" presetSubtype="0" fill="hold" nodeType="clickEffect">
+                                  <p:stCondLst>
+                                    <p:cond delay="0"/>
+                                  </p:stCondLst>
+                                  <p:childTnLst>
+                                    <p:set>
+                                      <p:cBhvr>
+                                        <p:cTn id="14" dur="1" fill="hold">
+                                          <p:stCondLst>
+                                            <p:cond delay="0"/>
+                                          </p:stCondLst>
+                                        </p:cTn>
+                                        <p:tgtEl>
+                                          <p:spTgt spid="10">
+                                            <p:txEl>
+                                              <p:pRg st="2" end="2"/>
+                                            </p:txEl>
+                                          </p:spTgt>
+                                        </p:tgtEl>
+                                        <p:attrNameLst>
+                                          <p:attrName>style.visibility</p:attrName>
+                                        </p:attrNameLst>
+                                      </p:cBhvr>
+                                      <p:to>
+                                        <p:strVal val="visible"/>
+                                      </p:to>
+                                    </p:set>
+                                  </p:childTnLst>
+                                </p:cTn>
+                              </p:par>
+                            </p:childTnLst>
+                          </p:cTn>
+                        </p:par>
+                      </p:childTnLst>
+                    </p:cTn>
+                  </p:par>
+                  <p:par>
+                    <p:cTn id="15" fill="hold">
+                      <p:stCondLst>
+                        <p:cond delay="indefinite"/>
+                      </p:stCondLst>
+                      <p:childTnLst>
+                        <p:par>
+                          <p:cTn id="16" fill="hold">
+                            <p:stCondLst>
+                              <p:cond delay="0"/>
+                            </p:stCondLst>
+                            <p:childTnLst>
+                              <p:par>
+                                <p:cTn id="17" presetID="1" presetClass="entr" presetSubtype="0" fill="hold" nodeType="clickEffect">
+                                  <p:stCondLst>
+                                    <p:cond delay="0"/>
+                                  </p:stCondLst>
+                                  <p:childTnLst>
+                                    <p:set>
+                                      <p:cBhvr>
+                                        <p:cTn id="18" dur="1" fill="hold">
+                                          <p:stCondLst>
+                                            <p:cond delay="0"/>
+                                          </p:stCondLst>
+                                        </p:cTn>
+                                        <p:tgtEl>
+                                          <p:spTgt spid="10">
+                                            <p:txEl>
+                                              <p:pRg st="3" end="3"/>
+                                            </p:txEl>
+                                          </p:spTgt>
+                                        </p:tgtEl>
+                                        <p:attrNameLst>
+                                          <p:attrName>style.visibility</p:attrName>
+                                        </p:attrNameLst>
+                                      </p:cBhvr>
+                                      <p:to>
+                                        <p:strVal val="visible"/>
+                                      </p:to>
+                                    </p:set>
+                                  </p:childTnLst>
+                                </p:cTn>
+                              </p:par>
+                            </p:childTnLst>
+                          </p:cTn>
+                        </p:par>
+                      </p:childTnLst>
+                    </p:cTn>
+                  </p:par>
+                  <p:par>
+                    <p:cTn id="19" fill="hold">
+                      <p:stCondLst>
+                        <p:cond delay="indefinite"/>
+                      </p:stCondLst>
+                      <p:childTnLst>
+                        <p:par>
+                          <p:cTn id="20" fill="hold">
+                            <p:stCondLst>
+                              <p:cond delay="0"/>
+                            </p:stCondLst>
+                            <p:childTnLst>
+                              <p:par>
+                                <p:cTn id="21" presetID="1" presetClass="entr" presetSubtype="0" fill="hold" nodeType="clickEffect">
+                                  <p:stCondLst>
+                                    <p:cond delay="0"/>
+                                  </p:stCondLst>
+                                  <p:childTnLst>
+                                    <p:set>
+                                      <p:cBhvr>
+                                        <p:cTn id="22" dur="1" fill="hold">
+                                          <p:stCondLst>
+                                            <p:cond delay="0"/>
+                                          </p:stCondLst>
+                                        </p:cTn>
+                                        <p:tgtEl>
+                                          <p:spTgt spid="10">
+                                            <p:txEl>
+                                              <p:pRg st="4" end="4"/>
+                                            </p:txEl>
+                                          </p:spTgt>
+                                        </p:tgtEl>
+                                        <p:attrNameLst>
+                                          <p:attrName>style.visibility</p:attrName>
+                                        </p:attrNameLst>
+                                      </p:cBhvr>
+                                      <p:to>
+                                        <p:strVal val="visible"/>
+                                      </p:to>
+                                    </p:set>
+                                  </p:childTnLst>
+                                </p:cTn>
+                              </p:par>
+                            </p:childTnLst>
+                          </p:cTn>
+                        </p:par>
+                      </p:childTnLst>
+                    </p:cTn>
+                  </p:par>
+                  <p:par>
+                    <p:cTn id="23" fill="hold">
+                      <p:stCondLst>
+                        <p:cond delay="indefinite"/>
+                      </p:stCondLst>
+                      <p:childTnLst>
+                        <p:par>
+                          <p:cTn id="24" fill="hold">
+                            <p:stCondLst>
+                              <p:cond delay="0"/>
+                            </p:stCondLst>
+                            <p:childTnLst>
+                              <p:par>
+                                <p:cTn id="25" presetID="1" presetClass="entr" presetSubtype="0" fill="hold" nodeType="clickEffect">
+                                  <p:stCondLst>
+                                    <p:cond delay="0"/>
+                                  </p:stCondLst>
+                                  <p:childTnLst>
+                                    <p:set>
+                                      <p:cBhvr>
+                                        <p:cTn id="26" dur="1" fill="hold">
+                                          <p:stCondLst>
+                                            <p:cond delay="0"/>
+                                          </p:stCondLst>
+                                        </p:cTn>
+                                        <p:tgtEl>
+                                          <p:spTgt spid="10">
+                                            <p:txEl>
+                                              <p:pRg st="5" end="5"/>
+                                            </p:txEl>
+                                          </p:spTgt>
+                                        </p:tgtEl>
+                                        <p:attrNameLst>
+                                          <p:attrName>style.visibility</p:attrName>
+                                        </p:attrNameLst>
+                                      </p:cBhvr>
+                                      <p:to>
+                                        <p:strVal val="visible"/>
+                                      </p:to>
+                                    </p:set>
+                                  </p:childTnLst>
+                                </p:cTn>
+                              </p:par>
+                            </p:childTnLst>
+                          </p:cTn>
+                        </p:par>
+                      </p:childTnLst>
+                    </p:cTn>
+                  </p:par>
+                  <p:par>
+                    <p:cTn id="27" fill="hold">
+                      <p:stCondLst>
+                        <p:cond delay="indefinite"/>
+                      </p:stCondLst>
+                      <p:childTnLst>
+                        <p:par>
+                          <p:cTn id="28" fill="hold">
+                            <p:stCondLst>
+                              <p:cond delay="0"/>
+                            </p:stCondLst>
+                            <p:childTnLst>
+                              <p:par>
+                                <p:cTn id="29" presetID="1" presetClass="entr" presetSubtype="0" fill="hold" grpId="0" nodeType="clickEffect">
+                                  <p:stCondLst>
+                                    <p:cond delay="0"/>
+                                  </p:stCondLst>
+                                  <p:childTnLst>
+                                    <p:set>
+                                      <p:cBhvr>
+                                        <p:cTn id="30" dur="1" fill="hold">
+                                          <p:stCondLst>
+                                            <p:cond delay="0"/>
+                                          </p:stCondLst>
+                                        </p:cTn>
+                                        <p:tgtEl>
+                                          <p:spTgt spid="4"/>
+                                        </p:tgtEl>
+                                        <p:attrNameLst>
+                                          <p:attrName>style.visibility</p:attrName>
+                                        </p:attrNameLst>
+                                      </p:cBhvr>
+                                      <p:to>
+                                        <p:strVal val="visible"/>
+                                      </p:to>
+                                    </p:set>
+                                  </p:childTnLst>
+                                </p:cTn>
+                              </p:par>
+                            </p:childTnLst>
+                          </p:cTn>
+                        </p:par>
+                      </p:childTnLst>
+                    </p:cTn>
+                  </p:par>
+                </p:childTnLst>
+              </p:cTn>
+              <p:prevCondLst>
+                <p:cond evt="onPrev" delay="0">
+                  <p:tgtEl>
+                    <p:sldTgt/>
+                  </p:tgtEl>
+                </p:cond>
+              </p:prevCondLst>
+              <p:nextCondLst>
+                <p:cond evt="onNext" delay="0">
+                  <p:tgtEl>
+                    <p:sldTgt/>
+                  </p:tgtEl>
+                </p:cond>
+              </p:nextCondLst>
+            </p:seq>
+          </p:childTnLst>
+        </p:cTn>
+      </p:par>
+    </p:tnLst>
+    <p:bldLst>
+      <p:bldP spid="4" grpId="0"/>
+    </p:bldLst>
+  </p:timing>
+</p:sld>
+</file>
+
+<file path=ppt/slides/slide12.xml><?xml version="1.0" encoding="utf-8"?>
+<p:sld xmlns:a="http://schemas.openxmlformats.org/drawingml/2006/main" xmlns:r="http://schemas.openxmlformats.org/officeDocument/2006/relationships" xmlns:p="http://schemas.openxmlformats.org/presentationml/2006/main" show="0">
+  <p:cSld>
+    <p:spTree>
+      <p:nvGrpSpPr>
+        <p:cNvPr id="1" name=""/>
+        <p:cNvGrpSpPr/>
+        <p:nvPr/>
+      </p:nvGrpSpPr>
+      <p:grpSpPr>
+        <a:xfrm>
+          <a:off x="0" y="0"/>
+          <a:ext cx="0" cy="0"/>
+          <a:chOff x="0" y="0"/>
+          <a:chExt cx="0" cy="0"/>
+        </a:xfrm>
+      </p:grpSpPr>
+      <p:sp>
+        <p:nvSpPr>
+          <p:cNvPr id="2" name="Title 1"/>
+          <p:cNvSpPr>
+            <a:spLocks noGrp="1"/>
+          </p:cNvSpPr>
+          <p:nvPr>
+            <p:ph type="title"/>
+          </p:nvPr>
+        </p:nvSpPr>
+        <p:spPr/>
+        <p:txBody>
+          <a:bodyPr/>
+          <a:lstStyle/>
+          <a:p>
+            <a:endParaRPr lang="en-US"/>
+          </a:p>
+        </p:txBody>
+      </p:sp>
+      <p:graphicFrame>
+        <p:nvGraphicFramePr>
+          <p:cNvPr id="4" name="Table 3"/>
+          <p:cNvGraphicFramePr>
+            <a:graphicFrameLocks noGrp="1"/>
+          </p:cNvGraphicFramePr>
+          <p:nvPr>
+            <p:extLst>
+              <p:ext uri="{D42A27DB-BD31-4B8C-83A1-F6EECF244321}">
+                <p14:modId xmlns:p14="http://schemas.microsoft.com/office/powerpoint/2010/main" val="3234601482"/>
+              </p:ext>
+            </p:extLst>
+          </p:nvPr>
+        </p:nvGraphicFramePr>
+        <p:xfrm>
+          <a:off x="2350053" y="2743199"/>
+          <a:ext cx="8127999" cy="1059958"/>
+        </p:xfrm>
+        <a:graphic>
+          <a:graphicData uri="http://schemas.openxmlformats.org/drawingml/2006/table">
+            <a:tbl>
+              <a:tblPr bandRow="1">
+                <a:tableStyleId>{5C22544A-7EE6-4342-B048-85BDC9FD1C3A}</a:tableStyleId>
+              </a:tblPr>
+              <a:tblGrid>
+                <a:gridCol w="2129182">
+                  <a:extLst>
+                    <a:ext uri="{9D8B030D-6E8A-4147-A177-3AD203B41FA5}">
+                      <a16:colId xmlns:a16="http://schemas.microsoft.com/office/drawing/2014/main" val="2371639875"/>
+                    </a:ext>
+                  </a:extLst>
+                </a:gridCol>
+                <a:gridCol w="1696278">
+                  <a:extLst>
+                    <a:ext uri="{9D8B030D-6E8A-4147-A177-3AD203B41FA5}">
+                      <a16:colId xmlns:a16="http://schemas.microsoft.com/office/drawing/2014/main" val="1667958187"/>
+                    </a:ext>
+                  </a:extLst>
+                </a:gridCol>
+                <a:gridCol w="4302539">
+                  <a:extLst>
+                    <a:ext uri="{9D8B030D-6E8A-4147-A177-3AD203B41FA5}">
+                      <a16:colId xmlns:a16="http://schemas.microsoft.com/office/drawing/2014/main" val="4227600456"/>
+                    </a:ext>
+                  </a:extLst>
+                </a:gridCol>
+              </a:tblGrid>
+              <a:tr h="529979">
+                <a:tc>
+                  <a:txBody>
+                    <a:bodyPr/>
+                    <a:lstStyle/>
+                    <a:p>
+                      <a:pPr algn="ctr"/>
+                      <a:r>
+                        <a:rPr lang="en-US" sz="2500" dirty="0" smtClean="0"/>
+                        <a:t>P2</a:t>
+                      </a:r>
+                      <a:endParaRPr lang="en-US" sz="2500" dirty="0"/>
+                    </a:p>
+                  </a:txBody>
+                  <a:tcPr>
+                    <a:lnL w="12700" cap="flat" cmpd="sng" algn="ctr">
+                      <a:solidFill>
+                        <a:schemeClr val="tx1"/>
+                      </a:solidFill>
+                      <a:prstDash val="solid"/>
+                      <a:round/>
+                      <a:headEnd type="none" w="med" len="med"/>
+                      <a:tailEnd type="none" w="med" len="med"/>
+                    </a:lnL>
+                    <a:lnR w="12700" cap="flat" cmpd="sng" algn="ctr">
+                      <a:solidFill>
+                        <a:schemeClr val="tx1"/>
+                      </a:solidFill>
+                      <a:prstDash val="solid"/>
+                      <a:round/>
+                      <a:headEnd type="none" w="med" len="med"/>
+                      <a:tailEnd type="none" w="med" len="med"/>
+                    </a:lnR>
+                    <a:lnT w="12700" cap="flat" cmpd="sng" algn="ctr">
+                      <a:solidFill>
+                        <a:schemeClr val="tx1"/>
+                      </a:solidFill>
+                      <a:prstDash val="solid"/>
+                      <a:round/>
+                      <a:headEnd type="none" w="med" len="med"/>
+                      <a:tailEnd type="none" w="med" len="med"/>
+                    </a:lnT>
+                    <a:lnB w="12700" cap="flat" cmpd="sng" algn="ctr">
+                      <a:solidFill>
+                        <a:schemeClr val="tx1"/>
+                      </a:solidFill>
+                      <a:prstDash val="solid"/>
+                      <a:round/>
+                      <a:headEnd type="none" w="med" len="med"/>
+                      <a:tailEnd type="none" w="med" len="med"/>
+                    </a:lnB>
+                    <a:solidFill>
+                      <a:schemeClr val="bg1"/>
+                    </a:solidFill>
+                  </a:tcPr>
+                </a:tc>
+                <a:tc>
+                  <a:txBody>
+                    <a:bodyPr/>
+                    <a:lstStyle/>
+                    <a:p>
+                      <a:pPr algn="ctr"/>
+                      <a:r>
+                        <a:rPr lang="en-US" sz="2500" dirty="0" smtClean="0"/>
+                        <a:t>P3</a:t>
+                      </a:r>
+                      <a:endParaRPr lang="en-US" sz="2500" dirty="0"/>
+                    </a:p>
+                  </a:txBody>
+                  <a:tcPr>
+                    <a:lnL w="12700" cap="flat" cmpd="sng" algn="ctr">
+                      <a:solidFill>
+                        <a:schemeClr val="tx1"/>
+                      </a:solidFill>
+                      <a:prstDash val="solid"/>
+                      <a:round/>
+                      <a:headEnd type="none" w="med" len="med"/>
+                      <a:tailEnd type="none" w="med" len="med"/>
+                    </a:lnL>
+                    <a:lnR w="12700" cap="flat" cmpd="sng" algn="ctr">
+                      <a:solidFill>
+                        <a:schemeClr val="tx1"/>
+                      </a:solidFill>
+                      <a:prstDash val="solid"/>
+                      <a:round/>
+                      <a:headEnd type="none" w="med" len="med"/>
+                      <a:tailEnd type="none" w="med" len="med"/>
+                    </a:lnR>
+                    <a:lnT w="12700" cap="flat" cmpd="sng" algn="ctr">
+                      <a:solidFill>
+                        <a:schemeClr val="tx1"/>
+                      </a:solidFill>
+                      <a:prstDash val="solid"/>
+                      <a:round/>
+                      <a:headEnd type="none" w="med" len="med"/>
+                      <a:tailEnd type="none" w="med" len="med"/>
+                    </a:lnT>
+                    <a:lnB w="12700" cap="flat" cmpd="sng" algn="ctr">
+                      <a:solidFill>
+                        <a:schemeClr val="tx1"/>
+                      </a:solidFill>
+                      <a:prstDash val="solid"/>
+                      <a:round/>
+                      <a:headEnd type="none" w="med" len="med"/>
+                      <a:tailEnd type="none" w="med" len="med"/>
+                    </a:lnB>
+                    <a:solidFill>
+                      <a:schemeClr val="bg1"/>
+                    </a:solidFill>
+                  </a:tcPr>
+                </a:tc>
+                <a:tc>
+                  <a:txBody>
+                    <a:bodyPr/>
+                    <a:lstStyle/>
+                    <a:p>
+                      <a:pPr algn="ctr"/>
+                      <a:r>
+                        <a:rPr lang="en-US" sz="2500" dirty="0" smtClean="0"/>
+                        <a:t>P1</a:t>
+                      </a:r>
+                      <a:endParaRPr lang="en-US" sz="2500" dirty="0"/>
+                    </a:p>
+                  </a:txBody>
+                  <a:tcPr>
+                    <a:lnL w="12700" cap="flat" cmpd="sng" algn="ctr">
+                      <a:solidFill>
+                        <a:schemeClr val="tx1"/>
+                      </a:solidFill>
+                      <a:prstDash val="solid"/>
+                      <a:round/>
+                      <a:headEnd type="none" w="med" len="med"/>
+                      <a:tailEnd type="none" w="med" len="med"/>
+                    </a:lnL>
+                    <a:lnR w="12700" cap="flat" cmpd="sng" algn="ctr">
+                      <a:solidFill>
+                        <a:schemeClr val="tx1"/>
+                      </a:solidFill>
+                      <a:prstDash val="solid"/>
+                      <a:round/>
+                      <a:headEnd type="none" w="med" len="med"/>
+                      <a:tailEnd type="none" w="med" len="med"/>
+                    </a:lnR>
+                    <a:lnT w="12700" cap="flat" cmpd="sng" algn="ctr">
+                      <a:solidFill>
+                        <a:schemeClr val="tx1"/>
+                      </a:solidFill>
+                      <a:prstDash val="solid"/>
+                      <a:round/>
+                      <a:headEnd type="none" w="med" len="med"/>
+                      <a:tailEnd type="none" w="med" len="med"/>
+                    </a:lnT>
+                    <a:lnB w="12700" cap="flat" cmpd="sng" algn="ctr">
+                      <a:solidFill>
+                        <a:schemeClr val="tx1"/>
+                      </a:solidFill>
+                      <a:prstDash val="solid"/>
+                      <a:round/>
+                      <a:headEnd type="none" w="med" len="med"/>
+                      <a:tailEnd type="none" w="med" len="med"/>
+                    </a:lnB>
+                    <a:solidFill>
+                      <a:schemeClr val="bg1"/>
+                    </a:solidFill>
+                  </a:tcPr>
+                </a:tc>
+                <a:extLst>
+                  <a:ext uri="{0D108BD9-81ED-4DB2-BD59-A6C34878D82A}">
+                    <a16:rowId xmlns:a16="http://schemas.microsoft.com/office/drawing/2014/main" val="3210841193"/>
+                  </a:ext>
+                </a:extLst>
+              </a:tr>
+              <a:tr h="529979">
+                <a:tc>
+                  <a:txBody>
+                    <a:bodyPr/>
+                    <a:lstStyle/>
+                    <a:p>
+                      <a:pPr algn="ctr"/>
+                      <a:endParaRPr lang="en-US" sz="2500" dirty="0"/>
+                    </a:p>
+                  </a:txBody>
+                  <a:tcPr>
+                    <a:lnL w="12700" cap="flat" cmpd="sng" algn="ctr">
+                      <a:solidFill>
+                        <a:schemeClr val="tx1"/>
+                      </a:solidFill>
+                      <a:prstDash val="solid"/>
+                      <a:round/>
+                      <a:headEnd type="none" w="med" len="med"/>
+                      <a:tailEnd type="none" w="med" len="med"/>
+                    </a:lnL>
+                    <a:lnR w="12700" cap="flat" cmpd="sng" algn="ctr">
+                      <a:solidFill>
+                        <a:schemeClr val="tx1"/>
+                      </a:solidFill>
+                      <a:prstDash val="solid"/>
+                      <a:round/>
+                      <a:headEnd type="none" w="med" len="med"/>
+                      <a:tailEnd type="none" w="med" len="med"/>
+                    </a:lnR>
+                    <a:lnT w="12700" cap="flat" cmpd="sng" algn="ctr">
+                      <a:solidFill>
+                        <a:schemeClr val="tx1"/>
+                      </a:solidFill>
+                      <a:prstDash val="solid"/>
+                      <a:round/>
+                      <a:headEnd type="none" w="med" len="med"/>
+                      <a:tailEnd type="none" w="med" len="med"/>
+                    </a:lnT>
+                    <a:lnB w="12700" cap="flat" cmpd="sng" algn="ctr">
+                      <a:noFill/>
+                      <a:prstDash val="solid"/>
+                      <a:round/>
+                      <a:headEnd type="none" w="med" len="med"/>
+                      <a:tailEnd type="none" w="med" len="med"/>
+                    </a:lnB>
+                    <a:lnTlToBr w="12700" cmpd="sng">
+                      <a:noFill/>
+                      <a:prstDash val="solid"/>
+                    </a:lnTlToBr>
+                    <a:lnBlToTr w="12700" cmpd="sng">
+                      <a:noFill/>
+                      <a:prstDash val="solid"/>
+                    </a:lnBlToTr>
+                    <a:solidFill>
+                      <a:schemeClr val="bg1"/>
+                    </a:solidFill>
+                  </a:tcPr>
+                </a:tc>
+                <a:tc>
+                  <a:txBody>
+                    <a:bodyPr/>
+                    <a:lstStyle/>
+                    <a:p>
+                      <a:pPr algn="ctr"/>
+                      <a:endParaRPr lang="en-US" sz="2500" dirty="0"/>
+                    </a:p>
+                  </a:txBody>
+                  <a:tcPr>
+                    <a:lnL w="12700" cap="flat" cmpd="sng" algn="ctr">
+                      <a:solidFill>
+                        <a:schemeClr val="tx1"/>
+                      </a:solidFill>
+                      <a:prstDash val="solid"/>
+                      <a:round/>
+                      <a:headEnd type="none" w="med" len="med"/>
+                      <a:tailEnd type="none" w="med" len="med"/>
+                    </a:lnL>
+                    <a:lnR w="12700" cap="flat" cmpd="sng" algn="ctr">
+                      <a:solidFill>
+                        <a:schemeClr val="tx1"/>
+                      </a:solidFill>
+                      <a:prstDash val="solid"/>
+                      <a:round/>
+                      <a:headEnd type="none" w="med" len="med"/>
+                      <a:tailEnd type="none" w="med" len="med"/>
+                    </a:lnR>
+                    <a:lnT w="12700" cap="flat" cmpd="sng" algn="ctr">
+                      <a:solidFill>
+                        <a:schemeClr val="tx1"/>
+                      </a:solidFill>
+                      <a:prstDash val="solid"/>
+                      <a:round/>
+                      <a:headEnd type="none" w="med" len="med"/>
+                      <a:tailEnd type="none" w="med" len="med"/>
+                    </a:lnT>
+                    <a:lnB w="12700" cap="flat" cmpd="sng" algn="ctr">
+                      <a:noFill/>
+                      <a:prstDash val="solid"/>
+                      <a:round/>
+                      <a:headEnd type="none" w="med" len="med"/>
+                      <a:tailEnd type="none" w="med" len="med"/>
+                    </a:lnB>
+                    <a:lnTlToBr w="12700" cmpd="sng">
+                      <a:noFill/>
+                      <a:prstDash val="solid"/>
+                    </a:lnTlToBr>
+                    <a:lnBlToTr w="12700" cmpd="sng">
+                      <a:noFill/>
+                      <a:prstDash val="solid"/>
+                    </a:lnBlToTr>
+                    <a:solidFill>
+                      <a:schemeClr val="bg1"/>
+                    </a:solidFill>
+                  </a:tcPr>
+                </a:tc>
+                <a:tc>
+                  <a:txBody>
+                    <a:bodyPr/>
+                    <a:lstStyle/>
+                    <a:p>
+                      <a:pPr algn="ctr"/>
+                      <a:endParaRPr lang="en-US" sz="2500" dirty="0"/>
+                    </a:p>
+                  </a:txBody>
+                  <a:tcPr>
+                    <a:lnL w="12700" cap="flat" cmpd="sng" algn="ctr">
+                      <a:solidFill>
+                        <a:schemeClr val="tx1"/>
+                      </a:solidFill>
+                      <a:prstDash val="solid"/>
+                      <a:round/>
+                      <a:headEnd type="none" w="med" len="med"/>
+                      <a:tailEnd type="none" w="med" len="med"/>
+                    </a:lnL>
+                    <a:lnR w="12700" cap="flat" cmpd="sng" algn="ctr">
+                      <a:solidFill>
+                        <a:schemeClr val="tx1"/>
+                      </a:solidFill>
+                      <a:prstDash val="solid"/>
+                      <a:round/>
+                      <a:headEnd type="none" w="med" len="med"/>
+                      <a:tailEnd type="none" w="med" len="med"/>
+                    </a:lnR>
+                    <a:lnT w="12700" cap="flat" cmpd="sng" algn="ctr">
+                      <a:solidFill>
+                        <a:schemeClr val="tx1"/>
+                      </a:solidFill>
+                      <a:prstDash val="solid"/>
+                      <a:round/>
+                      <a:headEnd type="none" w="med" len="med"/>
+                      <a:tailEnd type="none" w="med" len="med"/>
+                    </a:lnT>
+                    <a:lnB w="12700" cap="flat" cmpd="sng" algn="ctr">
+                      <a:noFill/>
+                      <a:prstDash val="solid"/>
+                      <a:round/>
+                      <a:headEnd type="none" w="med" len="med"/>
+                      <a:tailEnd type="none" w="med" len="med"/>
+                    </a:lnB>
+                    <a:lnTlToBr w="12700" cmpd="sng">
+                      <a:noFill/>
+                      <a:prstDash val="solid"/>
+                    </a:lnTlToBr>
+                    <a:lnBlToTr w="12700" cmpd="sng">
+                      <a:noFill/>
+                      <a:prstDash val="solid"/>
+                    </a:lnBlToTr>
+                    <a:solidFill>
+                      <a:schemeClr val="bg1"/>
+                    </a:solidFill>
+                  </a:tcPr>
+                </a:tc>
+                <a:extLst>
+                  <a:ext uri="{0D108BD9-81ED-4DB2-BD59-A6C34878D82A}">
+                    <a16:rowId xmlns:a16="http://schemas.microsoft.com/office/drawing/2014/main" val="2755973437"/>
+                  </a:ext>
+                </a:extLst>
+              </a:tr>
+            </a:tbl>
+          </a:graphicData>
+        </a:graphic>
+      </p:graphicFrame>
+      <p:sp>
+        <p:nvSpPr>
+          <p:cNvPr id="5" name="TextBox 4"/>
+          <p:cNvSpPr txBox="1"/>
+          <p:nvPr/>
+        </p:nvSpPr>
+        <p:spPr>
+          <a:xfrm>
+            <a:off x="2124766" y="3776651"/>
+            <a:ext cx="450574" cy="430887"/>
+          </a:xfrm>
+          <a:prstGeom prst="rect">
+            <a:avLst/>
+          </a:prstGeom>
+          <a:noFill/>
+        </p:spPr>
+        <p:txBody>
+          <a:bodyPr wrap="square" rtlCol="0">
+            <a:spAutoFit/>
+          </a:bodyPr>
+          <a:lstStyle/>
+          <a:p>
+            <a:pPr algn="ctr"/>
+            <a:r>
+              <a:rPr lang="en-US" sz="2200" b="1" dirty="0" smtClean="0"/>
+              <a:t>0</a:t>
+            </a:r>
+            <a:endParaRPr lang="en-US" sz="2200" b="1" dirty="0"/>
+          </a:p>
+        </p:txBody>
+      </p:sp>
+      <p:sp>
+        <p:nvSpPr>
+          <p:cNvPr id="6" name="TextBox 5"/>
+          <p:cNvSpPr txBox="1"/>
+          <p:nvPr/>
+        </p:nvSpPr>
+        <p:spPr>
+          <a:xfrm>
+            <a:off x="4186583" y="3776650"/>
+            <a:ext cx="567635" cy="430887"/>
+          </a:xfrm>
+          <a:prstGeom prst="rect">
+            <a:avLst/>
+          </a:prstGeom>
+          <a:noFill/>
+        </p:spPr>
+        <p:txBody>
+          <a:bodyPr wrap="square" rtlCol="0">
+            <a:spAutoFit/>
+          </a:bodyPr>
+          <a:lstStyle/>
+          <a:p>
+            <a:pPr algn="ctr"/>
+            <a:r>
+              <a:rPr lang="en-US" sz="2200" b="1" dirty="0" smtClean="0"/>
+              <a:t>3</a:t>
+            </a:r>
+            <a:endParaRPr lang="en-US" sz="2200" b="1" dirty="0"/>
+          </a:p>
+        </p:txBody>
+      </p:sp>
+      <p:sp>
+        <p:nvSpPr>
+          <p:cNvPr id="7" name="TextBox 6"/>
+          <p:cNvSpPr txBox="1"/>
+          <p:nvPr/>
+        </p:nvSpPr>
+        <p:spPr>
+          <a:xfrm>
+            <a:off x="5873473" y="3776430"/>
+            <a:ext cx="567635" cy="430887"/>
+          </a:xfrm>
+          <a:prstGeom prst="rect">
+            <a:avLst/>
+          </a:prstGeom>
+          <a:noFill/>
+        </p:spPr>
+        <p:txBody>
+          <a:bodyPr wrap="square" rtlCol="0">
+            <a:spAutoFit/>
+          </a:bodyPr>
+          <a:lstStyle/>
+          <a:p>
+            <a:pPr algn="ctr"/>
+            <a:r>
+              <a:rPr lang="en-US" sz="2200" b="1" dirty="0" smtClean="0"/>
+              <a:t>6</a:t>
+            </a:r>
+            <a:endParaRPr lang="en-US" sz="2200" b="1" dirty="0"/>
+          </a:p>
+        </p:txBody>
+      </p:sp>
+      <p:sp>
+        <p:nvSpPr>
+          <p:cNvPr id="8" name="TextBox 7"/>
+          <p:cNvSpPr txBox="1"/>
+          <p:nvPr/>
+        </p:nvSpPr>
+        <p:spPr>
+          <a:xfrm>
+            <a:off x="10144539" y="3776650"/>
+            <a:ext cx="567635" cy="430887"/>
+          </a:xfrm>
+          <a:prstGeom prst="rect">
+            <a:avLst/>
+          </a:prstGeom>
+          <a:noFill/>
+        </p:spPr>
+        <p:txBody>
+          <a:bodyPr wrap="square" rtlCol="0">
+            <a:spAutoFit/>
+          </a:bodyPr>
+          <a:lstStyle/>
+          <a:p>
+            <a:pPr algn="ctr"/>
+            <a:r>
+              <a:rPr lang="en-US" sz="2200" b="1" dirty="0" smtClean="0"/>
+              <a:t>30</a:t>
+            </a:r>
+            <a:endParaRPr lang="en-US" sz="2200" b="1" dirty="0"/>
+          </a:p>
+        </p:txBody>
+      </p:sp>
+    </p:spTree>
+    <p:extLst>
+      <p:ext uri="{BB962C8B-B14F-4D97-AF65-F5344CB8AC3E}">
+        <p14:creationId xmlns:p14="http://schemas.microsoft.com/office/powerpoint/2010/main" val="489000019"/>
+      </p:ext>
+    </p:extLst>
+  </p:cSld>
+  <p:clrMapOvr>
+    <a:masterClrMapping/>
+  </p:clrMapOvr>
+  <mc:AlternateContent xmlns:mc="http://schemas.openxmlformats.org/markup-compatibility/2006" xmlns:p14="http://schemas.microsoft.com/office/powerpoint/2010/main">
+    <mc:Choice Requires="p14">
+      <p:transition spd="slow" p14:dur="2000"/>
+    </mc:Choice>
+    <mc:Fallback xmlns="">
+      <p:transition spd="slow"/>
+    </mc:Fallback>
+  </mc:AlternateContent>
+  <p:timing>
+    <p:tnLst>
+      <p:par>
+        <p:cTn id="1" dur="indefinite" restart="never" nodeType="tmRoot"/>
+      </p:par>
+    </p:tnLst>
+  </p:timing>
 </p:sld>
 </file>
 
@@ -3132,14 +8467,6 @@
                 </a:solidFill>
               </a:rPr>
               <a:t>Scheduling </a:t>
-            </a:r>
-            <a:r>
-              <a:rPr lang="en-US" dirty="0">
-                <a:solidFill>
-                  <a:srgbClr val="FF0000"/>
-                </a:solidFill>
-              </a:rPr>
-              <a:t/>
             </a:r>
             <a:br>
               <a:rPr lang="en-US" dirty="0">
@@ -3405,7 +8732,6 @@
               <a:rPr lang="en-US" sz="2200" dirty="0"/>
               <a:t>its CPU burst.</a:t>
             </a:r>
-            <a:endParaRPr lang="en-US" sz="2200" dirty="0"/>
           </a:p>
         </p:txBody>
       </p:sp>
@@ -4388,7 +9714,6 @@
               <a:rPr lang="en-US" sz="2200" dirty="0"/>
               <a:t>at the head of ready queue</a:t>
             </a:r>
-            <a:endParaRPr lang="en-US" sz="2200" dirty="0"/>
           </a:p>
         </p:txBody>
       </p:sp>
@@ -4617,7 +9942,6 @@
               <a:rPr lang="en-US" sz="2200" dirty="0"/>
               <a:t>would result in every process in the system eventually getting the highest priority in a reasonably short amount of time and scheduled to use the CPU.</a:t>
             </a:r>
-            <a:endParaRPr lang="en-US" sz="2200" dirty="0"/>
           </a:p>
         </p:txBody>
       </p:sp>
@@ -4642,7 +9966,7 @@
 </file>
 
 <file path=ppt/slides/slide8.xml><?xml version="1.0" encoding="utf-8"?>
-<p:sld xmlns:a="http://schemas.openxmlformats.org/drawingml/2006/main" xmlns:r="http://schemas.openxmlformats.org/officeDocument/2006/relationships" xmlns:p="http://schemas.openxmlformats.org/presentationml/2006/main" show="0">
+<p:sld xmlns:a="http://schemas.openxmlformats.org/drawingml/2006/main" xmlns:r="http://schemas.openxmlformats.org/officeDocument/2006/relationships" xmlns:p="http://schemas.openxmlformats.org/presentationml/2006/main">
   <p:cSld>
     <p:spTree>
       <p:nvGrpSpPr>
@@ -4668,426 +9992,292 @@
             <p:ph type="title"/>
           </p:nvPr>
         </p:nvSpPr>
+        <p:spPr>
+          <a:xfrm>
+            <a:off x="838200" y="365126"/>
+            <a:ext cx="10515600" cy="615536"/>
+          </a:xfrm>
+        </p:spPr>
+        <p:txBody>
+          <a:bodyPr>
+            <a:normAutofit fontScale="90000"/>
+          </a:bodyPr>
+          <a:lstStyle/>
+          <a:p>
+            <a:r>
+              <a:rPr lang="en-US" dirty="0">
+                <a:solidFill>
+                  <a:srgbClr val="FF0000"/>
+                </a:solidFill>
+              </a:rPr>
+              <a:t>Priority Scheduling (Continue</a:t>
+            </a:r>
+            <a:r>
+              <a:rPr lang="en-US" dirty="0" smtClean="0">
+                <a:solidFill>
+                  <a:srgbClr val="FF0000"/>
+                </a:solidFill>
+              </a:rPr>
+              <a:t>..)</a:t>
+            </a:r>
+            <a:br>
+              <a:rPr lang="en-US" dirty="0" smtClean="0">
+                <a:solidFill>
+                  <a:srgbClr val="FF0000"/>
+                </a:solidFill>
+              </a:rPr>
+            </a:br>
+            <a:r>
+              <a:rPr lang="en-US" dirty="0" smtClean="0">
+                <a:solidFill>
+                  <a:srgbClr val="FF0000"/>
+                </a:solidFill>
+              </a:rPr>
+              <a:t>non-preemptive approach</a:t>
+            </a:r>
+            <a:endParaRPr lang="en-US" dirty="0"/>
+          </a:p>
+        </p:txBody>
+      </p:sp>
+      <p:sp>
+        <p:nvSpPr>
+          <p:cNvPr id="3" name="Content Placeholder 2"/>
+          <p:cNvSpPr>
+            <a:spLocks noGrp="1"/>
+          </p:cNvSpPr>
+          <p:nvPr>
+            <p:ph idx="1"/>
+          </p:nvPr>
+        </p:nvSpPr>
         <p:spPr/>
         <p:txBody>
-          <a:bodyPr/>
+          <a:bodyPr>
+            <a:normAutofit fontScale="92500" lnSpcReduction="10000"/>
+          </a:bodyPr>
           <a:lstStyle/>
           <a:p>
-            <a:endParaRPr lang="en-US"/>
+            <a:pPr fontAlgn="base"/>
+            <a:r>
+              <a:rPr lang="en-US" dirty="0"/>
+              <a:t>First input the processes with their arrival time, burst time and priority.</a:t>
+            </a:r>
+          </a:p>
+          <a:p>
+            <a:pPr fontAlgn="base"/>
+            <a:r>
+              <a:rPr lang="en-US" dirty="0"/>
+              <a:t>First process will schedule, which have the lowest arrival time, if two or more processes will have lowest arrival time, then whoever has higher priority will schedule first.</a:t>
+            </a:r>
+          </a:p>
+          <a:p>
+            <a:pPr fontAlgn="base"/>
+            <a:r>
+              <a:rPr lang="en-US" dirty="0"/>
+              <a:t>Now further processes will be schedule according to the arrival time and priority of the process. (Here we are assuming that lower the priority number having higher priority). If two process priority are same then sort according to process number.</a:t>
+            </a:r>
+            <a:br>
+              <a:rPr lang="en-US" dirty="0"/>
+            </a:br>
+            <a:r>
+              <a:rPr lang="en-US" b="1" dirty="0"/>
+              <a:t>Note:</a:t>
+            </a:r>
+            <a:r>
+              <a:rPr lang="en-US" dirty="0"/>
+              <a:t> In the question, They will clearly mention, which number will have higher priority and which number will have lower priority.</a:t>
+            </a:r>
+          </a:p>
+          <a:p>
+            <a:pPr fontAlgn="base"/>
+            <a:r>
+              <a:rPr lang="en-US" dirty="0"/>
+              <a:t>Once all the processes have been arrived, we can schedule them based on their priority.</a:t>
+            </a:r>
+          </a:p>
+          <a:p>
+            <a:endParaRPr lang="en-US" dirty="0"/>
           </a:p>
         </p:txBody>
       </p:sp>
-      <p:graphicFrame>
-        <p:nvGraphicFramePr>
-          <p:cNvPr id="4" name="Table 3"/>
-          <p:cNvGraphicFramePr>
-            <a:graphicFrameLocks noGrp="1"/>
-          </p:cNvGraphicFramePr>
-          <p:nvPr>
-            <p:extLst>
-              <p:ext uri="{D42A27DB-BD31-4B8C-83A1-F6EECF244321}">
-                <p14:modId xmlns:p14="http://schemas.microsoft.com/office/powerpoint/2010/main" val="3234601482"/>
-              </p:ext>
-            </p:extLst>
-          </p:nvPr>
-        </p:nvGraphicFramePr>
-        <p:xfrm>
-          <a:off x="2350053" y="2743199"/>
-          <a:ext cx="8127999" cy="1059958"/>
-        </p:xfrm>
-        <a:graphic>
-          <a:graphicData uri="http://schemas.openxmlformats.org/drawingml/2006/table">
-            <a:tbl>
-              <a:tblPr bandRow="1">
-                <a:tableStyleId>{5C22544A-7EE6-4342-B048-85BDC9FD1C3A}</a:tableStyleId>
-              </a:tblPr>
-              <a:tblGrid>
-                <a:gridCol w="2129182">
-                  <a:extLst>
-                    <a:ext uri="{9D8B030D-6E8A-4147-A177-3AD203B41FA5}">
-                      <a16:colId xmlns:a16="http://schemas.microsoft.com/office/drawing/2014/main" val="2371639875"/>
-                    </a:ext>
-                  </a:extLst>
-                </a:gridCol>
-                <a:gridCol w="1696278">
-                  <a:extLst>
-                    <a:ext uri="{9D8B030D-6E8A-4147-A177-3AD203B41FA5}">
-                      <a16:colId xmlns:a16="http://schemas.microsoft.com/office/drawing/2014/main" val="1667958187"/>
-                    </a:ext>
-                  </a:extLst>
-                </a:gridCol>
-                <a:gridCol w="4302539">
-                  <a:extLst>
-                    <a:ext uri="{9D8B030D-6E8A-4147-A177-3AD203B41FA5}">
-                      <a16:colId xmlns:a16="http://schemas.microsoft.com/office/drawing/2014/main" val="4227600456"/>
-                    </a:ext>
-                  </a:extLst>
-                </a:gridCol>
-              </a:tblGrid>
-              <a:tr h="529979">
-                <a:tc>
-                  <a:txBody>
-                    <a:bodyPr/>
-                    <a:lstStyle/>
-                    <a:p>
-                      <a:pPr algn="ctr"/>
-                      <a:r>
-                        <a:rPr lang="en-US" sz="2500" dirty="0" smtClean="0"/>
-                        <a:t>P2</a:t>
-                      </a:r>
-                      <a:endParaRPr lang="en-US" sz="2500" dirty="0"/>
-                    </a:p>
-                  </a:txBody>
-                  <a:tcPr>
-                    <a:lnL w="12700" cap="flat" cmpd="sng" algn="ctr">
-                      <a:solidFill>
-                        <a:schemeClr val="tx1"/>
-                      </a:solidFill>
-                      <a:prstDash val="solid"/>
-                      <a:round/>
-                      <a:headEnd type="none" w="med" len="med"/>
-                      <a:tailEnd type="none" w="med" len="med"/>
-                    </a:lnL>
-                    <a:lnR w="12700" cap="flat" cmpd="sng" algn="ctr">
-                      <a:solidFill>
-                        <a:schemeClr val="tx1"/>
-                      </a:solidFill>
-                      <a:prstDash val="solid"/>
-                      <a:round/>
-                      <a:headEnd type="none" w="med" len="med"/>
-                      <a:tailEnd type="none" w="med" len="med"/>
-                    </a:lnR>
-                    <a:lnT w="12700" cap="flat" cmpd="sng" algn="ctr">
-                      <a:solidFill>
-                        <a:schemeClr val="tx1"/>
-                      </a:solidFill>
-                      <a:prstDash val="solid"/>
-                      <a:round/>
-                      <a:headEnd type="none" w="med" len="med"/>
-                      <a:tailEnd type="none" w="med" len="med"/>
-                    </a:lnT>
-                    <a:lnB w="12700" cap="flat" cmpd="sng" algn="ctr">
-                      <a:solidFill>
-                        <a:schemeClr val="tx1"/>
-                      </a:solidFill>
-                      <a:prstDash val="solid"/>
-                      <a:round/>
-                      <a:headEnd type="none" w="med" len="med"/>
-                      <a:tailEnd type="none" w="med" len="med"/>
-                    </a:lnB>
-                    <a:solidFill>
-                      <a:schemeClr val="bg1"/>
-                    </a:solidFill>
-                  </a:tcPr>
-                </a:tc>
-                <a:tc>
-                  <a:txBody>
-                    <a:bodyPr/>
-                    <a:lstStyle/>
-                    <a:p>
-                      <a:pPr algn="ctr"/>
-                      <a:r>
-                        <a:rPr lang="en-US" sz="2500" dirty="0" smtClean="0"/>
-                        <a:t>P3</a:t>
-                      </a:r>
-                      <a:endParaRPr lang="en-US" sz="2500" dirty="0"/>
-                    </a:p>
-                  </a:txBody>
-                  <a:tcPr>
-                    <a:lnL w="12700" cap="flat" cmpd="sng" algn="ctr">
-                      <a:solidFill>
-                        <a:schemeClr val="tx1"/>
-                      </a:solidFill>
-                      <a:prstDash val="solid"/>
-                      <a:round/>
-                      <a:headEnd type="none" w="med" len="med"/>
-                      <a:tailEnd type="none" w="med" len="med"/>
-                    </a:lnL>
-                    <a:lnR w="12700" cap="flat" cmpd="sng" algn="ctr">
-                      <a:solidFill>
-                        <a:schemeClr val="tx1"/>
-                      </a:solidFill>
-                      <a:prstDash val="solid"/>
-                      <a:round/>
-                      <a:headEnd type="none" w="med" len="med"/>
-                      <a:tailEnd type="none" w="med" len="med"/>
-                    </a:lnR>
-                    <a:lnT w="12700" cap="flat" cmpd="sng" algn="ctr">
-                      <a:solidFill>
-                        <a:schemeClr val="tx1"/>
-                      </a:solidFill>
-                      <a:prstDash val="solid"/>
-                      <a:round/>
-                      <a:headEnd type="none" w="med" len="med"/>
-                      <a:tailEnd type="none" w="med" len="med"/>
-                    </a:lnT>
-                    <a:lnB w="12700" cap="flat" cmpd="sng" algn="ctr">
-                      <a:solidFill>
-                        <a:schemeClr val="tx1"/>
-                      </a:solidFill>
-                      <a:prstDash val="solid"/>
-                      <a:round/>
-                      <a:headEnd type="none" w="med" len="med"/>
-                      <a:tailEnd type="none" w="med" len="med"/>
-                    </a:lnB>
-                    <a:solidFill>
-                      <a:schemeClr val="bg1"/>
-                    </a:solidFill>
-                  </a:tcPr>
-                </a:tc>
-                <a:tc>
-                  <a:txBody>
-                    <a:bodyPr/>
-                    <a:lstStyle/>
-                    <a:p>
-                      <a:pPr algn="ctr"/>
-                      <a:r>
-                        <a:rPr lang="en-US" sz="2500" dirty="0" smtClean="0"/>
-                        <a:t>P1</a:t>
-                      </a:r>
-                      <a:endParaRPr lang="en-US" sz="2500" dirty="0"/>
-                    </a:p>
-                  </a:txBody>
-                  <a:tcPr>
-                    <a:lnL w="12700" cap="flat" cmpd="sng" algn="ctr">
-                      <a:solidFill>
-                        <a:schemeClr val="tx1"/>
-                      </a:solidFill>
-                      <a:prstDash val="solid"/>
-                      <a:round/>
-                      <a:headEnd type="none" w="med" len="med"/>
-                      <a:tailEnd type="none" w="med" len="med"/>
-                    </a:lnL>
-                    <a:lnR w="12700" cap="flat" cmpd="sng" algn="ctr">
-                      <a:solidFill>
-                        <a:schemeClr val="tx1"/>
-                      </a:solidFill>
-                      <a:prstDash val="solid"/>
-                      <a:round/>
-                      <a:headEnd type="none" w="med" len="med"/>
-                      <a:tailEnd type="none" w="med" len="med"/>
-                    </a:lnR>
-                    <a:lnT w="12700" cap="flat" cmpd="sng" algn="ctr">
-                      <a:solidFill>
-                        <a:schemeClr val="tx1"/>
-                      </a:solidFill>
-                      <a:prstDash val="solid"/>
-                      <a:round/>
-                      <a:headEnd type="none" w="med" len="med"/>
-                      <a:tailEnd type="none" w="med" len="med"/>
-                    </a:lnT>
-                    <a:lnB w="12700" cap="flat" cmpd="sng" algn="ctr">
-                      <a:solidFill>
-                        <a:schemeClr val="tx1"/>
-                      </a:solidFill>
-                      <a:prstDash val="solid"/>
-                      <a:round/>
-                      <a:headEnd type="none" w="med" len="med"/>
-                      <a:tailEnd type="none" w="med" len="med"/>
-                    </a:lnB>
-                    <a:solidFill>
-                      <a:schemeClr val="bg1"/>
-                    </a:solidFill>
-                  </a:tcPr>
-                </a:tc>
-                <a:extLst>
-                  <a:ext uri="{0D108BD9-81ED-4DB2-BD59-A6C34878D82A}">
-                    <a16:rowId xmlns:a16="http://schemas.microsoft.com/office/drawing/2014/main" val="3210841193"/>
-                  </a:ext>
-                </a:extLst>
-              </a:tr>
-              <a:tr h="529979">
-                <a:tc>
-                  <a:txBody>
-                    <a:bodyPr/>
-                    <a:lstStyle/>
-                    <a:p>
-                      <a:pPr algn="ctr"/>
-                      <a:endParaRPr lang="en-US" sz="2500" dirty="0"/>
-                    </a:p>
-                  </a:txBody>
-                  <a:tcPr>
-                    <a:lnL w="12700" cap="flat" cmpd="sng" algn="ctr">
-                      <a:solidFill>
-                        <a:schemeClr val="tx1"/>
-                      </a:solidFill>
-                      <a:prstDash val="solid"/>
-                      <a:round/>
-                      <a:headEnd type="none" w="med" len="med"/>
-                      <a:tailEnd type="none" w="med" len="med"/>
-                    </a:lnL>
-                    <a:lnR w="12700" cap="flat" cmpd="sng" algn="ctr">
-                      <a:solidFill>
-                        <a:schemeClr val="tx1"/>
-                      </a:solidFill>
-                      <a:prstDash val="solid"/>
-                      <a:round/>
-                      <a:headEnd type="none" w="med" len="med"/>
-                      <a:tailEnd type="none" w="med" len="med"/>
-                    </a:lnR>
-                    <a:lnT w="12700" cap="flat" cmpd="sng" algn="ctr">
-                      <a:solidFill>
-                        <a:schemeClr val="tx1"/>
-                      </a:solidFill>
-                      <a:prstDash val="solid"/>
-                      <a:round/>
-                      <a:headEnd type="none" w="med" len="med"/>
-                      <a:tailEnd type="none" w="med" len="med"/>
-                    </a:lnT>
-                    <a:lnB w="12700" cap="flat" cmpd="sng" algn="ctr">
-                      <a:noFill/>
-                      <a:prstDash val="solid"/>
-                      <a:round/>
-                      <a:headEnd type="none" w="med" len="med"/>
-                      <a:tailEnd type="none" w="med" len="med"/>
-                    </a:lnB>
-                    <a:lnTlToBr w="12700" cmpd="sng">
-                      <a:noFill/>
-                      <a:prstDash val="solid"/>
-                    </a:lnTlToBr>
-                    <a:lnBlToTr w="12700" cmpd="sng">
-                      <a:noFill/>
-                      <a:prstDash val="solid"/>
-                    </a:lnBlToTr>
-                    <a:solidFill>
-                      <a:schemeClr val="bg1"/>
-                    </a:solidFill>
-                  </a:tcPr>
-                </a:tc>
-                <a:tc>
-                  <a:txBody>
-                    <a:bodyPr/>
-                    <a:lstStyle/>
-                    <a:p>
-                      <a:pPr algn="ctr"/>
-                      <a:endParaRPr lang="en-US" sz="2500" dirty="0"/>
-                    </a:p>
-                  </a:txBody>
-                  <a:tcPr>
-                    <a:lnL w="12700" cap="flat" cmpd="sng" algn="ctr">
-                      <a:solidFill>
-                        <a:schemeClr val="tx1"/>
-                      </a:solidFill>
-                      <a:prstDash val="solid"/>
-                      <a:round/>
-                      <a:headEnd type="none" w="med" len="med"/>
-                      <a:tailEnd type="none" w="med" len="med"/>
-                    </a:lnL>
-                    <a:lnR w="12700" cap="flat" cmpd="sng" algn="ctr">
-                      <a:solidFill>
-                        <a:schemeClr val="tx1"/>
-                      </a:solidFill>
-                      <a:prstDash val="solid"/>
-                      <a:round/>
-                      <a:headEnd type="none" w="med" len="med"/>
-                      <a:tailEnd type="none" w="med" len="med"/>
-                    </a:lnR>
-                    <a:lnT w="12700" cap="flat" cmpd="sng" algn="ctr">
-                      <a:solidFill>
-                        <a:schemeClr val="tx1"/>
-                      </a:solidFill>
-                      <a:prstDash val="solid"/>
-                      <a:round/>
-                      <a:headEnd type="none" w="med" len="med"/>
-                      <a:tailEnd type="none" w="med" len="med"/>
-                    </a:lnT>
-                    <a:lnB w="12700" cap="flat" cmpd="sng" algn="ctr">
-                      <a:noFill/>
-                      <a:prstDash val="solid"/>
-                      <a:round/>
-                      <a:headEnd type="none" w="med" len="med"/>
-                      <a:tailEnd type="none" w="med" len="med"/>
-                    </a:lnB>
-                    <a:lnTlToBr w="12700" cmpd="sng">
-                      <a:noFill/>
-                      <a:prstDash val="solid"/>
-                    </a:lnTlToBr>
-                    <a:lnBlToTr w="12700" cmpd="sng">
-                      <a:noFill/>
-                      <a:prstDash val="solid"/>
-                    </a:lnBlToTr>
-                    <a:solidFill>
-                      <a:schemeClr val="bg1"/>
-                    </a:solidFill>
-                  </a:tcPr>
-                </a:tc>
-                <a:tc>
-                  <a:txBody>
-                    <a:bodyPr/>
-                    <a:lstStyle/>
-                    <a:p>
-                      <a:pPr algn="ctr"/>
-                      <a:endParaRPr lang="en-US" sz="2500" dirty="0"/>
-                    </a:p>
-                  </a:txBody>
-                  <a:tcPr>
-                    <a:lnL w="12700" cap="flat" cmpd="sng" algn="ctr">
-                      <a:solidFill>
-                        <a:schemeClr val="tx1"/>
-                      </a:solidFill>
-                      <a:prstDash val="solid"/>
-                      <a:round/>
-                      <a:headEnd type="none" w="med" len="med"/>
-                      <a:tailEnd type="none" w="med" len="med"/>
-                    </a:lnL>
-                    <a:lnR w="12700" cap="flat" cmpd="sng" algn="ctr">
-                      <a:solidFill>
-                        <a:schemeClr val="tx1"/>
-                      </a:solidFill>
-                      <a:prstDash val="solid"/>
-                      <a:round/>
-                      <a:headEnd type="none" w="med" len="med"/>
-                      <a:tailEnd type="none" w="med" len="med"/>
-                    </a:lnR>
-                    <a:lnT w="12700" cap="flat" cmpd="sng" algn="ctr">
-                      <a:solidFill>
-                        <a:schemeClr val="tx1"/>
-                      </a:solidFill>
-                      <a:prstDash val="solid"/>
-                      <a:round/>
-                      <a:headEnd type="none" w="med" len="med"/>
-                      <a:tailEnd type="none" w="med" len="med"/>
-                    </a:lnT>
-                    <a:lnB w="12700" cap="flat" cmpd="sng" algn="ctr">
-                      <a:noFill/>
-                      <a:prstDash val="solid"/>
-                      <a:round/>
-                      <a:headEnd type="none" w="med" len="med"/>
-                      <a:tailEnd type="none" w="med" len="med"/>
-                    </a:lnB>
-                    <a:lnTlToBr w="12700" cmpd="sng">
-                      <a:noFill/>
-                      <a:prstDash val="solid"/>
-                    </a:lnTlToBr>
-                    <a:lnBlToTr w="12700" cmpd="sng">
-                      <a:noFill/>
-                      <a:prstDash val="solid"/>
-                    </a:lnBlToTr>
-                    <a:solidFill>
-                      <a:schemeClr val="bg1"/>
-                    </a:solidFill>
-                  </a:tcPr>
-                </a:tc>
-                <a:extLst>
-                  <a:ext uri="{0D108BD9-81ED-4DB2-BD59-A6C34878D82A}">
-                    <a16:rowId xmlns:a16="http://schemas.microsoft.com/office/drawing/2014/main" val="2755973437"/>
-                  </a:ext>
-                </a:extLst>
-              </a:tr>
-            </a:tbl>
-          </a:graphicData>
-        </a:graphic>
-      </p:graphicFrame>
+    </p:spTree>
+    <p:extLst>
+      <p:ext uri="{BB962C8B-B14F-4D97-AF65-F5344CB8AC3E}">
+        <p14:creationId xmlns:p14="http://schemas.microsoft.com/office/powerpoint/2010/main" val="3170786739"/>
+      </p:ext>
+    </p:extLst>
+  </p:cSld>
+  <p:clrMapOvr>
+    <a:masterClrMapping/>
+  </p:clrMapOvr>
+</p:sld>
+</file>
+
+<file path=ppt/slides/slide9.xml><?xml version="1.0" encoding="utf-8"?>
+<p:sld xmlns:a="http://schemas.openxmlformats.org/drawingml/2006/main" xmlns:r="http://schemas.openxmlformats.org/officeDocument/2006/relationships" xmlns:p="http://schemas.openxmlformats.org/presentationml/2006/main">
+  <p:cSld>
+    <p:spTree>
+      <p:nvGrpSpPr>
+        <p:cNvPr id="1" name=""/>
+        <p:cNvGrpSpPr/>
+        <p:nvPr/>
+      </p:nvGrpSpPr>
+      <p:grpSpPr>
+        <a:xfrm>
+          <a:off x="0" y="0"/>
+          <a:ext cx="0" cy="0"/>
+          <a:chOff x="0" y="0"/>
+          <a:chExt cx="0" cy="0"/>
+        </a:xfrm>
+      </p:grpSpPr>
       <p:sp>
         <p:nvSpPr>
-          <p:cNvPr id="5" name="TextBox 4"/>
+          <p:cNvPr id="2" name="Title 1"/>
+          <p:cNvSpPr>
+            <a:spLocks noGrp="1"/>
+          </p:cNvSpPr>
+          <p:nvPr>
+            <p:ph type="title"/>
+          </p:nvPr>
+        </p:nvSpPr>
+        <p:spPr>
+          <a:xfrm>
+            <a:off x="838200" y="365126"/>
+            <a:ext cx="10515600" cy="615536"/>
+          </a:xfrm>
+        </p:spPr>
+        <p:txBody>
+          <a:bodyPr>
+            <a:normAutofit fontScale="90000"/>
+          </a:bodyPr>
+          <a:lstStyle/>
+          <a:p>
+            <a:r>
+              <a:rPr lang="en-US" dirty="0">
+                <a:solidFill>
+                  <a:srgbClr val="FF0000"/>
+                </a:solidFill>
+              </a:rPr>
+              <a:t>Priority Scheduling (Continue</a:t>
+            </a:r>
+            <a:r>
+              <a:rPr lang="en-US" dirty="0" smtClean="0">
+                <a:solidFill>
+                  <a:srgbClr val="FF0000"/>
+                </a:solidFill>
+              </a:rPr>
+              <a:t>..)</a:t>
+            </a:r>
+            <a:br>
+              <a:rPr lang="en-US" dirty="0" smtClean="0">
+                <a:solidFill>
+                  <a:srgbClr val="FF0000"/>
+                </a:solidFill>
+              </a:rPr>
+            </a:br>
+            <a:r>
+              <a:rPr lang="en-US" dirty="0" smtClean="0">
+                <a:solidFill>
+                  <a:srgbClr val="FF0000"/>
+                </a:solidFill>
+              </a:rPr>
+              <a:t>non-preemptive approach</a:t>
+            </a:r>
+            <a:endParaRPr lang="en-US" dirty="0"/>
+          </a:p>
+        </p:txBody>
+      </p:sp>
+      <p:pic>
+        <p:nvPicPr>
+          <p:cNvPr id="1026" name="Picture 2" descr="Lightbox"/>
+          <p:cNvPicPr>
+            <a:picLocks noChangeAspect="1" noChangeArrowheads="1"/>
+          </p:cNvPicPr>
+          <p:nvPr/>
+        </p:nvPicPr>
+        <p:blipFill>
+          <a:blip r:embed="rId2">
+            <a:extLst>
+              <a:ext uri="{28A0092B-C50C-407E-A947-70E740481C1C}">
+                <a14:useLocalDpi xmlns:a14="http://schemas.microsoft.com/office/drawing/2010/main" val="0"/>
+              </a:ext>
+            </a:extLst>
+          </a:blip>
+          <a:srcRect/>
+          <a:stretch>
+            <a:fillRect/>
+          </a:stretch>
+        </p:blipFill>
+        <p:spPr bwMode="auto">
+          <a:xfrm>
+            <a:off x="2368689" y="1458361"/>
+            <a:ext cx="5705475" cy="3295651"/>
+          </a:xfrm>
+          <a:prstGeom prst="rect">
+            <a:avLst/>
+          </a:prstGeom>
+          <a:noFill/>
+          <a:extLst>
+            <a:ext uri="{909E8E84-426E-40DD-AFC4-6F175D3DCCD1}">
+              <a14:hiddenFill xmlns:a14="http://schemas.microsoft.com/office/drawing/2010/main">
+                <a:solidFill>
+                  <a:srgbClr val="FFFFFF"/>
+                </a:solidFill>
+              </a14:hiddenFill>
+            </a:ext>
+          </a:extLst>
+        </p:spPr>
+      </p:pic>
+      <p:pic>
+        <p:nvPicPr>
+          <p:cNvPr id="1028" name="Picture 4" descr="Lightbox"/>
+          <p:cNvPicPr>
+            <a:picLocks noChangeAspect="1" noChangeArrowheads="1"/>
+          </p:cNvPicPr>
+          <p:nvPr/>
+        </p:nvPicPr>
+        <p:blipFill>
+          <a:blip r:embed="rId3">
+            <a:extLst>
+              <a:ext uri="{28A0092B-C50C-407E-A947-70E740481C1C}">
+                <a14:useLocalDpi xmlns:a14="http://schemas.microsoft.com/office/drawing/2010/main" val="0"/>
+              </a:ext>
+            </a:extLst>
+          </a:blip>
+          <a:srcRect/>
+          <a:stretch>
+            <a:fillRect/>
+          </a:stretch>
+        </p:blipFill>
+        <p:spPr bwMode="auto">
+          <a:xfrm>
+            <a:off x="1878358" y="4898954"/>
+            <a:ext cx="6788564" cy="1801353"/>
+          </a:xfrm>
+          <a:prstGeom prst="rect">
+            <a:avLst/>
+          </a:prstGeom>
+          <a:noFill/>
+          <a:extLst>
+            <a:ext uri="{909E8E84-426E-40DD-AFC4-6F175D3DCCD1}">
+              <a14:hiddenFill xmlns:a14="http://schemas.microsoft.com/office/drawing/2010/main">
+                <a:solidFill>
+                  <a:srgbClr val="FFFFFF"/>
+                </a:solidFill>
+              </a14:hiddenFill>
+            </a:ext>
+          </a:extLst>
+        </p:spPr>
+      </p:pic>
+      <p:sp>
+        <p:nvSpPr>
+          <p:cNvPr id="4" name="TextBox 3"/>
           <p:cNvSpPr txBox="1"/>
           <p:nvPr/>
         </p:nvSpPr>
         <p:spPr>
           <a:xfrm>
-            <a:off x="2124766" y="3776651"/>
-            <a:ext cx="450574" cy="430887"/>
+            <a:off x="596348" y="5430298"/>
+            <a:ext cx="1666323" cy="369332"/>
           </a:xfrm>
           <a:prstGeom prst="rect">
             <a:avLst/>
@@ -5100,133 +10290,24 @@
           </a:bodyPr>
           <a:lstStyle/>
           <a:p>
-            <a:pPr algn="ctr"/>
-            <a:r>
-              <a:rPr lang="en-US" sz="2200" b="1" dirty="0" smtClean="0"/>
-              <a:t>0</a:t>
-            </a:r>
-            <a:endParaRPr lang="en-US" sz="2200" b="1" dirty="0"/>
-          </a:p>
-        </p:txBody>
-      </p:sp>
-      <p:sp>
-        <p:nvSpPr>
-          <p:cNvPr id="6" name="TextBox 5"/>
-          <p:cNvSpPr txBox="1"/>
-          <p:nvPr/>
-        </p:nvSpPr>
-        <p:spPr>
-          <a:xfrm>
-            <a:off x="4186583" y="3776650"/>
-            <a:ext cx="567635" cy="430887"/>
-          </a:xfrm>
-          <a:prstGeom prst="rect">
-            <a:avLst/>
-          </a:prstGeom>
-          <a:noFill/>
-        </p:spPr>
-        <p:txBody>
-          <a:bodyPr wrap="square" rtlCol="0">
-            <a:spAutoFit/>
-          </a:bodyPr>
-          <a:lstStyle/>
-          <a:p>
-            <a:pPr algn="ctr"/>
-            <a:r>
-              <a:rPr lang="en-US" sz="2200" b="1" dirty="0" smtClean="0"/>
-              <a:t>3</a:t>
-            </a:r>
-            <a:endParaRPr lang="en-US" sz="2200" b="1" dirty="0"/>
-          </a:p>
-        </p:txBody>
-      </p:sp>
-      <p:sp>
-        <p:nvSpPr>
-          <p:cNvPr id="7" name="TextBox 6"/>
-          <p:cNvSpPr txBox="1"/>
-          <p:nvPr/>
-        </p:nvSpPr>
-        <p:spPr>
-          <a:xfrm>
-            <a:off x="5873473" y="3776430"/>
-            <a:ext cx="567635" cy="430887"/>
-          </a:xfrm>
-          <a:prstGeom prst="rect">
-            <a:avLst/>
-          </a:prstGeom>
-          <a:noFill/>
-        </p:spPr>
-        <p:txBody>
-          <a:bodyPr wrap="square" rtlCol="0">
-            <a:spAutoFit/>
-          </a:bodyPr>
-          <a:lstStyle/>
-          <a:p>
-            <a:pPr algn="ctr"/>
-            <a:r>
-              <a:rPr lang="en-US" sz="2200" b="1" dirty="0" smtClean="0"/>
-              <a:t>6</a:t>
-            </a:r>
-            <a:endParaRPr lang="en-US" sz="2200" b="1" dirty="0"/>
-          </a:p>
-        </p:txBody>
-      </p:sp>
-      <p:sp>
-        <p:nvSpPr>
-          <p:cNvPr id="8" name="TextBox 7"/>
-          <p:cNvSpPr txBox="1"/>
-          <p:nvPr/>
-        </p:nvSpPr>
-        <p:spPr>
-          <a:xfrm>
-            <a:off x="10144539" y="3776650"/>
-            <a:ext cx="567635" cy="430887"/>
-          </a:xfrm>
-          <a:prstGeom prst="rect">
-            <a:avLst/>
-          </a:prstGeom>
-          <a:noFill/>
-        </p:spPr>
-        <p:txBody>
-          <a:bodyPr wrap="square" rtlCol="0">
-            <a:spAutoFit/>
-          </a:bodyPr>
-          <a:lstStyle/>
-          <a:p>
-            <a:pPr algn="ctr"/>
-            <a:r>
-              <a:rPr lang="en-US" sz="2200" b="1" dirty="0" smtClean="0"/>
-              <a:t>30</a:t>
-            </a:r>
-            <a:endParaRPr lang="en-US" sz="2200" b="1" dirty="0"/>
+            <a:r>
+              <a:rPr lang="en-US" dirty="0" smtClean="0"/>
+              <a:t>Gantt Chart</a:t>
+            </a:r>
+            <a:endParaRPr lang="en-US" dirty="0"/>
           </a:p>
         </p:txBody>
       </p:sp>
     </p:spTree>
     <p:extLst>
       <p:ext uri="{BB962C8B-B14F-4D97-AF65-F5344CB8AC3E}">
-        <p14:creationId xmlns:p14="http://schemas.microsoft.com/office/powerpoint/2010/main" val="489000019"/>
+        <p14:creationId xmlns:p14="http://schemas.microsoft.com/office/powerpoint/2010/main" val="2174548347"/>
       </p:ext>
     </p:extLst>
   </p:cSld>
   <p:clrMapOvr>
     <a:masterClrMapping/>
   </p:clrMapOvr>
-  <mc:AlternateContent xmlns:mc="http://schemas.openxmlformats.org/markup-compatibility/2006" xmlns:p14="http://schemas.microsoft.com/office/powerpoint/2010/main">
-    <mc:Choice Requires="p14">
-      <p:transition spd="slow" p14:dur="2000"/>
-    </mc:Choice>
-    <mc:Fallback xmlns="">
-      <p:transition spd="slow"/>
-    </mc:Fallback>
-  </mc:AlternateContent>
-  <p:timing>
-    <p:tnLst>
-      <p:par>
-        <p:cTn id="1" dur="indefinite" restart="never" nodeType="tmRoot"/>
-      </p:par>
-    </p:tnLst>
-  </p:timing>
 </p:sld>
 </file>
 
